--- a/lezioni/organizzazione dell'insegnamento.pptx
+++ b/lezioni/organizzazione dell'insegnamento.pptx
@@ -114,6 +114,11 @@
       </a:defRPr>
     </a:lvl9pPr>
   </p:defaultTextStyle>
+  <p:extLst>
+    <p:ext uri="{EFAFB233-063F-42B5-8137-9DF3F51BA10A}">
+      <p15:sldGuideLst xmlns:p15="http://schemas.microsoft.com/office/powerpoint/2012/main"/>
+    </p:ext>
+  </p:extLst>
 </p:presentation>
 </file>
 
@@ -266,7 +271,7 @@
           <a:p>
             <a:fld id="{5D72FBBF-2CB4-3843-A311-712BACF208C1}" type="datetimeFigureOut">
               <a:rPr lang="en-IT" smtClean="0"/>
-              <a:t>03/09/23</a:t>
+              <a:t>04/09/23</a:t>
             </a:fld>
             <a:endParaRPr lang="en-IT"/>
           </a:p>
@@ -466,7 +471,7 @@
           <a:p>
             <a:fld id="{5D72FBBF-2CB4-3843-A311-712BACF208C1}" type="datetimeFigureOut">
               <a:rPr lang="en-IT" smtClean="0"/>
-              <a:t>03/09/23</a:t>
+              <a:t>04/09/23</a:t>
             </a:fld>
             <a:endParaRPr lang="en-IT"/>
           </a:p>
@@ -676,7 +681,7 @@
           <a:p>
             <a:fld id="{5D72FBBF-2CB4-3843-A311-712BACF208C1}" type="datetimeFigureOut">
               <a:rPr lang="en-IT" smtClean="0"/>
-              <a:t>03/09/23</a:t>
+              <a:t>04/09/23</a:t>
             </a:fld>
             <a:endParaRPr lang="en-IT"/>
           </a:p>
@@ -876,7 +881,7 @@
           <a:p>
             <a:fld id="{5D72FBBF-2CB4-3843-A311-712BACF208C1}" type="datetimeFigureOut">
               <a:rPr lang="en-IT" smtClean="0"/>
-              <a:t>03/09/23</a:t>
+              <a:t>04/09/23</a:t>
             </a:fld>
             <a:endParaRPr lang="en-IT"/>
           </a:p>
@@ -1152,7 +1157,7 @@
           <a:p>
             <a:fld id="{5D72FBBF-2CB4-3843-A311-712BACF208C1}" type="datetimeFigureOut">
               <a:rPr lang="en-IT" smtClean="0"/>
-              <a:t>03/09/23</a:t>
+              <a:t>04/09/23</a:t>
             </a:fld>
             <a:endParaRPr lang="en-IT"/>
           </a:p>
@@ -1420,7 +1425,7 @@
           <a:p>
             <a:fld id="{5D72FBBF-2CB4-3843-A311-712BACF208C1}" type="datetimeFigureOut">
               <a:rPr lang="en-IT" smtClean="0"/>
-              <a:t>03/09/23</a:t>
+              <a:t>04/09/23</a:t>
             </a:fld>
             <a:endParaRPr lang="en-IT"/>
           </a:p>
@@ -1835,7 +1840,7 @@
           <a:p>
             <a:fld id="{5D72FBBF-2CB4-3843-A311-712BACF208C1}" type="datetimeFigureOut">
               <a:rPr lang="en-IT" smtClean="0"/>
-              <a:t>03/09/23</a:t>
+              <a:t>04/09/23</a:t>
             </a:fld>
             <a:endParaRPr lang="en-IT"/>
           </a:p>
@@ -1977,7 +1982,7 @@
           <a:p>
             <a:fld id="{5D72FBBF-2CB4-3843-A311-712BACF208C1}" type="datetimeFigureOut">
               <a:rPr lang="en-IT" smtClean="0"/>
-              <a:t>03/09/23</a:t>
+              <a:t>04/09/23</a:t>
             </a:fld>
             <a:endParaRPr lang="en-IT"/>
           </a:p>
@@ -2090,7 +2095,7 @@
           <a:p>
             <a:fld id="{5D72FBBF-2CB4-3843-A311-712BACF208C1}" type="datetimeFigureOut">
               <a:rPr lang="en-IT" smtClean="0"/>
-              <a:t>03/09/23</a:t>
+              <a:t>04/09/23</a:t>
             </a:fld>
             <a:endParaRPr lang="en-IT"/>
           </a:p>
@@ -2403,7 +2408,7 @@
           <a:p>
             <a:fld id="{5D72FBBF-2CB4-3843-A311-712BACF208C1}" type="datetimeFigureOut">
               <a:rPr lang="en-IT" smtClean="0"/>
-              <a:t>03/09/23</a:t>
+              <a:t>04/09/23</a:t>
             </a:fld>
             <a:endParaRPr lang="en-IT"/>
           </a:p>
@@ -2692,7 +2697,7 @@
           <a:p>
             <a:fld id="{5D72FBBF-2CB4-3843-A311-712BACF208C1}" type="datetimeFigureOut">
               <a:rPr lang="en-IT" smtClean="0"/>
-              <a:t>03/09/23</a:t>
+              <a:t>04/09/23</a:t>
             </a:fld>
             <a:endParaRPr lang="en-IT"/>
           </a:p>
@@ -2935,7 +2940,7 @@
           <a:p>
             <a:fld id="{5D72FBBF-2CB4-3843-A311-712BACF208C1}" type="datetimeFigureOut">
               <a:rPr lang="en-IT" smtClean="0"/>
-              <a:t>03/09/23</a:t>
+              <a:t>04/09/23</a:t>
             </a:fld>
             <a:endParaRPr lang="en-IT"/>
           </a:p>
@@ -4931,6 +4936,32 @@
             <a:r>
               <a:rPr lang="en-IT" dirty="0"/>
               <a:t>.</a:t>
+            </a:r>
+          </a:p>
+          <a:p>
+            <a:r>
+              <a:rPr lang="en-IT" dirty="0">
+                <a:highlight>
+                  <a:srgbClr val="FFFF00"/>
+                </a:highlight>
+              </a:rPr>
+              <a:t>ATTENZIONE: Il giorno dell’esame occorre essere muniti di </a:t>
+            </a:r>
+            <a:r>
+              <a:rPr lang="en-IT">
+                <a:highlight>
+                  <a:srgbClr val="FFFF00"/>
+                </a:highlight>
+              </a:rPr>
+              <a:t>password per </a:t>
+            </a:r>
+            <a:r>
+              <a:rPr lang="en-IT" dirty="0">
+                <a:highlight>
+                  <a:srgbClr val="FFFF00"/>
+                </a:highlight>
+              </a:rPr>
+              <a:t>accedere a moodle.</a:t>
             </a:r>
           </a:p>
           <a:p>

--- a/lezioni/organizzazione dell'insegnamento.pptx
+++ b/lezioni/organizzazione dell'insegnamento.pptx
@@ -271,7 +271,7 @@
           <a:p>
             <a:fld id="{5D72FBBF-2CB4-3843-A311-712BACF208C1}" type="datetimeFigureOut">
               <a:rPr lang="en-IT" smtClean="0"/>
-              <a:t>04/09/23</a:t>
+              <a:t>05/09/23</a:t>
             </a:fld>
             <a:endParaRPr lang="en-IT"/>
           </a:p>
@@ -471,7 +471,7 @@
           <a:p>
             <a:fld id="{5D72FBBF-2CB4-3843-A311-712BACF208C1}" type="datetimeFigureOut">
               <a:rPr lang="en-IT" smtClean="0"/>
-              <a:t>04/09/23</a:t>
+              <a:t>05/09/23</a:t>
             </a:fld>
             <a:endParaRPr lang="en-IT"/>
           </a:p>
@@ -681,7 +681,7 @@
           <a:p>
             <a:fld id="{5D72FBBF-2CB4-3843-A311-712BACF208C1}" type="datetimeFigureOut">
               <a:rPr lang="en-IT" smtClean="0"/>
-              <a:t>04/09/23</a:t>
+              <a:t>05/09/23</a:t>
             </a:fld>
             <a:endParaRPr lang="en-IT"/>
           </a:p>
@@ -881,7 +881,7 @@
           <a:p>
             <a:fld id="{5D72FBBF-2CB4-3843-A311-712BACF208C1}" type="datetimeFigureOut">
               <a:rPr lang="en-IT" smtClean="0"/>
-              <a:t>04/09/23</a:t>
+              <a:t>05/09/23</a:t>
             </a:fld>
             <a:endParaRPr lang="en-IT"/>
           </a:p>
@@ -1157,7 +1157,7 @@
           <a:p>
             <a:fld id="{5D72FBBF-2CB4-3843-A311-712BACF208C1}" type="datetimeFigureOut">
               <a:rPr lang="en-IT" smtClean="0"/>
-              <a:t>04/09/23</a:t>
+              <a:t>05/09/23</a:t>
             </a:fld>
             <a:endParaRPr lang="en-IT"/>
           </a:p>
@@ -1425,7 +1425,7 @@
           <a:p>
             <a:fld id="{5D72FBBF-2CB4-3843-A311-712BACF208C1}" type="datetimeFigureOut">
               <a:rPr lang="en-IT" smtClean="0"/>
-              <a:t>04/09/23</a:t>
+              <a:t>05/09/23</a:t>
             </a:fld>
             <a:endParaRPr lang="en-IT"/>
           </a:p>
@@ -1840,7 +1840,7 @@
           <a:p>
             <a:fld id="{5D72FBBF-2CB4-3843-A311-712BACF208C1}" type="datetimeFigureOut">
               <a:rPr lang="en-IT" smtClean="0"/>
-              <a:t>04/09/23</a:t>
+              <a:t>05/09/23</a:t>
             </a:fld>
             <a:endParaRPr lang="en-IT"/>
           </a:p>
@@ -1982,7 +1982,7 @@
           <a:p>
             <a:fld id="{5D72FBBF-2CB4-3843-A311-712BACF208C1}" type="datetimeFigureOut">
               <a:rPr lang="en-IT" smtClean="0"/>
-              <a:t>04/09/23</a:t>
+              <a:t>05/09/23</a:t>
             </a:fld>
             <a:endParaRPr lang="en-IT"/>
           </a:p>
@@ -2095,7 +2095,7 @@
           <a:p>
             <a:fld id="{5D72FBBF-2CB4-3843-A311-712BACF208C1}" type="datetimeFigureOut">
               <a:rPr lang="en-IT" smtClean="0"/>
-              <a:t>04/09/23</a:t>
+              <a:t>05/09/23</a:t>
             </a:fld>
             <a:endParaRPr lang="en-IT"/>
           </a:p>
@@ -2408,7 +2408,7 @@
           <a:p>
             <a:fld id="{5D72FBBF-2CB4-3843-A311-712BACF208C1}" type="datetimeFigureOut">
               <a:rPr lang="en-IT" smtClean="0"/>
-              <a:t>04/09/23</a:t>
+              <a:t>05/09/23</a:t>
             </a:fld>
             <a:endParaRPr lang="en-IT"/>
           </a:p>
@@ -2697,7 +2697,7 @@
           <a:p>
             <a:fld id="{5D72FBBF-2CB4-3843-A311-712BACF208C1}" type="datetimeFigureOut">
               <a:rPr lang="en-IT" smtClean="0"/>
-              <a:t>04/09/23</a:t>
+              <a:t>05/09/23</a:t>
             </a:fld>
             <a:endParaRPr lang="en-IT"/>
           </a:p>
@@ -2940,7 +2940,7 @@
           <a:p>
             <a:fld id="{5D72FBBF-2CB4-3843-A311-712BACF208C1}" type="datetimeFigureOut">
               <a:rPr lang="en-IT" smtClean="0"/>
-              <a:t>04/09/23</a:t>
+              <a:t>05/09/23</a:t>
             </a:fld>
             <a:endParaRPr lang="en-IT"/>
           </a:p>
@@ -4945,23 +4945,7 @@
                   <a:srgbClr val="FFFF00"/>
                 </a:highlight>
               </a:rPr>
-              <a:t>ATTENZIONE: Il giorno dell’esame occorre essere muniti di </a:t>
-            </a:r>
-            <a:r>
-              <a:rPr lang="en-IT">
-                <a:highlight>
-                  <a:srgbClr val="FFFF00"/>
-                </a:highlight>
-              </a:rPr>
-              <a:t>password per </a:t>
-            </a:r>
-            <a:r>
-              <a:rPr lang="en-IT" dirty="0">
-                <a:highlight>
-                  <a:srgbClr val="FFFF00"/>
-                </a:highlight>
-              </a:rPr>
-              <a:t>accedere a moodle.</a:t>
+              <a:t>ATTENZIONE: Il giorno dell’esame occorre essere muniti di password per accedere a moodle.</a:t>
             </a:r>
           </a:p>
           <a:p>

--- a/lezioni/organizzazione dell'insegnamento.pptx
+++ b/lezioni/organizzazione dell'insegnamento.pptx
@@ -14,8 +14,9 @@
     <p:sldId id="340" r:id="rId8"/>
     <p:sldId id="338" r:id="rId9"/>
     <p:sldId id="326" r:id="rId10"/>
-    <p:sldId id="337" r:id="rId11"/>
-    <p:sldId id="341" r:id="rId12"/>
+    <p:sldId id="342" r:id="rId11"/>
+    <p:sldId id="337" r:id="rId12"/>
+    <p:sldId id="341" r:id="rId13"/>
   </p:sldIdLst>
   <p:sldSz cx="12192000" cy="6858000"/>
   <p:notesSz cx="6858000" cy="9144000"/>
@@ -271,7 +272,7 @@
           <a:p>
             <a:fld id="{5D72FBBF-2CB4-3843-A311-712BACF208C1}" type="datetimeFigureOut">
               <a:rPr lang="en-IT" smtClean="0"/>
-              <a:t>05/09/23</a:t>
+              <a:t>12/09/23</a:t>
             </a:fld>
             <a:endParaRPr lang="en-IT"/>
           </a:p>
@@ -471,7 +472,7 @@
           <a:p>
             <a:fld id="{5D72FBBF-2CB4-3843-A311-712BACF208C1}" type="datetimeFigureOut">
               <a:rPr lang="en-IT" smtClean="0"/>
-              <a:t>05/09/23</a:t>
+              <a:t>12/09/23</a:t>
             </a:fld>
             <a:endParaRPr lang="en-IT"/>
           </a:p>
@@ -681,7 +682,7 @@
           <a:p>
             <a:fld id="{5D72FBBF-2CB4-3843-A311-712BACF208C1}" type="datetimeFigureOut">
               <a:rPr lang="en-IT" smtClean="0"/>
-              <a:t>05/09/23</a:t>
+              <a:t>12/09/23</a:t>
             </a:fld>
             <a:endParaRPr lang="en-IT"/>
           </a:p>
@@ -881,7 +882,7 @@
           <a:p>
             <a:fld id="{5D72FBBF-2CB4-3843-A311-712BACF208C1}" type="datetimeFigureOut">
               <a:rPr lang="en-IT" smtClean="0"/>
-              <a:t>05/09/23</a:t>
+              <a:t>12/09/23</a:t>
             </a:fld>
             <a:endParaRPr lang="en-IT"/>
           </a:p>
@@ -1157,7 +1158,7 @@
           <a:p>
             <a:fld id="{5D72FBBF-2CB4-3843-A311-712BACF208C1}" type="datetimeFigureOut">
               <a:rPr lang="en-IT" smtClean="0"/>
-              <a:t>05/09/23</a:t>
+              <a:t>12/09/23</a:t>
             </a:fld>
             <a:endParaRPr lang="en-IT"/>
           </a:p>
@@ -1425,7 +1426,7 @@
           <a:p>
             <a:fld id="{5D72FBBF-2CB4-3843-A311-712BACF208C1}" type="datetimeFigureOut">
               <a:rPr lang="en-IT" smtClean="0"/>
-              <a:t>05/09/23</a:t>
+              <a:t>12/09/23</a:t>
             </a:fld>
             <a:endParaRPr lang="en-IT"/>
           </a:p>
@@ -1840,7 +1841,7 @@
           <a:p>
             <a:fld id="{5D72FBBF-2CB4-3843-A311-712BACF208C1}" type="datetimeFigureOut">
               <a:rPr lang="en-IT" smtClean="0"/>
-              <a:t>05/09/23</a:t>
+              <a:t>12/09/23</a:t>
             </a:fld>
             <a:endParaRPr lang="en-IT"/>
           </a:p>
@@ -1982,7 +1983,7 @@
           <a:p>
             <a:fld id="{5D72FBBF-2CB4-3843-A311-712BACF208C1}" type="datetimeFigureOut">
               <a:rPr lang="en-IT" smtClean="0"/>
-              <a:t>05/09/23</a:t>
+              <a:t>12/09/23</a:t>
             </a:fld>
             <a:endParaRPr lang="en-IT"/>
           </a:p>
@@ -2095,7 +2096,7 @@
           <a:p>
             <a:fld id="{5D72FBBF-2CB4-3843-A311-712BACF208C1}" type="datetimeFigureOut">
               <a:rPr lang="en-IT" smtClean="0"/>
-              <a:t>05/09/23</a:t>
+              <a:t>12/09/23</a:t>
             </a:fld>
             <a:endParaRPr lang="en-IT"/>
           </a:p>
@@ -2408,7 +2409,7 @@
           <a:p>
             <a:fld id="{5D72FBBF-2CB4-3843-A311-712BACF208C1}" type="datetimeFigureOut">
               <a:rPr lang="en-IT" smtClean="0"/>
-              <a:t>05/09/23</a:t>
+              <a:t>12/09/23</a:t>
             </a:fld>
             <a:endParaRPr lang="en-IT"/>
           </a:p>
@@ -2697,7 +2698,7 @@
           <a:p>
             <a:fld id="{5D72FBBF-2CB4-3843-A311-712BACF208C1}" type="datetimeFigureOut">
               <a:rPr lang="en-IT" smtClean="0"/>
-              <a:t>05/09/23</a:t>
+              <a:t>12/09/23</a:t>
             </a:fld>
             <a:endParaRPr lang="en-IT"/>
           </a:p>
@@ -2940,7 +2941,7 @@
           <a:p>
             <a:fld id="{5D72FBBF-2CB4-3843-A311-712BACF208C1}" type="datetimeFigureOut">
               <a:rPr lang="en-IT" smtClean="0"/>
-              <a:t>05/09/23</a:t>
+              <a:t>12/09/23</a:t>
             </a:fld>
             <a:endParaRPr lang="en-IT"/>
           </a:p>
@@ -3505,6 +3506,1818 @@
           <p:cNvPr id="2" name="Title 1">
             <a:extLst>
               <a:ext uri="{FF2B5EF4-FFF2-40B4-BE49-F238E27FC236}">
+                <a16:creationId xmlns:a16="http://schemas.microsoft.com/office/drawing/2014/main" id="{CC7259B1-7E38-2506-9799-7F6CBCE80D3A}"/>
+              </a:ext>
+            </a:extLst>
+          </p:cNvPr>
+          <p:cNvSpPr>
+            <a:spLocks noGrp="1"/>
+          </p:cNvSpPr>
+          <p:nvPr>
+            <p:ph type="title"/>
+          </p:nvPr>
+        </p:nvSpPr>
+        <p:spPr/>
+        <p:txBody>
+          <a:bodyPr/>
+          <a:lstStyle/>
+          <a:p>
+            <a:r>
+              <a:rPr lang="en-IT" dirty="0"/>
+              <a:t>Statistiche AA 2022/23</a:t>
+            </a:r>
+          </a:p>
+        </p:txBody>
+      </p:sp>
+      <p:graphicFrame>
+        <p:nvGraphicFramePr>
+          <p:cNvPr id="4" name="Content Placeholder 3">
+            <a:extLst>
+              <a:ext uri="{FF2B5EF4-FFF2-40B4-BE49-F238E27FC236}">
+                <a16:creationId xmlns:a16="http://schemas.microsoft.com/office/drawing/2014/main" id="{086F003A-0F05-B926-215E-A54C519243E3}"/>
+              </a:ext>
+            </a:extLst>
+          </p:cNvPr>
+          <p:cNvGraphicFramePr>
+            <a:graphicFrameLocks noGrp="1"/>
+          </p:cNvGraphicFramePr>
+          <p:nvPr>
+            <p:ph idx="1"/>
+            <p:extLst>
+              <p:ext uri="{D42A27DB-BD31-4B8C-83A1-F6EECF244321}">
+                <p14:modId xmlns:p14="http://schemas.microsoft.com/office/powerpoint/2010/main" val="1898741288"/>
+              </p:ext>
+            </p:extLst>
+          </p:nvPr>
+        </p:nvGraphicFramePr>
+        <p:xfrm>
+          <a:off x="1038232" y="2070206"/>
+          <a:ext cx="3362318" cy="4267531"/>
+        </p:xfrm>
+        <a:graphic>
+          <a:graphicData uri="http://schemas.openxmlformats.org/drawingml/2006/table">
+            <a:tbl>
+              <a:tblPr/>
+              <a:tblGrid>
+                <a:gridCol w="1681159">
+                  <a:extLst>
+                    <a:ext uri="{9D8B030D-6E8A-4147-A177-3AD203B41FA5}">
+                      <a16:colId xmlns:a16="http://schemas.microsoft.com/office/drawing/2014/main" val="898587247"/>
+                    </a:ext>
+                  </a:extLst>
+                </a:gridCol>
+                <a:gridCol w="1681159">
+                  <a:extLst>
+                    <a:ext uri="{9D8B030D-6E8A-4147-A177-3AD203B41FA5}">
+                      <a16:colId xmlns:a16="http://schemas.microsoft.com/office/drawing/2014/main" val="3496545682"/>
+                    </a:ext>
+                  </a:extLst>
+                </a:gridCol>
+              </a:tblGrid>
+              <a:tr h="376491">
+                <a:tc>
+                  <a:txBody>
+                    <a:bodyPr/>
+                    <a:lstStyle/>
+                    <a:p>
+                      <a:pPr algn="l"/>
+                      <a:endParaRPr lang="en-GB" sz="1200" b="0" dirty="0">
+                        <a:effectLst/>
+                        <a:latin typeface="Google Sans"/>
+                      </a:endParaRPr>
+                    </a:p>
+                  </a:txBody>
+                  <a:tcPr marL="61867" marR="61867" marT="30934" marB="30934" anchor="ctr">
+                    <a:lnL>
+                      <a:noFill/>
+                    </a:lnL>
+                    <a:lnR>
+                      <a:noFill/>
+                    </a:lnR>
+                    <a:lnT>
+                      <a:noFill/>
+                    </a:lnT>
+                    <a:lnB>
+                      <a:noFill/>
+                    </a:lnB>
+                    <a:solidFill>
+                      <a:srgbClr val="FFFFFF"/>
+                    </a:solidFill>
+                  </a:tcPr>
+                </a:tc>
+                <a:tc>
+                  <a:txBody>
+                    <a:bodyPr/>
+                    <a:lstStyle/>
+                    <a:p>
+                      <a:pPr algn="l"/>
+                      <a:endParaRPr lang="en-GB" sz="1200" b="0">
+                        <a:effectLst/>
+                        <a:latin typeface="Google Sans"/>
+                      </a:endParaRPr>
+                    </a:p>
+                  </a:txBody>
+                  <a:tcPr marL="61867" marR="61867" marT="30934" marB="30934" anchor="ctr">
+                    <a:lnL>
+                      <a:noFill/>
+                    </a:lnL>
+                    <a:lnR>
+                      <a:noFill/>
+                    </a:lnR>
+                    <a:lnT>
+                      <a:noFill/>
+                    </a:lnT>
+                    <a:lnB>
+                      <a:noFill/>
+                    </a:lnB>
+                    <a:solidFill>
+                      <a:srgbClr val="FFFFFF"/>
+                    </a:solidFill>
+                  </a:tcPr>
+                </a:tc>
+                <a:extLst>
+                  <a:ext uri="{0D108BD9-81ED-4DB2-BD59-A6C34878D82A}">
+                    <a16:rowId xmlns:a16="http://schemas.microsoft.com/office/drawing/2014/main" val="2307455439"/>
+                  </a:ext>
+                </a:extLst>
+              </a:tr>
+              <a:tr h="340634">
+                <a:tc>
+                  <a:txBody>
+                    <a:bodyPr/>
+                    <a:lstStyle/>
+                    <a:p>
+                      <a:endParaRPr lang="en-IT" sz="1200" b="0">
+                        <a:effectLst/>
+                        <a:latin typeface="Google Sans"/>
+                      </a:endParaRPr>
+                    </a:p>
+                  </a:txBody>
+                  <a:tcPr marL="103112" marR="103112" marT="103112" marB="103112" anchor="ctr">
+                    <a:lnL>
+                      <a:noFill/>
+                    </a:lnL>
+                    <a:lnR>
+                      <a:noFill/>
+                    </a:lnR>
+                    <a:lnT>
+                      <a:noFill/>
+                    </a:lnT>
+                    <a:lnB>
+                      <a:noFill/>
+                    </a:lnB>
+                    <a:solidFill>
+                      <a:srgbClr val="FFFFFF"/>
+                    </a:solidFill>
+                  </a:tcPr>
+                </a:tc>
+                <a:tc>
+                  <a:txBody>
+                    <a:bodyPr/>
+                    <a:lstStyle/>
+                    <a:p>
+                      <a:endParaRPr lang="en-IT" sz="1200" b="0">
+                        <a:effectLst/>
+                        <a:latin typeface="Google Sans"/>
+                      </a:endParaRPr>
+                    </a:p>
+                  </a:txBody>
+                  <a:tcPr marL="103112" marR="103112" marT="103112" marB="103112" anchor="ctr">
+                    <a:lnL>
+                      <a:noFill/>
+                    </a:lnL>
+                    <a:lnR>
+                      <a:noFill/>
+                    </a:lnR>
+                    <a:lnT>
+                      <a:noFill/>
+                    </a:lnT>
+                    <a:lnB>
+                      <a:noFill/>
+                    </a:lnB>
+                    <a:solidFill>
+                      <a:srgbClr val="FFFFFF"/>
+                    </a:solidFill>
+                  </a:tcPr>
+                </a:tc>
+                <a:extLst>
+                  <a:ext uri="{0D108BD9-81ED-4DB2-BD59-A6C34878D82A}">
+                    <a16:rowId xmlns:a16="http://schemas.microsoft.com/office/drawing/2014/main" val="17833225"/>
+                  </a:ext>
+                </a:extLst>
+              </a:tr>
+              <a:tr h="340634">
+                <a:tc>
+                  <a:txBody>
+                    <a:bodyPr/>
+                    <a:lstStyle/>
+                    <a:p>
+                      <a:endParaRPr lang="en-IT" sz="1200" b="0">
+                        <a:effectLst/>
+                        <a:latin typeface="Google Sans"/>
+                      </a:endParaRPr>
+                    </a:p>
+                  </a:txBody>
+                  <a:tcPr marL="103112" marR="103112" marT="103112" marB="103112" anchor="ctr">
+                    <a:lnL>
+                      <a:noFill/>
+                    </a:lnL>
+                    <a:lnR>
+                      <a:noFill/>
+                    </a:lnR>
+                    <a:lnT>
+                      <a:noFill/>
+                    </a:lnT>
+                    <a:lnB>
+                      <a:noFill/>
+                    </a:lnB>
+                    <a:solidFill>
+                      <a:srgbClr val="FFFFFF"/>
+                    </a:solidFill>
+                  </a:tcPr>
+                </a:tc>
+                <a:tc>
+                  <a:txBody>
+                    <a:bodyPr/>
+                    <a:lstStyle/>
+                    <a:p>
+                      <a:endParaRPr lang="en-IT" sz="1200" b="0">
+                        <a:effectLst/>
+                        <a:latin typeface="Google Sans"/>
+                      </a:endParaRPr>
+                    </a:p>
+                  </a:txBody>
+                  <a:tcPr marL="103112" marR="103112" marT="103112" marB="103112" anchor="ctr">
+                    <a:lnL>
+                      <a:noFill/>
+                    </a:lnL>
+                    <a:lnR>
+                      <a:noFill/>
+                    </a:lnR>
+                    <a:lnT>
+                      <a:noFill/>
+                    </a:lnT>
+                    <a:lnB>
+                      <a:noFill/>
+                    </a:lnB>
+                    <a:solidFill>
+                      <a:srgbClr val="FFFFFF"/>
+                    </a:solidFill>
+                  </a:tcPr>
+                </a:tc>
+                <a:extLst>
+                  <a:ext uri="{0D108BD9-81ED-4DB2-BD59-A6C34878D82A}">
+                    <a16:rowId xmlns:a16="http://schemas.microsoft.com/office/drawing/2014/main" val="2025185238"/>
+                  </a:ext>
+                </a:extLst>
+              </a:tr>
+              <a:tr h="340634">
+                <a:tc>
+                  <a:txBody>
+                    <a:bodyPr/>
+                    <a:lstStyle/>
+                    <a:p>
+                      <a:endParaRPr lang="en-IT" sz="1200" b="0" dirty="0">
+                        <a:effectLst/>
+                        <a:latin typeface="Google Sans"/>
+                      </a:endParaRPr>
+                    </a:p>
+                  </a:txBody>
+                  <a:tcPr marL="103112" marR="103112" marT="103112" marB="103112" anchor="ctr">
+                    <a:lnL>
+                      <a:noFill/>
+                    </a:lnL>
+                    <a:lnR>
+                      <a:noFill/>
+                    </a:lnR>
+                    <a:lnT>
+                      <a:noFill/>
+                    </a:lnT>
+                    <a:lnB>
+                      <a:noFill/>
+                    </a:lnB>
+                    <a:solidFill>
+                      <a:srgbClr val="FFFFFF"/>
+                    </a:solidFill>
+                  </a:tcPr>
+                </a:tc>
+                <a:tc>
+                  <a:txBody>
+                    <a:bodyPr/>
+                    <a:lstStyle/>
+                    <a:p>
+                      <a:endParaRPr lang="en-IT" sz="1200" b="0">
+                        <a:effectLst/>
+                        <a:latin typeface="Google Sans"/>
+                      </a:endParaRPr>
+                    </a:p>
+                  </a:txBody>
+                  <a:tcPr marL="103112" marR="103112" marT="103112" marB="103112" anchor="ctr">
+                    <a:lnL>
+                      <a:noFill/>
+                    </a:lnL>
+                    <a:lnR>
+                      <a:noFill/>
+                    </a:lnR>
+                    <a:lnT>
+                      <a:noFill/>
+                    </a:lnT>
+                    <a:lnB>
+                      <a:noFill/>
+                    </a:lnB>
+                    <a:solidFill>
+                      <a:srgbClr val="FFFFFF"/>
+                    </a:solidFill>
+                  </a:tcPr>
+                </a:tc>
+                <a:extLst>
+                  <a:ext uri="{0D108BD9-81ED-4DB2-BD59-A6C34878D82A}">
+                    <a16:rowId xmlns:a16="http://schemas.microsoft.com/office/drawing/2014/main" val="704865813"/>
+                  </a:ext>
+                </a:extLst>
+              </a:tr>
+              <a:tr h="340634">
+                <a:tc>
+                  <a:txBody>
+                    <a:bodyPr/>
+                    <a:lstStyle/>
+                    <a:p>
+                      <a:endParaRPr lang="en-IT" sz="1200" b="0">
+                        <a:effectLst/>
+                        <a:latin typeface="Google Sans"/>
+                      </a:endParaRPr>
+                    </a:p>
+                  </a:txBody>
+                  <a:tcPr marL="103112" marR="103112" marT="103112" marB="103112" anchor="ctr">
+                    <a:lnL>
+                      <a:noFill/>
+                    </a:lnL>
+                    <a:lnR>
+                      <a:noFill/>
+                    </a:lnR>
+                    <a:lnT>
+                      <a:noFill/>
+                    </a:lnT>
+                    <a:lnB>
+                      <a:noFill/>
+                    </a:lnB>
+                    <a:solidFill>
+                      <a:srgbClr val="FFFFFF"/>
+                    </a:solidFill>
+                  </a:tcPr>
+                </a:tc>
+                <a:tc>
+                  <a:txBody>
+                    <a:bodyPr/>
+                    <a:lstStyle/>
+                    <a:p>
+                      <a:endParaRPr lang="en-IT" sz="1200" b="0">
+                        <a:effectLst/>
+                        <a:latin typeface="Google Sans"/>
+                      </a:endParaRPr>
+                    </a:p>
+                  </a:txBody>
+                  <a:tcPr marL="103112" marR="103112" marT="103112" marB="103112" anchor="ctr">
+                    <a:lnL>
+                      <a:noFill/>
+                    </a:lnL>
+                    <a:lnR>
+                      <a:noFill/>
+                    </a:lnR>
+                    <a:lnT>
+                      <a:noFill/>
+                    </a:lnT>
+                    <a:lnB>
+                      <a:noFill/>
+                    </a:lnB>
+                    <a:solidFill>
+                      <a:srgbClr val="FFFFFF"/>
+                    </a:solidFill>
+                  </a:tcPr>
+                </a:tc>
+                <a:extLst>
+                  <a:ext uri="{0D108BD9-81ED-4DB2-BD59-A6C34878D82A}">
+                    <a16:rowId xmlns:a16="http://schemas.microsoft.com/office/drawing/2014/main" val="1713996623"/>
+                  </a:ext>
+                </a:extLst>
+              </a:tr>
+              <a:tr h="340634">
+                <a:tc>
+                  <a:txBody>
+                    <a:bodyPr/>
+                    <a:lstStyle/>
+                    <a:p>
+                      <a:endParaRPr lang="en-IT" sz="1200" b="0">
+                        <a:effectLst/>
+                        <a:latin typeface="Google Sans"/>
+                      </a:endParaRPr>
+                    </a:p>
+                  </a:txBody>
+                  <a:tcPr marL="103112" marR="103112" marT="103112" marB="103112" anchor="ctr">
+                    <a:lnL>
+                      <a:noFill/>
+                    </a:lnL>
+                    <a:lnR>
+                      <a:noFill/>
+                    </a:lnR>
+                    <a:lnT>
+                      <a:noFill/>
+                    </a:lnT>
+                    <a:lnB>
+                      <a:noFill/>
+                    </a:lnB>
+                    <a:solidFill>
+                      <a:srgbClr val="FFFFFF"/>
+                    </a:solidFill>
+                  </a:tcPr>
+                </a:tc>
+                <a:tc>
+                  <a:txBody>
+                    <a:bodyPr/>
+                    <a:lstStyle/>
+                    <a:p>
+                      <a:endParaRPr lang="en-IT" sz="1200" b="0">
+                        <a:effectLst/>
+                        <a:latin typeface="Google Sans"/>
+                      </a:endParaRPr>
+                    </a:p>
+                  </a:txBody>
+                  <a:tcPr marL="103112" marR="103112" marT="103112" marB="103112" anchor="ctr">
+                    <a:lnL>
+                      <a:noFill/>
+                    </a:lnL>
+                    <a:lnR>
+                      <a:noFill/>
+                    </a:lnR>
+                    <a:lnT>
+                      <a:noFill/>
+                    </a:lnT>
+                    <a:lnB>
+                      <a:noFill/>
+                    </a:lnB>
+                    <a:solidFill>
+                      <a:srgbClr val="FFFFFF"/>
+                    </a:solidFill>
+                  </a:tcPr>
+                </a:tc>
+                <a:extLst>
+                  <a:ext uri="{0D108BD9-81ED-4DB2-BD59-A6C34878D82A}">
+                    <a16:rowId xmlns:a16="http://schemas.microsoft.com/office/drawing/2014/main" val="2015699875"/>
+                  </a:ext>
+                </a:extLst>
+              </a:tr>
+              <a:tr h="340634">
+                <a:tc>
+                  <a:txBody>
+                    <a:bodyPr/>
+                    <a:lstStyle/>
+                    <a:p>
+                      <a:endParaRPr lang="en-IT" sz="1200" b="0">
+                        <a:effectLst/>
+                        <a:latin typeface="Google Sans"/>
+                      </a:endParaRPr>
+                    </a:p>
+                  </a:txBody>
+                  <a:tcPr marL="103112" marR="103112" marT="103112" marB="103112" anchor="ctr">
+                    <a:lnL>
+                      <a:noFill/>
+                    </a:lnL>
+                    <a:lnR>
+                      <a:noFill/>
+                    </a:lnR>
+                    <a:lnT>
+                      <a:noFill/>
+                    </a:lnT>
+                    <a:lnB>
+                      <a:noFill/>
+                    </a:lnB>
+                    <a:solidFill>
+                      <a:srgbClr val="FFFFFF"/>
+                    </a:solidFill>
+                  </a:tcPr>
+                </a:tc>
+                <a:tc>
+                  <a:txBody>
+                    <a:bodyPr/>
+                    <a:lstStyle/>
+                    <a:p>
+                      <a:endParaRPr lang="en-IT" sz="1200" b="0">
+                        <a:effectLst/>
+                        <a:latin typeface="Google Sans"/>
+                      </a:endParaRPr>
+                    </a:p>
+                  </a:txBody>
+                  <a:tcPr marL="103112" marR="103112" marT="103112" marB="103112" anchor="ctr">
+                    <a:lnL>
+                      <a:noFill/>
+                    </a:lnL>
+                    <a:lnR>
+                      <a:noFill/>
+                    </a:lnR>
+                    <a:lnT>
+                      <a:noFill/>
+                    </a:lnT>
+                    <a:lnB>
+                      <a:noFill/>
+                    </a:lnB>
+                    <a:solidFill>
+                      <a:srgbClr val="FFFFFF"/>
+                    </a:solidFill>
+                  </a:tcPr>
+                </a:tc>
+                <a:extLst>
+                  <a:ext uri="{0D108BD9-81ED-4DB2-BD59-A6C34878D82A}">
+                    <a16:rowId xmlns:a16="http://schemas.microsoft.com/office/drawing/2014/main" val="3739606697"/>
+                  </a:ext>
+                </a:extLst>
+              </a:tr>
+              <a:tr h="340634">
+                <a:tc>
+                  <a:txBody>
+                    <a:bodyPr/>
+                    <a:lstStyle/>
+                    <a:p>
+                      <a:endParaRPr lang="en-IT" sz="1200" b="0">
+                        <a:effectLst/>
+                        <a:latin typeface="Google Sans"/>
+                      </a:endParaRPr>
+                    </a:p>
+                  </a:txBody>
+                  <a:tcPr marL="103112" marR="103112" marT="103112" marB="103112" anchor="ctr">
+                    <a:lnL>
+                      <a:noFill/>
+                    </a:lnL>
+                    <a:lnR>
+                      <a:noFill/>
+                    </a:lnR>
+                    <a:lnT>
+                      <a:noFill/>
+                    </a:lnT>
+                    <a:lnB>
+                      <a:noFill/>
+                    </a:lnB>
+                    <a:solidFill>
+                      <a:srgbClr val="FFFFFF"/>
+                    </a:solidFill>
+                  </a:tcPr>
+                </a:tc>
+                <a:tc>
+                  <a:txBody>
+                    <a:bodyPr/>
+                    <a:lstStyle/>
+                    <a:p>
+                      <a:endParaRPr lang="en-IT" sz="1200" b="0">
+                        <a:effectLst/>
+                        <a:latin typeface="Google Sans"/>
+                      </a:endParaRPr>
+                    </a:p>
+                  </a:txBody>
+                  <a:tcPr marL="103112" marR="103112" marT="103112" marB="103112" anchor="ctr">
+                    <a:lnL>
+                      <a:noFill/>
+                    </a:lnL>
+                    <a:lnR>
+                      <a:noFill/>
+                    </a:lnR>
+                    <a:lnT>
+                      <a:noFill/>
+                    </a:lnT>
+                    <a:lnB>
+                      <a:noFill/>
+                    </a:lnB>
+                    <a:solidFill>
+                      <a:srgbClr val="FFFFFF"/>
+                    </a:solidFill>
+                  </a:tcPr>
+                </a:tc>
+                <a:extLst>
+                  <a:ext uri="{0D108BD9-81ED-4DB2-BD59-A6C34878D82A}">
+                    <a16:rowId xmlns:a16="http://schemas.microsoft.com/office/drawing/2014/main" val="3248865954"/>
+                  </a:ext>
+                </a:extLst>
+              </a:tr>
+              <a:tr h="340634">
+                <a:tc>
+                  <a:txBody>
+                    <a:bodyPr/>
+                    <a:lstStyle/>
+                    <a:p>
+                      <a:endParaRPr lang="en-IT" sz="1200" b="0">
+                        <a:effectLst/>
+                        <a:latin typeface="Google Sans"/>
+                      </a:endParaRPr>
+                    </a:p>
+                  </a:txBody>
+                  <a:tcPr marL="103112" marR="103112" marT="103112" marB="103112" anchor="ctr">
+                    <a:lnL>
+                      <a:noFill/>
+                    </a:lnL>
+                    <a:lnR>
+                      <a:noFill/>
+                    </a:lnR>
+                    <a:lnT>
+                      <a:noFill/>
+                    </a:lnT>
+                    <a:lnB>
+                      <a:noFill/>
+                    </a:lnB>
+                    <a:solidFill>
+                      <a:srgbClr val="FFFFFF"/>
+                    </a:solidFill>
+                  </a:tcPr>
+                </a:tc>
+                <a:tc>
+                  <a:txBody>
+                    <a:bodyPr/>
+                    <a:lstStyle/>
+                    <a:p>
+                      <a:endParaRPr lang="en-IT" sz="1200" b="0">
+                        <a:effectLst/>
+                        <a:latin typeface="Google Sans"/>
+                      </a:endParaRPr>
+                    </a:p>
+                  </a:txBody>
+                  <a:tcPr marL="103112" marR="103112" marT="103112" marB="103112" anchor="ctr">
+                    <a:lnL>
+                      <a:noFill/>
+                    </a:lnL>
+                    <a:lnR>
+                      <a:noFill/>
+                    </a:lnR>
+                    <a:lnT>
+                      <a:noFill/>
+                    </a:lnT>
+                    <a:lnB>
+                      <a:noFill/>
+                    </a:lnB>
+                    <a:solidFill>
+                      <a:srgbClr val="FFFFFF"/>
+                    </a:solidFill>
+                  </a:tcPr>
+                </a:tc>
+                <a:extLst>
+                  <a:ext uri="{0D108BD9-81ED-4DB2-BD59-A6C34878D82A}">
+                    <a16:rowId xmlns:a16="http://schemas.microsoft.com/office/drawing/2014/main" val="1205825867"/>
+                  </a:ext>
+                </a:extLst>
+              </a:tr>
+              <a:tr h="340634">
+                <a:tc>
+                  <a:txBody>
+                    <a:bodyPr/>
+                    <a:lstStyle/>
+                    <a:p>
+                      <a:endParaRPr lang="en-IT" sz="1200" b="0">
+                        <a:effectLst/>
+                        <a:latin typeface="Google Sans"/>
+                      </a:endParaRPr>
+                    </a:p>
+                  </a:txBody>
+                  <a:tcPr marL="103112" marR="103112" marT="103112" marB="103112" anchor="ctr">
+                    <a:lnL>
+                      <a:noFill/>
+                    </a:lnL>
+                    <a:lnR>
+                      <a:noFill/>
+                    </a:lnR>
+                    <a:lnT>
+                      <a:noFill/>
+                    </a:lnT>
+                    <a:lnB>
+                      <a:noFill/>
+                    </a:lnB>
+                    <a:solidFill>
+                      <a:srgbClr val="FFFFFF"/>
+                    </a:solidFill>
+                  </a:tcPr>
+                </a:tc>
+                <a:tc>
+                  <a:txBody>
+                    <a:bodyPr/>
+                    <a:lstStyle/>
+                    <a:p>
+                      <a:endParaRPr lang="en-IT" sz="1200" b="0">
+                        <a:effectLst/>
+                        <a:latin typeface="Google Sans"/>
+                      </a:endParaRPr>
+                    </a:p>
+                  </a:txBody>
+                  <a:tcPr marL="103112" marR="103112" marT="103112" marB="103112" anchor="ctr">
+                    <a:lnL>
+                      <a:noFill/>
+                    </a:lnL>
+                    <a:lnR>
+                      <a:noFill/>
+                    </a:lnR>
+                    <a:lnT>
+                      <a:noFill/>
+                    </a:lnT>
+                    <a:lnB>
+                      <a:noFill/>
+                    </a:lnB>
+                    <a:solidFill>
+                      <a:srgbClr val="FFFFFF"/>
+                    </a:solidFill>
+                  </a:tcPr>
+                </a:tc>
+                <a:extLst>
+                  <a:ext uri="{0D108BD9-81ED-4DB2-BD59-A6C34878D82A}">
+                    <a16:rowId xmlns:a16="http://schemas.microsoft.com/office/drawing/2014/main" val="3133440843"/>
+                  </a:ext>
+                </a:extLst>
+              </a:tr>
+              <a:tr h="340634">
+                <a:tc>
+                  <a:txBody>
+                    <a:bodyPr/>
+                    <a:lstStyle/>
+                    <a:p>
+                      <a:endParaRPr lang="en-IT" sz="1200" b="0">
+                        <a:effectLst/>
+                        <a:latin typeface="Google Sans"/>
+                      </a:endParaRPr>
+                    </a:p>
+                  </a:txBody>
+                  <a:tcPr marL="103112" marR="103112" marT="103112" marB="103112" anchor="ctr">
+                    <a:lnL>
+                      <a:noFill/>
+                    </a:lnL>
+                    <a:lnR>
+                      <a:noFill/>
+                    </a:lnR>
+                    <a:lnT>
+                      <a:noFill/>
+                    </a:lnT>
+                    <a:lnB>
+                      <a:noFill/>
+                    </a:lnB>
+                    <a:solidFill>
+                      <a:srgbClr val="FFFFFF"/>
+                    </a:solidFill>
+                  </a:tcPr>
+                </a:tc>
+                <a:tc>
+                  <a:txBody>
+                    <a:bodyPr/>
+                    <a:lstStyle/>
+                    <a:p>
+                      <a:endParaRPr lang="en-IT" sz="1200" b="0" dirty="0">
+                        <a:effectLst/>
+                        <a:latin typeface="Google Sans"/>
+                      </a:endParaRPr>
+                    </a:p>
+                  </a:txBody>
+                  <a:tcPr marL="103112" marR="103112" marT="103112" marB="103112" anchor="ctr">
+                    <a:lnL>
+                      <a:noFill/>
+                    </a:lnL>
+                    <a:lnR>
+                      <a:noFill/>
+                    </a:lnR>
+                    <a:lnT>
+                      <a:noFill/>
+                    </a:lnT>
+                    <a:lnB>
+                      <a:noFill/>
+                    </a:lnB>
+                    <a:solidFill>
+                      <a:srgbClr val="FFFFFF"/>
+                    </a:solidFill>
+                  </a:tcPr>
+                </a:tc>
+                <a:extLst>
+                  <a:ext uri="{0D108BD9-81ED-4DB2-BD59-A6C34878D82A}">
+                    <a16:rowId xmlns:a16="http://schemas.microsoft.com/office/drawing/2014/main" val="3577274678"/>
+                  </a:ext>
+                </a:extLst>
+              </a:tr>
+            </a:tbl>
+          </a:graphicData>
+        </a:graphic>
+      </p:graphicFrame>
+      <p:graphicFrame>
+        <p:nvGraphicFramePr>
+          <p:cNvPr id="7" name="Table 6">
+            <a:extLst>
+              <a:ext uri="{FF2B5EF4-FFF2-40B4-BE49-F238E27FC236}">
+                <a16:creationId xmlns:a16="http://schemas.microsoft.com/office/drawing/2014/main" id="{4E9D8585-54F8-2217-85F6-C6D5E46D7736}"/>
+              </a:ext>
+            </a:extLst>
+          </p:cNvPr>
+          <p:cNvGraphicFramePr>
+            <a:graphicFrameLocks noGrp="1"/>
+          </p:cNvGraphicFramePr>
+          <p:nvPr>
+            <p:extLst>
+              <p:ext uri="{D42A27DB-BD31-4B8C-83A1-F6EECF244321}">
+                <p14:modId xmlns:p14="http://schemas.microsoft.com/office/powerpoint/2010/main" val="3296189370"/>
+              </p:ext>
+            </p:extLst>
+          </p:nvPr>
+        </p:nvGraphicFramePr>
+        <p:xfrm>
+          <a:off x="6863434" y="2070206"/>
+          <a:ext cx="4155086" cy="3627120"/>
+        </p:xfrm>
+        <a:graphic>
+          <a:graphicData uri="http://schemas.openxmlformats.org/drawingml/2006/table">
+            <a:tbl>
+              <a:tblPr>
+                <a:tableStyleId>{284E427A-3D55-4303-BF80-6455036E1DE7}</a:tableStyleId>
+              </a:tblPr>
+              <a:tblGrid>
+                <a:gridCol w="2077543">
+                  <a:extLst>
+                    <a:ext uri="{9D8B030D-6E8A-4147-A177-3AD203B41FA5}">
+                      <a16:colId xmlns:a16="http://schemas.microsoft.com/office/drawing/2014/main" val="2608205727"/>
+                    </a:ext>
+                  </a:extLst>
+                </a:gridCol>
+                <a:gridCol w="2077543">
+                  <a:extLst>
+                    <a:ext uri="{9D8B030D-6E8A-4147-A177-3AD203B41FA5}">
+                      <a16:colId xmlns:a16="http://schemas.microsoft.com/office/drawing/2014/main" val="4004278729"/>
+                    </a:ext>
+                  </a:extLst>
+                </a:gridCol>
+              </a:tblGrid>
+              <a:tr h="0">
+                <a:tc gridSpan="2">
+                  <a:txBody>
+                    <a:bodyPr/>
+                    <a:lstStyle/>
+                    <a:p>
+                      <a:pPr algn="ctr"/>
+                      <a:r>
+                        <a:rPr lang="en-GB" b="0" dirty="0" err="1">
+                          <a:effectLst/>
+                        </a:rPr>
+                        <a:t>Studenti</a:t>
+                      </a:r>
+                      <a:r>
+                        <a:rPr lang="en-GB" b="0" dirty="0">
+                          <a:effectLst/>
+                        </a:rPr>
+                        <a:t> </a:t>
+                      </a:r>
+                      <a:r>
+                        <a:rPr lang="en-GB" b="0" dirty="0" err="1">
+                          <a:effectLst/>
+                        </a:rPr>
+                        <a:t>che</a:t>
+                      </a:r>
+                      <a:r>
+                        <a:rPr lang="en-GB" b="0" dirty="0">
+                          <a:effectLst/>
+                        </a:rPr>
+                        <a:t> </a:t>
+                      </a:r>
+                      <a:r>
+                        <a:rPr lang="en-GB" b="0" dirty="0" err="1">
+                          <a:effectLst/>
+                        </a:rPr>
+                        <a:t>hanno</a:t>
+                      </a:r>
+                      <a:r>
+                        <a:rPr lang="en-GB" b="0" dirty="0">
+                          <a:effectLst/>
+                        </a:rPr>
+                        <a:t> </a:t>
+                      </a:r>
+                      <a:r>
+                        <a:rPr lang="en-GB" b="0" dirty="0" err="1">
+                          <a:effectLst/>
+                        </a:rPr>
+                        <a:t>superato</a:t>
+                      </a:r>
+                      <a:r>
+                        <a:rPr lang="en-GB" b="0" dirty="0">
+                          <a:effectLst/>
+                        </a:rPr>
+                        <a:t> </a:t>
+                      </a:r>
+                      <a:r>
+                        <a:rPr lang="en-GB" b="0" dirty="0" err="1">
+                          <a:effectLst/>
+                        </a:rPr>
+                        <a:t>l’esame</a:t>
+                      </a:r>
+                      <a:endParaRPr lang="en-GB" b="0" dirty="0">
+                        <a:effectLst/>
+                        <a:latin typeface="Google Sans"/>
+                      </a:endParaRPr>
+                    </a:p>
+                  </a:txBody>
+                  <a:tcPr anchor="ctr"/>
+                </a:tc>
+                <a:tc hMerge="1">
+                  <a:txBody>
+                    <a:bodyPr/>
+                    <a:lstStyle/>
+                    <a:p>
+                      <a:pPr algn="l"/>
+                      <a:r>
+                        <a:rPr lang="en-GB" b="0" dirty="0" err="1">
+                          <a:effectLst/>
+                        </a:rPr>
+                        <a:t>Frequenza</a:t>
+                      </a:r>
+                      <a:endParaRPr lang="en-GB" b="0" dirty="0">
+                        <a:effectLst/>
+                        <a:latin typeface="Google Sans"/>
+                      </a:endParaRPr>
+                    </a:p>
+                  </a:txBody>
+                  <a:tcPr anchor="ctr"/>
+                </a:tc>
+                <a:extLst>
+                  <a:ext uri="{0D108BD9-81ED-4DB2-BD59-A6C34878D82A}">
+                    <a16:rowId xmlns:a16="http://schemas.microsoft.com/office/drawing/2014/main" val="955077112"/>
+                  </a:ext>
+                </a:extLst>
+              </a:tr>
+              <a:tr h="0">
+                <a:tc>
+                  <a:txBody>
+                    <a:bodyPr/>
+                    <a:lstStyle/>
+                    <a:p>
+                      <a:pPr algn="l"/>
+                      <a:r>
+                        <a:rPr lang="en-GB" b="0" dirty="0" err="1">
+                          <a:effectLst/>
+                        </a:rPr>
+                        <a:t>Numero</a:t>
+                      </a:r>
+                      <a:r>
+                        <a:rPr lang="en-GB" b="0" dirty="0">
+                          <a:effectLst/>
+                        </a:rPr>
+                        <a:t> di </a:t>
+                      </a:r>
+                      <a:r>
+                        <a:rPr lang="en-GB" b="0" dirty="0" err="1">
+                          <a:effectLst/>
+                        </a:rPr>
+                        <a:t>tentativi</a:t>
+                      </a:r>
+                      <a:endParaRPr lang="en-GB" b="0" dirty="0">
+                        <a:effectLst/>
+                        <a:latin typeface="Google Sans"/>
+                      </a:endParaRPr>
+                    </a:p>
+                  </a:txBody>
+                  <a:tcPr anchor="ctr"/>
+                </a:tc>
+                <a:tc>
+                  <a:txBody>
+                    <a:bodyPr/>
+                    <a:lstStyle/>
+                    <a:p>
+                      <a:pPr algn="l"/>
+                      <a:r>
+                        <a:rPr lang="en-GB" b="0" dirty="0" err="1">
+                          <a:effectLst/>
+                        </a:rPr>
+                        <a:t>Frequenza</a:t>
+                      </a:r>
+                      <a:endParaRPr lang="en-GB" b="0" dirty="0">
+                        <a:effectLst/>
+                        <a:latin typeface="Google Sans"/>
+                      </a:endParaRPr>
+                    </a:p>
+                  </a:txBody>
+                  <a:tcPr anchor="ctr"/>
+                </a:tc>
+                <a:extLst>
+                  <a:ext uri="{0D108BD9-81ED-4DB2-BD59-A6C34878D82A}">
+                    <a16:rowId xmlns:a16="http://schemas.microsoft.com/office/drawing/2014/main" val="310757085"/>
+                  </a:ext>
+                </a:extLst>
+              </a:tr>
+              <a:tr h="0">
+                <a:tc>
+                  <a:txBody>
+                    <a:bodyPr/>
+                    <a:lstStyle/>
+                    <a:p>
+                      <a:r>
+                        <a:rPr lang="en-IT" b="0" dirty="0">
+                          <a:effectLst/>
+                        </a:rPr>
+                        <a:t>1</a:t>
+                      </a:r>
+                      <a:endParaRPr lang="en-IT" b="0" dirty="0">
+                        <a:effectLst/>
+                        <a:latin typeface="Google Sans"/>
+                      </a:endParaRPr>
+                    </a:p>
+                  </a:txBody>
+                  <a:tcPr marL="152400" marR="152400" marT="152400" marB="152400" anchor="ctr"/>
+                </a:tc>
+                <a:tc>
+                  <a:txBody>
+                    <a:bodyPr/>
+                    <a:lstStyle/>
+                    <a:p>
+                      <a:r>
+                        <a:rPr lang="en-IT" b="0" dirty="0">
+                          <a:effectLst/>
+                        </a:rPr>
+                        <a:t>66</a:t>
+                      </a:r>
+                      <a:endParaRPr lang="en-IT" b="0" dirty="0">
+                        <a:effectLst/>
+                        <a:latin typeface="Google Sans"/>
+                      </a:endParaRPr>
+                    </a:p>
+                  </a:txBody>
+                  <a:tcPr marL="152400" marR="152400" marT="152400" marB="152400" anchor="ctr"/>
+                </a:tc>
+                <a:extLst>
+                  <a:ext uri="{0D108BD9-81ED-4DB2-BD59-A6C34878D82A}">
+                    <a16:rowId xmlns:a16="http://schemas.microsoft.com/office/drawing/2014/main" val="200430768"/>
+                  </a:ext>
+                </a:extLst>
+              </a:tr>
+              <a:tr h="0">
+                <a:tc>
+                  <a:txBody>
+                    <a:bodyPr/>
+                    <a:lstStyle/>
+                    <a:p>
+                      <a:r>
+                        <a:rPr lang="en-IT" b="0" dirty="0">
+                          <a:effectLst/>
+                        </a:rPr>
+                        <a:t>2</a:t>
+                      </a:r>
+                      <a:endParaRPr lang="en-IT" b="0" dirty="0">
+                        <a:effectLst/>
+                        <a:latin typeface="Google Sans"/>
+                      </a:endParaRPr>
+                    </a:p>
+                  </a:txBody>
+                  <a:tcPr marL="152400" marR="152400" marT="152400" marB="152400" anchor="ctr"/>
+                </a:tc>
+                <a:tc>
+                  <a:txBody>
+                    <a:bodyPr/>
+                    <a:lstStyle/>
+                    <a:p>
+                      <a:r>
+                        <a:rPr lang="en-IT" b="0" dirty="0">
+                          <a:effectLst/>
+                        </a:rPr>
+                        <a:t>24</a:t>
+                      </a:r>
+                      <a:endParaRPr lang="en-IT" b="0" dirty="0">
+                        <a:effectLst/>
+                        <a:latin typeface="Google Sans"/>
+                      </a:endParaRPr>
+                    </a:p>
+                  </a:txBody>
+                  <a:tcPr marL="152400" marR="152400" marT="152400" marB="152400" anchor="ctr"/>
+                </a:tc>
+                <a:extLst>
+                  <a:ext uri="{0D108BD9-81ED-4DB2-BD59-A6C34878D82A}">
+                    <a16:rowId xmlns:a16="http://schemas.microsoft.com/office/drawing/2014/main" val="2860588678"/>
+                  </a:ext>
+                </a:extLst>
+              </a:tr>
+              <a:tr h="0">
+                <a:tc>
+                  <a:txBody>
+                    <a:bodyPr/>
+                    <a:lstStyle/>
+                    <a:p>
+                      <a:r>
+                        <a:rPr lang="en-IT" b="0">
+                          <a:effectLst/>
+                        </a:rPr>
+                        <a:t>3</a:t>
+                      </a:r>
+                      <a:endParaRPr lang="en-IT" b="0">
+                        <a:effectLst/>
+                        <a:latin typeface="Google Sans"/>
+                      </a:endParaRPr>
+                    </a:p>
+                  </a:txBody>
+                  <a:tcPr marL="152400" marR="152400" marT="152400" marB="152400" anchor="ctr"/>
+                </a:tc>
+                <a:tc>
+                  <a:txBody>
+                    <a:bodyPr/>
+                    <a:lstStyle/>
+                    <a:p>
+                      <a:r>
+                        <a:rPr lang="en-IT" b="0" dirty="0">
+                          <a:effectLst/>
+                        </a:rPr>
+                        <a:t>9</a:t>
+                      </a:r>
+                      <a:endParaRPr lang="en-IT" b="0" dirty="0">
+                        <a:effectLst/>
+                        <a:latin typeface="Google Sans"/>
+                      </a:endParaRPr>
+                    </a:p>
+                  </a:txBody>
+                  <a:tcPr marL="152400" marR="152400" marT="152400" marB="152400" anchor="ctr"/>
+                </a:tc>
+                <a:extLst>
+                  <a:ext uri="{0D108BD9-81ED-4DB2-BD59-A6C34878D82A}">
+                    <a16:rowId xmlns:a16="http://schemas.microsoft.com/office/drawing/2014/main" val="1623174356"/>
+                  </a:ext>
+                </a:extLst>
+              </a:tr>
+              <a:tr h="0">
+                <a:tc>
+                  <a:txBody>
+                    <a:bodyPr/>
+                    <a:lstStyle/>
+                    <a:p>
+                      <a:r>
+                        <a:rPr lang="en-IT" b="0">
+                          <a:effectLst/>
+                        </a:rPr>
+                        <a:t>4</a:t>
+                      </a:r>
+                      <a:endParaRPr lang="en-IT" b="0">
+                        <a:effectLst/>
+                        <a:latin typeface="Google Sans"/>
+                      </a:endParaRPr>
+                    </a:p>
+                  </a:txBody>
+                  <a:tcPr marL="152400" marR="152400" marT="152400" marB="152400" anchor="ctr"/>
+                </a:tc>
+                <a:tc>
+                  <a:txBody>
+                    <a:bodyPr/>
+                    <a:lstStyle/>
+                    <a:p>
+                      <a:r>
+                        <a:rPr lang="en-IT" b="0" dirty="0">
+                          <a:effectLst/>
+                        </a:rPr>
+                        <a:t>2</a:t>
+                      </a:r>
+                      <a:endParaRPr lang="en-IT" b="0" dirty="0">
+                        <a:effectLst/>
+                        <a:latin typeface="Google Sans"/>
+                      </a:endParaRPr>
+                    </a:p>
+                  </a:txBody>
+                  <a:tcPr marL="152400" marR="152400" marT="152400" marB="152400" anchor="ctr"/>
+                </a:tc>
+                <a:extLst>
+                  <a:ext uri="{0D108BD9-81ED-4DB2-BD59-A6C34878D82A}">
+                    <a16:rowId xmlns:a16="http://schemas.microsoft.com/office/drawing/2014/main" val="1974360773"/>
+                  </a:ext>
+                </a:extLst>
+              </a:tr>
+              <a:tr h="0">
+                <a:tc>
+                  <a:txBody>
+                    <a:bodyPr/>
+                    <a:lstStyle/>
+                    <a:p>
+                      <a:r>
+                        <a:rPr lang="en-IT" b="0">
+                          <a:effectLst/>
+                        </a:rPr>
+                        <a:t>5</a:t>
+                      </a:r>
+                      <a:endParaRPr lang="en-IT" b="0">
+                        <a:effectLst/>
+                        <a:latin typeface="Google Sans"/>
+                      </a:endParaRPr>
+                    </a:p>
+                  </a:txBody>
+                  <a:tcPr marL="152400" marR="152400" marT="152400" marB="152400" anchor="ctr"/>
+                </a:tc>
+                <a:tc>
+                  <a:txBody>
+                    <a:bodyPr/>
+                    <a:lstStyle/>
+                    <a:p>
+                      <a:r>
+                        <a:rPr lang="en-IT" b="0" dirty="0">
+                          <a:effectLst/>
+                        </a:rPr>
+                        <a:t>1</a:t>
+                      </a:r>
+                      <a:endParaRPr lang="en-IT" b="0" dirty="0">
+                        <a:effectLst/>
+                        <a:latin typeface="Google Sans"/>
+                      </a:endParaRPr>
+                    </a:p>
+                  </a:txBody>
+                  <a:tcPr marL="152400" marR="152400" marT="152400" marB="152400" anchor="ctr"/>
+                </a:tc>
+                <a:extLst>
+                  <a:ext uri="{0D108BD9-81ED-4DB2-BD59-A6C34878D82A}">
+                    <a16:rowId xmlns:a16="http://schemas.microsoft.com/office/drawing/2014/main" val="863657650"/>
+                  </a:ext>
+                </a:extLst>
+              </a:tr>
+            </a:tbl>
+          </a:graphicData>
+        </a:graphic>
+      </p:graphicFrame>
+      <p:graphicFrame>
+        <p:nvGraphicFramePr>
+          <p:cNvPr id="9" name="Table 8">
+            <a:extLst>
+              <a:ext uri="{FF2B5EF4-FFF2-40B4-BE49-F238E27FC236}">
+                <a16:creationId xmlns:a16="http://schemas.microsoft.com/office/drawing/2014/main" id="{E205A976-1A8A-41D0-C5C4-50EEC028583E}"/>
+              </a:ext>
+            </a:extLst>
+          </p:cNvPr>
+          <p:cNvGraphicFramePr>
+            <a:graphicFrameLocks noGrp="1"/>
+          </p:cNvGraphicFramePr>
+          <p:nvPr>
+            <p:extLst>
+              <p:ext uri="{D42A27DB-BD31-4B8C-83A1-F6EECF244321}">
+                <p14:modId xmlns:p14="http://schemas.microsoft.com/office/powerpoint/2010/main" val="2490562714"/>
+              </p:ext>
+            </p:extLst>
+          </p:nvPr>
+        </p:nvGraphicFramePr>
+        <p:xfrm>
+          <a:off x="1038232" y="2070206"/>
+          <a:ext cx="3362318" cy="4267531"/>
+        </p:xfrm>
+        <a:graphic>
+          <a:graphicData uri="http://schemas.openxmlformats.org/drawingml/2006/table">
+            <a:tbl>
+              <a:tblPr>
+                <a:tableStyleId>{073A0DAA-6AF3-43AB-8588-CEC1D06C72B9}</a:tableStyleId>
+              </a:tblPr>
+              <a:tblGrid>
+                <a:gridCol w="1681159">
+                  <a:extLst>
+                    <a:ext uri="{9D8B030D-6E8A-4147-A177-3AD203B41FA5}">
+                      <a16:colId xmlns:a16="http://schemas.microsoft.com/office/drawing/2014/main" val="2051223513"/>
+                    </a:ext>
+                  </a:extLst>
+                </a:gridCol>
+                <a:gridCol w="1681159">
+                  <a:extLst>
+                    <a:ext uri="{9D8B030D-6E8A-4147-A177-3AD203B41FA5}">
+                      <a16:colId xmlns:a16="http://schemas.microsoft.com/office/drawing/2014/main" val="3006026757"/>
+                    </a:ext>
+                  </a:extLst>
+                </a:gridCol>
+              </a:tblGrid>
+              <a:tr h="376491">
+                <a:tc>
+                  <a:txBody>
+                    <a:bodyPr/>
+                    <a:lstStyle/>
+                    <a:p>
+                      <a:pPr algn="l"/>
+                      <a:r>
+                        <a:rPr lang="en-GB" sz="1200" b="0" dirty="0" err="1">
+                          <a:effectLst/>
+                        </a:rPr>
+                        <a:t>Numero</a:t>
+                      </a:r>
+                      <a:r>
+                        <a:rPr lang="en-GB" sz="1200" b="0" dirty="0">
+                          <a:effectLst/>
+                        </a:rPr>
+                        <a:t> di </a:t>
+                      </a:r>
+                      <a:r>
+                        <a:rPr lang="en-GB" sz="1200" b="0" dirty="0" err="1">
+                          <a:effectLst/>
+                        </a:rPr>
+                        <a:t>iscrizioni</a:t>
+                      </a:r>
+                      <a:endParaRPr lang="en-GB" sz="1200" b="0" dirty="0">
+                        <a:effectLst/>
+                        <a:latin typeface="Google Sans"/>
+                      </a:endParaRPr>
+                    </a:p>
+                  </a:txBody>
+                  <a:tcPr marL="61867" marR="61867" marT="30934" marB="30934" anchor="ctr"/>
+                </a:tc>
+                <a:tc>
+                  <a:txBody>
+                    <a:bodyPr/>
+                    <a:lstStyle/>
+                    <a:p>
+                      <a:pPr algn="l"/>
+                      <a:r>
+                        <a:rPr lang="en-GB" sz="1200" b="0">
+                          <a:effectLst/>
+                        </a:rPr>
+                        <a:t>Frequenza</a:t>
+                      </a:r>
+                      <a:endParaRPr lang="en-GB" sz="1200" b="0">
+                        <a:effectLst/>
+                        <a:latin typeface="Google Sans"/>
+                      </a:endParaRPr>
+                    </a:p>
+                  </a:txBody>
+                  <a:tcPr marL="61867" marR="61867" marT="30934" marB="30934" anchor="ctr"/>
+                </a:tc>
+                <a:extLst>
+                  <a:ext uri="{0D108BD9-81ED-4DB2-BD59-A6C34878D82A}">
+                    <a16:rowId xmlns:a16="http://schemas.microsoft.com/office/drawing/2014/main" val="3856035245"/>
+                  </a:ext>
+                </a:extLst>
+              </a:tr>
+              <a:tr h="340634">
+                <a:tc>
+                  <a:txBody>
+                    <a:bodyPr/>
+                    <a:lstStyle/>
+                    <a:p>
+                      <a:r>
+                        <a:rPr lang="en-IT" sz="1200" b="0" dirty="0">
+                          <a:effectLst/>
+                        </a:rPr>
+                        <a:t>1</a:t>
+                      </a:r>
+                      <a:endParaRPr lang="en-IT" sz="1200" b="0" dirty="0">
+                        <a:effectLst/>
+                        <a:latin typeface="Google Sans"/>
+                      </a:endParaRPr>
+                    </a:p>
+                  </a:txBody>
+                  <a:tcPr marL="103112" marR="103112" marT="103112" marB="103112" anchor="ctr"/>
+                </a:tc>
+                <a:tc>
+                  <a:txBody>
+                    <a:bodyPr/>
+                    <a:lstStyle/>
+                    <a:p>
+                      <a:r>
+                        <a:rPr lang="en-IT" sz="1200" b="0">
+                          <a:effectLst/>
+                        </a:rPr>
+                        <a:t>137</a:t>
+                      </a:r>
+                      <a:endParaRPr lang="en-IT" sz="1200" b="0">
+                        <a:effectLst/>
+                        <a:latin typeface="Google Sans"/>
+                      </a:endParaRPr>
+                    </a:p>
+                  </a:txBody>
+                  <a:tcPr marL="103112" marR="103112" marT="103112" marB="103112" anchor="ctr"/>
+                </a:tc>
+                <a:extLst>
+                  <a:ext uri="{0D108BD9-81ED-4DB2-BD59-A6C34878D82A}">
+                    <a16:rowId xmlns:a16="http://schemas.microsoft.com/office/drawing/2014/main" val="2575485638"/>
+                  </a:ext>
+                </a:extLst>
+              </a:tr>
+              <a:tr h="340634">
+                <a:tc>
+                  <a:txBody>
+                    <a:bodyPr/>
+                    <a:lstStyle/>
+                    <a:p>
+                      <a:r>
+                        <a:rPr lang="en-IT" sz="1200" b="0">
+                          <a:effectLst/>
+                        </a:rPr>
+                        <a:t>2</a:t>
+                      </a:r>
+                      <a:endParaRPr lang="en-IT" sz="1200" b="0">
+                        <a:effectLst/>
+                        <a:latin typeface="Google Sans"/>
+                      </a:endParaRPr>
+                    </a:p>
+                  </a:txBody>
+                  <a:tcPr marL="103112" marR="103112" marT="103112" marB="103112" anchor="ctr"/>
+                </a:tc>
+                <a:tc>
+                  <a:txBody>
+                    <a:bodyPr/>
+                    <a:lstStyle/>
+                    <a:p>
+                      <a:r>
+                        <a:rPr lang="en-IT" sz="1200" b="0">
+                          <a:effectLst/>
+                        </a:rPr>
+                        <a:t>63</a:t>
+                      </a:r>
+                      <a:endParaRPr lang="en-IT" sz="1200" b="0">
+                        <a:effectLst/>
+                        <a:latin typeface="Google Sans"/>
+                      </a:endParaRPr>
+                    </a:p>
+                  </a:txBody>
+                  <a:tcPr marL="103112" marR="103112" marT="103112" marB="103112" anchor="ctr"/>
+                </a:tc>
+                <a:extLst>
+                  <a:ext uri="{0D108BD9-81ED-4DB2-BD59-A6C34878D82A}">
+                    <a16:rowId xmlns:a16="http://schemas.microsoft.com/office/drawing/2014/main" val="135561605"/>
+                  </a:ext>
+                </a:extLst>
+              </a:tr>
+              <a:tr h="340634">
+                <a:tc>
+                  <a:txBody>
+                    <a:bodyPr/>
+                    <a:lstStyle/>
+                    <a:p>
+                      <a:r>
+                        <a:rPr lang="en-IT" sz="1200" b="0" dirty="0">
+                          <a:effectLst/>
+                        </a:rPr>
+                        <a:t>3</a:t>
+                      </a:r>
+                      <a:endParaRPr lang="en-IT" sz="1200" b="0" dirty="0">
+                        <a:effectLst/>
+                        <a:latin typeface="Google Sans"/>
+                      </a:endParaRPr>
+                    </a:p>
+                  </a:txBody>
+                  <a:tcPr marL="103112" marR="103112" marT="103112" marB="103112" anchor="ctr"/>
+                </a:tc>
+                <a:tc>
+                  <a:txBody>
+                    <a:bodyPr/>
+                    <a:lstStyle/>
+                    <a:p>
+                      <a:r>
+                        <a:rPr lang="en-IT" sz="1200" b="0">
+                          <a:effectLst/>
+                        </a:rPr>
+                        <a:t>28</a:t>
+                      </a:r>
+                      <a:endParaRPr lang="en-IT" sz="1200" b="0">
+                        <a:effectLst/>
+                        <a:latin typeface="Google Sans"/>
+                      </a:endParaRPr>
+                    </a:p>
+                  </a:txBody>
+                  <a:tcPr marL="103112" marR="103112" marT="103112" marB="103112" anchor="ctr"/>
+                </a:tc>
+                <a:extLst>
+                  <a:ext uri="{0D108BD9-81ED-4DB2-BD59-A6C34878D82A}">
+                    <a16:rowId xmlns:a16="http://schemas.microsoft.com/office/drawing/2014/main" val="1557337321"/>
+                  </a:ext>
+                </a:extLst>
+              </a:tr>
+              <a:tr h="340634">
+                <a:tc>
+                  <a:txBody>
+                    <a:bodyPr/>
+                    <a:lstStyle/>
+                    <a:p>
+                      <a:r>
+                        <a:rPr lang="en-IT" sz="1200" b="0">
+                          <a:effectLst/>
+                        </a:rPr>
+                        <a:t>4</a:t>
+                      </a:r>
+                      <a:endParaRPr lang="en-IT" sz="1200" b="0">
+                        <a:effectLst/>
+                        <a:latin typeface="Google Sans"/>
+                      </a:endParaRPr>
+                    </a:p>
+                  </a:txBody>
+                  <a:tcPr marL="103112" marR="103112" marT="103112" marB="103112" anchor="ctr"/>
+                </a:tc>
+                <a:tc>
+                  <a:txBody>
+                    <a:bodyPr/>
+                    <a:lstStyle/>
+                    <a:p>
+                      <a:r>
+                        <a:rPr lang="en-IT" sz="1200" b="0">
+                          <a:effectLst/>
+                        </a:rPr>
+                        <a:t>11</a:t>
+                      </a:r>
+                      <a:endParaRPr lang="en-IT" sz="1200" b="0">
+                        <a:effectLst/>
+                        <a:latin typeface="Google Sans"/>
+                      </a:endParaRPr>
+                    </a:p>
+                  </a:txBody>
+                  <a:tcPr marL="103112" marR="103112" marT="103112" marB="103112" anchor="ctr"/>
+                </a:tc>
+                <a:extLst>
+                  <a:ext uri="{0D108BD9-81ED-4DB2-BD59-A6C34878D82A}">
+                    <a16:rowId xmlns:a16="http://schemas.microsoft.com/office/drawing/2014/main" val="1000744129"/>
+                  </a:ext>
+                </a:extLst>
+              </a:tr>
+              <a:tr h="340634">
+                <a:tc>
+                  <a:txBody>
+                    <a:bodyPr/>
+                    <a:lstStyle/>
+                    <a:p>
+                      <a:r>
+                        <a:rPr lang="en-IT" sz="1200" b="0">
+                          <a:effectLst/>
+                        </a:rPr>
+                        <a:t>5</a:t>
+                      </a:r>
+                      <a:endParaRPr lang="en-IT" sz="1200" b="0">
+                        <a:effectLst/>
+                        <a:latin typeface="Google Sans"/>
+                      </a:endParaRPr>
+                    </a:p>
+                  </a:txBody>
+                  <a:tcPr marL="103112" marR="103112" marT="103112" marB="103112" anchor="ctr"/>
+                </a:tc>
+                <a:tc>
+                  <a:txBody>
+                    <a:bodyPr/>
+                    <a:lstStyle/>
+                    <a:p>
+                      <a:r>
+                        <a:rPr lang="en-IT" sz="1200" b="0">
+                          <a:effectLst/>
+                        </a:rPr>
+                        <a:t>4</a:t>
+                      </a:r>
+                      <a:endParaRPr lang="en-IT" sz="1200" b="0">
+                        <a:effectLst/>
+                        <a:latin typeface="Google Sans"/>
+                      </a:endParaRPr>
+                    </a:p>
+                  </a:txBody>
+                  <a:tcPr marL="103112" marR="103112" marT="103112" marB="103112" anchor="ctr"/>
+                </a:tc>
+                <a:extLst>
+                  <a:ext uri="{0D108BD9-81ED-4DB2-BD59-A6C34878D82A}">
+                    <a16:rowId xmlns:a16="http://schemas.microsoft.com/office/drawing/2014/main" val="322251063"/>
+                  </a:ext>
+                </a:extLst>
+              </a:tr>
+              <a:tr h="340634">
+                <a:tc>
+                  <a:txBody>
+                    <a:bodyPr/>
+                    <a:lstStyle/>
+                    <a:p>
+                      <a:r>
+                        <a:rPr lang="en-IT" sz="1200" b="0">
+                          <a:effectLst/>
+                        </a:rPr>
+                        <a:t>6</a:t>
+                      </a:r>
+                      <a:endParaRPr lang="en-IT" sz="1200" b="0">
+                        <a:effectLst/>
+                        <a:latin typeface="Google Sans"/>
+                      </a:endParaRPr>
+                    </a:p>
+                  </a:txBody>
+                  <a:tcPr marL="103112" marR="103112" marT="103112" marB="103112" anchor="ctr"/>
+                </a:tc>
+                <a:tc>
+                  <a:txBody>
+                    <a:bodyPr/>
+                    <a:lstStyle/>
+                    <a:p>
+                      <a:r>
+                        <a:rPr lang="en-IT" sz="1200" b="0">
+                          <a:effectLst/>
+                        </a:rPr>
+                        <a:t>2</a:t>
+                      </a:r>
+                      <a:endParaRPr lang="en-IT" sz="1200" b="0">
+                        <a:effectLst/>
+                        <a:latin typeface="Google Sans"/>
+                      </a:endParaRPr>
+                    </a:p>
+                  </a:txBody>
+                  <a:tcPr marL="103112" marR="103112" marT="103112" marB="103112" anchor="ctr"/>
+                </a:tc>
+                <a:extLst>
+                  <a:ext uri="{0D108BD9-81ED-4DB2-BD59-A6C34878D82A}">
+                    <a16:rowId xmlns:a16="http://schemas.microsoft.com/office/drawing/2014/main" val="2681476146"/>
+                  </a:ext>
+                </a:extLst>
+              </a:tr>
+              <a:tr h="340634">
+                <a:tc>
+                  <a:txBody>
+                    <a:bodyPr/>
+                    <a:lstStyle/>
+                    <a:p>
+                      <a:r>
+                        <a:rPr lang="en-IT" sz="1200" b="0">
+                          <a:effectLst/>
+                        </a:rPr>
+                        <a:t>7</a:t>
+                      </a:r>
+                      <a:endParaRPr lang="en-IT" sz="1200" b="0">
+                        <a:effectLst/>
+                        <a:latin typeface="Google Sans"/>
+                      </a:endParaRPr>
+                    </a:p>
+                  </a:txBody>
+                  <a:tcPr marL="103112" marR="103112" marT="103112" marB="103112" anchor="ctr"/>
+                </a:tc>
+                <a:tc>
+                  <a:txBody>
+                    <a:bodyPr/>
+                    <a:lstStyle/>
+                    <a:p>
+                      <a:r>
+                        <a:rPr lang="en-IT" sz="1200" b="0">
+                          <a:effectLst/>
+                        </a:rPr>
+                        <a:t>1</a:t>
+                      </a:r>
+                      <a:endParaRPr lang="en-IT" sz="1200" b="0">
+                        <a:effectLst/>
+                        <a:latin typeface="Google Sans"/>
+                      </a:endParaRPr>
+                    </a:p>
+                  </a:txBody>
+                  <a:tcPr marL="103112" marR="103112" marT="103112" marB="103112" anchor="ctr"/>
+                </a:tc>
+                <a:extLst>
+                  <a:ext uri="{0D108BD9-81ED-4DB2-BD59-A6C34878D82A}">
+                    <a16:rowId xmlns:a16="http://schemas.microsoft.com/office/drawing/2014/main" val="1249984188"/>
+                  </a:ext>
+                </a:extLst>
+              </a:tr>
+              <a:tr h="340634">
+                <a:tc>
+                  <a:txBody>
+                    <a:bodyPr/>
+                    <a:lstStyle/>
+                    <a:p>
+                      <a:r>
+                        <a:rPr lang="en-IT" sz="1200" b="0">
+                          <a:effectLst/>
+                        </a:rPr>
+                        <a:t>8</a:t>
+                      </a:r>
+                      <a:endParaRPr lang="en-IT" sz="1200" b="0">
+                        <a:effectLst/>
+                        <a:latin typeface="Google Sans"/>
+                      </a:endParaRPr>
+                    </a:p>
+                  </a:txBody>
+                  <a:tcPr marL="103112" marR="103112" marT="103112" marB="103112" anchor="ctr"/>
+                </a:tc>
+                <a:tc>
+                  <a:txBody>
+                    <a:bodyPr/>
+                    <a:lstStyle/>
+                    <a:p>
+                      <a:r>
+                        <a:rPr lang="en-IT" sz="1200" b="0">
+                          <a:effectLst/>
+                        </a:rPr>
+                        <a:t>1</a:t>
+                      </a:r>
+                      <a:endParaRPr lang="en-IT" sz="1200" b="0">
+                        <a:effectLst/>
+                        <a:latin typeface="Google Sans"/>
+                      </a:endParaRPr>
+                    </a:p>
+                  </a:txBody>
+                  <a:tcPr marL="103112" marR="103112" marT="103112" marB="103112" anchor="ctr"/>
+                </a:tc>
+                <a:extLst>
+                  <a:ext uri="{0D108BD9-81ED-4DB2-BD59-A6C34878D82A}">
+                    <a16:rowId xmlns:a16="http://schemas.microsoft.com/office/drawing/2014/main" val="3909187580"/>
+                  </a:ext>
+                </a:extLst>
+              </a:tr>
+              <a:tr h="340634">
+                <a:tc>
+                  <a:txBody>
+                    <a:bodyPr/>
+                    <a:lstStyle/>
+                    <a:p>
+                      <a:r>
+                        <a:rPr lang="en-IT" sz="1200" b="0">
+                          <a:effectLst/>
+                        </a:rPr>
+                        <a:t>9</a:t>
+                      </a:r>
+                      <a:endParaRPr lang="en-IT" sz="1200" b="0">
+                        <a:effectLst/>
+                        <a:latin typeface="Google Sans"/>
+                      </a:endParaRPr>
+                    </a:p>
+                  </a:txBody>
+                  <a:tcPr marL="103112" marR="103112" marT="103112" marB="103112" anchor="ctr"/>
+                </a:tc>
+                <a:tc>
+                  <a:txBody>
+                    <a:bodyPr/>
+                    <a:lstStyle/>
+                    <a:p>
+                      <a:r>
+                        <a:rPr lang="en-IT" sz="1200" b="0">
+                          <a:effectLst/>
+                        </a:rPr>
+                        <a:t>1</a:t>
+                      </a:r>
+                      <a:endParaRPr lang="en-IT" sz="1200" b="0">
+                        <a:effectLst/>
+                        <a:latin typeface="Google Sans"/>
+                      </a:endParaRPr>
+                    </a:p>
+                  </a:txBody>
+                  <a:tcPr marL="103112" marR="103112" marT="103112" marB="103112" anchor="ctr"/>
+                </a:tc>
+                <a:extLst>
+                  <a:ext uri="{0D108BD9-81ED-4DB2-BD59-A6C34878D82A}">
+                    <a16:rowId xmlns:a16="http://schemas.microsoft.com/office/drawing/2014/main" val="914348210"/>
+                  </a:ext>
+                </a:extLst>
+              </a:tr>
+              <a:tr h="340634">
+                <a:tc>
+                  <a:txBody>
+                    <a:bodyPr/>
+                    <a:lstStyle/>
+                    <a:p>
+                      <a:r>
+                        <a:rPr lang="en-IT" sz="1200" b="0">
+                          <a:effectLst/>
+                        </a:rPr>
+                        <a:t>10</a:t>
+                      </a:r>
+                      <a:endParaRPr lang="en-IT" sz="1200" b="0">
+                        <a:effectLst/>
+                        <a:latin typeface="Google Sans"/>
+                      </a:endParaRPr>
+                    </a:p>
+                  </a:txBody>
+                  <a:tcPr marL="103112" marR="103112" marT="103112" marB="103112" anchor="ctr"/>
+                </a:tc>
+                <a:tc>
+                  <a:txBody>
+                    <a:bodyPr/>
+                    <a:lstStyle/>
+                    <a:p>
+                      <a:r>
+                        <a:rPr lang="en-IT" sz="1200" b="0" dirty="0">
+                          <a:effectLst/>
+                        </a:rPr>
+                        <a:t>1</a:t>
+                      </a:r>
+                      <a:endParaRPr lang="en-IT" sz="1200" b="0" dirty="0">
+                        <a:effectLst/>
+                        <a:latin typeface="Google Sans"/>
+                      </a:endParaRPr>
+                    </a:p>
+                  </a:txBody>
+                  <a:tcPr marL="103112" marR="103112" marT="103112" marB="103112" anchor="ctr"/>
+                </a:tc>
+                <a:extLst>
+                  <a:ext uri="{0D108BD9-81ED-4DB2-BD59-A6C34878D82A}">
+                    <a16:rowId xmlns:a16="http://schemas.microsoft.com/office/drawing/2014/main" val="1195604746"/>
+                  </a:ext>
+                </a:extLst>
+              </a:tr>
+            </a:tbl>
+          </a:graphicData>
+        </a:graphic>
+      </p:graphicFrame>
+    </p:spTree>
+    <p:extLst>
+      <p:ext uri="{BB962C8B-B14F-4D97-AF65-F5344CB8AC3E}">
+        <p14:creationId xmlns:p14="http://schemas.microsoft.com/office/powerpoint/2010/main" val="3462871783"/>
+      </p:ext>
+    </p:extLst>
+  </p:cSld>
+  <p:clrMapOvr>
+    <a:masterClrMapping/>
+  </p:clrMapOvr>
+</p:sld>
+</file>
+
+<file path=ppt/slides/slide11.xml><?xml version="1.0" encoding="utf-8"?>
+<p:sld xmlns:a="http://schemas.openxmlformats.org/drawingml/2006/main" xmlns:r="http://schemas.openxmlformats.org/officeDocument/2006/relationships" xmlns:p="http://schemas.openxmlformats.org/presentationml/2006/main">
+  <p:cSld>
+    <p:spTree>
+      <p:nvGrpSpPr>
+        <p:cNvPr id="1" name=""/>
+        <p:cNvGrpSpPr/>
+        <p:nvPr/>
+      </p:nvGrpSpPr>
+      <p:grpSpPr>
+        <a:xfrm>
+          <a:off x="0" y="0"/>
+          <a:ext cx="0" cy="0"/>
+          <a:chOff x="0" y="0"/>
+          <a:chExt cx="0" cy="0"/>
+        </a:xfrm>
+      </p:grpSpPr>
+      <p:sp>
+        <p:nvSpPr>
+          <p:cNvPr id="2" name="Title 1">
+            <a:extLst>
+              <a:ext uri="{FF2B5EF4-FFF2-40B4-BE49-F238E27FC236}">
                 <a16:creationId xmlns:a16="http://schemas.microsoft.com/office/drawing/2014/main" id="{E4F7DBDA-582C-C96E-F02A-2EF1876D5D90}"/>
               </a:ext>
             </a:extLst>
@@ -3595,7 +5408,7 @@
 </p:sld>
 </file>
 
-<file path=ppt/slides/slide11.xml><?xml version="1.0" encoding="utf-8"?>
+<file path=ppt/slides/slide12.xml><?xml version="1.0" encoding="utf-8"?>
 <p:sld xmlns:a="http://schemas.openxmlformats.org/drawingml/2006/main" xmlns:r="http://schemas.openxmlformats.org/officeDocument/2006/relationships" xmlns:p="http://schemas.openxmlformats.org/presentationml/2006/main">
   <p:cSld>
     <p:spTree>
@@ -5031,11 +6844,17 @@
           <p:cNvGraphicFramePr>
             <a:graphicFrameLocks noGrp="1"/>
           </p:cNvGraphicFramePr>
-          <p:nvPr/>
+          <p:nvPr>
+            <p:extLst>
+              <p:ext uri="{D42A27DB-BD31-4B8C-83A1-F6EECF244321}">
+                <p14:modId xmlns:p14="http://schemas.microsoft.com/office/powerpoint/2010/main" val="1412830987"/>
+              </p:ext>
+            </p:extLst>
+          </p:nvPr>
         </p:nvGraphicFramePr>
         <p:xfrm>
-          <a:off x="1803400" y="1926478"/>
-          <a:ext cx="8127999" cy="2219960"/>
+          <a:off x="1803400" y="1412128"/>
+          <a:ext cx="8128000" cy="4206240"/>
         </p:xfrm>
         <a:graphic>
           <a:graphicData uri="http://schemas.openxmlformats.org/drawingml/2006/table">
@@ -5044,27 +6863,41 @@
                 <a:tableStyleId>{5C22544A-7EE6-4342-B048-85BDC9FD1C3A}</a:tableStyleId>
               </a:tblPr>
               <a:tblGrid>
-                <a:gridCol w="2709333">
+                <a:gridCol w="1625600">
                   <a:extLst>
                     <a:ext uri="{9D8B030D-6E8A-4147-A177-3AD203B41FA5}">
                       <a16:colId xmlns:a16="http://schemas.microsoft.com/office/drawing/2014/main" val="1565336436"/>
                     </a:ext>
                   </a:extLst>
                 </a:gridCol>
-                <a:gridCol w="2709333">
+                <a:gridCol w="1625600">
                   <a:extLst>
                     <a:ext uri="{9D8B030D-6E8A-4147-A177-3AD203B41FA5}">
                       <a16:colId xmlns:a16="http://schemas.microsoft.com/office/drawing/2014/main" val="1497710794"/>
                     </a:ext>
                   </a:extLst>
                 </a:gridCol>
-                <a:gridCol w="2709333">
+                <a:gridCol w="1625600">
                   <a:extLst>
                     <a:ext uri="{9D8B030D-6E8A-4147-A177-3AD203B41FA5}">
                       <a16:colId xmlns:a16="http://schemas.microsoft.com/office/drawing/2014/main" val="2539086531"/>
                     </a:ext>
                   </a:extLst>
                 </a:gridCol>
+                <a:gridCol w="1625600">
+                  <a:extLst>
+                    <a:ext uri="{9D8B030D-6E8A-4147-A177-3AD203B41FA5}">
+                      <a16:colId xmlns:a16="http://schemas.microsoft.com/office/drawing/2014/main" val="3181236447"/>
+                    </a:ext>
+                  </a:extLst>
+                </a:gridCol>
+                <a:gridCol w="1625600">
+                  <a:extLst>
+                    <a:ext uri="{9D8B030D-6E8A-4147-A177-3AD203B41FA5}">
+                      <a16:colId xmlns:a16="http://schemas.microsoft.com/office/drawing/2014/main" val="411097872"/>
+                    </a:ext>
+                  </a:extLst>
+                </a:gridCol>
               </a:tblGrid>
               <a:tr h="0">
                 <a:tc>
@@ -5099,8 +6932,34 @@
                     <a:lstStyle/>
                     <a:p>
                       <a:r>
-                        <a:rPr lang="en-IT"/>
+                        <a:rPr lang="en-IT" dirty="0"/>
                         <a:t>Promossi</a:t>
+                      </a:r>
+                    </a:p>
+                  </a:txBody>
+                  <a:tcPr/>
+                </a:tc>
+                <a:tc>
+                  <a:txBody>
+                    <a:bodyPr/>
+                    <a:lstStyle/>
+                    <a:p>
+                      <a:r>
+                        <a:rPr lang="en-IT" dirty="0"/>
+                        <a:t>Respinti</a:t>
+                      </a:r>
+                    </a:p>
+                  </a:txBody>
+                  <a:tcPr/>
+                </a:tc>
+                <a:tc>
+                  <a:txBody>
+                    <a:bodyPr/>
+                    <a:lstStyle/>
+                    <a:p>
+                      <a:r>
+                        <a:rPr lang="en-IT" dirty="0"/>
+                        <a:t>Ritirati</a:t>
                       </a:r>
                     </a:p>
                   </a:txBody>
@@ -5145,14 +7004,40 @@
                     <a:lstStyle/>
                     <a:p>
                       <a:r>
-                        <a:rPr lang="en-IT"/>
+                        <a:rPr lang="en-IT" dirty="0"/>
                         <a:t>4</a:t>
                       </a:r>
                       <a:r>
-                        <a:rPr lang="en-US"/>
-                        <a:t>8</a:t>
-                      </a:r>
-                      <a:endParaRPr lang="en-IT"/>
+                        <a:rPr lang="en-US" dirty="0"/>
+                        <a:t>5</a:t>
+                      </a:r>
+                      <a:endParaRPr lang="en-IT" dirty="0"/>
+                    </a:p>
+                  </a:txBody>
+                  <a:tcPr/>
+                </a:tc>
+                <a:tc>
+                  <a:txBody>
+                    <a:bodyPr/>
+                    <a:lstStyle/>
+                    <a:p>
+                      <a:r>
+                        <a:rPr lang="en-IT" dirty="0"/>
+                        <a:t>32</a:t>
+                      </a:r>
+                    </a:p>
+                  </a:txBody>
+                  <a:tcPr/>
+                </a:tc>
+                <a:tc>
+                  <a:txBody>
+                    <a:bodyPr/>
+                    <a:lstStyle/>
+                    <a:p>
+                      <a:r>
+                        <a:rPr lang="en-IT" dirty="0"/>
+                        <a:t>6</a:t>
+                      </a:r>
                     </a:p>
                   </a:txBody>
                   <a:tcPr/>
@@ -5196,8 +7081,34 @@
                     <a:lstStyle/>
                     <a:p>
                       <a:r>
-                        <a:rPr lang="en-IT"/>
-                        <a:t>46</a:t>
+                        <a:rPr lang="en-IT" dirty="0"/>
+                        <a:t>47</a:t>
+                      </a:r>
+                    </a:p>
+                  </a:txBody>
+                  <a:tcPr/>
+                </a:tc>
+                <a:tc>
+                  <a:txBody>
+                    <a:bodyPr/>
+                    <a:lstStyle/>
+                    <a:p>
+                      <a:r>
+                        <a:rPr lang="en-IT" dirty="0"/>
+                        <a:t>13</a:t>
+                      </a:r>
+                    </a:p>
+                  </a:txBody>
+                  <a:tcPr/>
+                </a:tc>
+                <a:tc>
+                  <a:txBody>
+                    <a:bodyPr/>
+                    <a:lstStyle/>
+                    <a:p>
+                      <a:r>
+                        <a:rPr lang="en-IT" dirty="0"/>
+                        <a:t>3</a:t>
                       </a:r>
                     </a:p>
                   </a:txBody>
@@ -5229,8 +7140,8 @@
                     <a:lstStyle/>
                     <a:p>
                       <a:r>
-                        <a:rPr lang="en-IT"/>
-                        <a:t>3</a:t>
+                        <a:rPr lang="en-IT" dirty="0"/>
+                        <a:t>5</a:t>
                       </a:r>
                     </a:p>
                   </a:txBody>
@@ -5242,7 +7153,33 @@
                     <a:lstStyle/>
                     <a:p>
                       <a:r>
-                        <a:rPr lang="en-IT"/>
+                        <a:rPr lang="en-IT" dirty="0"/>
+                        <a:t>0</a:t>
+                      </a:r>
+                    </a:p>
+                  </a:txBody>
+                  <a:tcPr/>
+                </a:tc>
+                <a:tc>
+                  <a:txBody>
+                    <a:bodyPr/>
+                    <a:lstStyle/>
+                    <a:p>
+                      <a:r>
+                        <a:rPr lang="en-IT" dirty="0"/>
+                        <a:t>5</a:t>
+                      </a:r>
+                    </a:p>
+                  </a:txBody>
+                  <a:tcPr/>
+                </a:tc>
+                <a:tc>
+                  <a:txBody>
+                    <a:bodyPr/>
+                    <a:lstStyle/>
+                    <a:p>
+                      <a:r>
+                        <a:rPr lang="en-IT" dirty="0"/>
                         <a:t>0</a:t>
                       </a:r>
                     </a:p>
@@ -5288,8 +7225,34 @@
                     <a:lstStyle/>
                     <a:p>
                       <a:r>
-                        <a:rPr lang="en-IT"/>
+                        <a:rPr lang="en-IT" dirty="0"/>
                         <a:t>4</a:t>
+                      </a:r>
+                    </a:p>
+                  </a:txBody>
+                  <a:tcPr/>
+                </a:tc>
+                <a:tc>
+                  <a:txBody>
+                    <a:bodyPr/>
+                    <a:lstStyle/>
+                    <a:p>
+                      <a:r>
+                        <a:rPr lang="en-IT" dirty="0"/>
+                        <a:t>20</a:t>
+                      </a:r>
+                    </a:p>
+                  </a:txBody>
+                  <a:tcPr/>
+                </a:tc>
+                <a:tc>
+                  <a:txBody>
+                    <a:bodyPr/>
+                    <a:lstStyle/>
+                    <a:p>
+                      <a:r>
+                        <a:rPr lang="en-IT" dirty="0"/>
+                        <a:t>3</a:t>
                       </a:r>
                     </a:p>
                   </a:txBody>
@@ -5308,7 +7271,7 @@
                     <a:lstStyle/>
                     <a:p>
                       <a:r>
-                        <a:rPr lang="en-IT"/>
+                        <a:rPr lang="en-IT" dirty="0"/>
                         <a:t>2o appello sessione estiva</a:t>
                       </a:r>
                     </a:p>
@@ -5334,8 +7297,34 @@
                     <a:lstStyle/>
                     <a:p>
                       <a:r>
-                        <a:rPr lang="en-IT"/>
+                        <a:rPr lang="en-IT" dirty="0"/>
                         <a:t>3</a:t>
+                      </a:r>
+                    </a:p>
+                  </a:txBody>
+                  <a:tcPr/>
+                </a:tc>
+                <a:tc>
+                  <a:txBody>
+                    <a:bodyPr/>
+                    <a:lstStyle/>
+                    <a:p>
+                      <a:r>
+                        <a:rPr lang="en-IT" dirty="0"/>
+                        <a:t>9</a:t>
+                      </a:r>
+                    </a:p>
+                  </a:txBody>
+                  <a:tcPr/>
+                </a:tc>
+                <a:tc>
+                  <a:txBody>
+                    <a:bodyPr/>
+                    <a:lstStyle/>
+                    <a:p>
+                      <a:r>
+                        <a:rPr lang="en-IT" dirty="0"/>
+                        <a:t>6</a:t>
                       </a:r>
                     </a:p>
                   </a:txBody>
@@ -5347,50 +7336,6 @@
                   </a:ext>
                 </a:extLst>
               </a:tr>
-            </a:tbl>
-          </a:graphicData>
-        </a:graphic>
-      </p:graphicFrame>
-      <p:graphicFrame>
-        <p:nvGraphicFramePr>
-          <p:cNvPr id="3" name="Tabella 2">
-            <a:extLst>
-              <a:ext uri="{FF2B5EF4-FFF2-40B4-BE49-F238E27FC236}">
-                <a16:creationId xmlns:a16="http://schemas.microsoft.com/office/drawing/2014/main" id="{7EE3B720-DC21-4BA4-8963-F841E7186553}"/>
-              </a:ext>
-            </a:extLst>
-          </p:cNvPr>
-          <p:cNvGraphicFramePr>
-            <a:graphicFrameLocks noGrp="1"/>
-          </p:cNvGraphicFramePr>
-          <p:nvPr/>
-        </p:nvGraphicFramePr>
-        <p:xfrm>
-          <a:off x="1803399" y="4968937"/>
-          <a:ext cx="8128000" cy="741680"/>
-        </p:xfrm>
-        <a:graphic>
-          <a:graphicData uri="http://schemas.openxmlformats.org/drawingml/2006/table">
-            <a:tbl>
-              <a:tblPr firstRow="1" bandRow="1">
-                <a:tableStyleId>{5C22544A-7EE6-4342-B048-85BDC9FD1C3A}</a:tableStyleId>
-              </a:tblPr>
-              <a:tblGrid>
-                <a:gridCol w="4064000">
-                  <a:extLst>
-                    <a:ext uri="{9D8B030D-6E8A-4147-A177-3AD203B41FA5}">
-                      <a16:colId xmlns:a16="http://schemas.microsoft.com/office/drawing/2014/main" val="3122370499"/>
-                    </a:ext>
-                  </a:extLst>
-                </a:gridCol>
-                <a:gridCol w="4064000">
-                  <a:extLst>
-                    <a:ext uri="{9D8B030D-6E8A-4147-A177-3AD203B41FA5}">
-                      <a16:colId xmlns:a16="http://schemas.microsoft.com/office/drawing/2014/main" val="3856152493"/>
-                    </a:ext>
-                  </a:extLst>
-                </a:gridCol>
-              </a:tblGrid>
               <a:tr h="370840">
                 <a:tc>
                   <a:txBody>
@@ -5398,10 +7343,9 @@
                     <a:lstStyle/>
                     <a:p>
                       <a:r>
-                        <a:rPr lang="en-US" err="1"/>
-                        <a:t>Iscritti</a:t>
-                      </a:r>
-                      <a:endParaRPr lang="en-US"/>
+                        <a:rPr lang="en-IT" dirty="0"/>
+                        <a:t>Sessione autunnale</a:t>
+                      </a:r>
                     </a:p>
                   </a:txBody>
                   <a:tcPr/>
@@ -5412,50 +7356,55 @@
                     <a:lstStyle/>
                     <a:p>
                       <a:r>
-                        <a:rPr lang="en-US" err="1"/>
-                        <a:t>Promossi</a:t>
-                      </a:r>
-                      <a:endParaRPr lang="en-US"/>
+                        <a:rPr lang="en-IT" dirty="0"/>
+                        <a:t>24</a:t>
+                      </a:r>
+                    </a:p>
+                  </a:txBody>
+                  <a:tcPr/>
+                </a:tc>
+                <a:tc>
+                  <a:txBody>
+                    <a:bodyPr/>
+                    <a:lstStyle/>
+                    <a:p>
+                      <a:r>
+                        <a:rPr lang="en-IT" dirty="0"/>
+                        <a:t>5</a:t>
+                      </a:r>
+                    </a:p>
+                  </a:txBody>
+                  <a:tcPr/>
+                </a:tc>
+                <a:tc>
+                  <a:txBody>
+                    <a:bodyPr/>
+                    <a:lstStyle/>
+                    <a:p>
+                      <a:r>
+                        <a:rPr lang="en-IT" dirty="0"/>
+                        <a:t>11</a:t>
+                      </a:r>
+                    </a:p>
+                  </a:txBody>
+                  <a:tcPr/>
+                </a:tc>
+                <a:tc>
+                  <a:txBody>
+                    <a:bodyPr/>
+                    <a:lstStyle/>
+                    <a:p>
+                      <a:r>
+                        <a:rPr lang="en-IT" dirty="0"/>
+                        <a:t>1</a:t>
+                      </a:r>
                     </a:p>
                   </a:txBody>
                   <a:tcPr/>
                 </a:tc>
                 <a:extLst>
                   <a:ext uri="{0D108BD9-81ED-4DB2-BD59-A6C34878D82A}">
-                    <a16:rowId xmlns:a16="http://schemas.microsoft.com/office/drawing/2014/main" val="2504157688"/>
-                  </a:ext>
-                </a:extLst>
-              </a:tr>
-              <a:tr h="370840">
-                <a:tc>
-                  <a:txBody>
-                    <a:bodyPr/>
-                    <a:lstStyle/>
-                    <a:p>
-                      <a:r>
-                        <a:rPr lang="en-US"/>
-                        <a:t>168</a:t>
-                      </a:r>
-                    </a:p>
-                  </a:txBody>
-                  <a:tcPr/>
-                </a:tc>
-                <a:tc>
-                  <a:txBody>
-                    <a:bodyPr/>
-                    <a:lstStyle/>
-                    <a:p>
-                      <a:r>
-                        <a:rPr lang="en-US"/>
-                        <a:t>101</a:t>
-                      </a:r>
-                    </a:p>
-                  </a:txBody>
-                  <a:tcPr/>
-                </a:tc>
-                <a:extLst>
-                  <a:ext uri="{0D108BD9-81ED-4DB2-BD59-A6C34878D82A}">
-                    <a16:rowId xmlns:a16="http://schemas.microsoft.com/office/drawing/2014/main" val="1929912550"/>
+                    <a16:rowId xmlns:a16="http://schemas.microsoft.com/office/drawing/2014/main" val="2405497417"/>
                   </a:ext>
                 </a:extLst>
               </a:tr>

--- a/lezioni/organizzazione dell'insegnamento.pptx
+++ b/lezioni/organizzazione dell'insegnamento.pptx
@@ -272,7 +272,7 @@
           <a:p>
             <a:fld id="{5D72FBBF-2CB4-3843-A311-712BACF208C1}" type="datetimeFigureOut">
               <a:rPr lang="en-IT" smtClean="0"/>
-              <a:t>12/09/23</a:t>
+              <a:t>24/09/23</a:t>
             </a:fld>
             <a:endParaRPr lang="en-IT"/>
           </a:p>
@@ -472,7 +472,7 @@
           <a:p>
             <a:fld id="{5D72FBBF-2CB4-3843-A311-712BACF208C1}" type="datetimeFigureOut">
               <a:rPr lang="en-IT" smtClean="0"/>
-              <a:t>12/09/23</a:t>
+              <a:t>24/09/23</a:t>
             </a:fld>
             <a:endParaRPr lang="en-IT"/>
           </a:p>
@@ -682,7 +682,7 @@
           <a:p>
             <a:fld id="{5D72FBBF-2CB4-3843-A311-712BACF208C1}" type="datetimeFigureOut">
               <a:rPr lang="en-IT" smtClean="0"/>
-              <a:t>12/09/23</a:t>
+              <a:t>24/09/23</a:t>
             </a:fld>
             <a:endParaRPr lang="en-IT"/>
           </a:p>
@@ -882,7 +882,7 @@
           <a:p>
             <a:fld id="{5D72FBBF-2CB4-3843-A311-712BACF208C1}" type="datetimeFigureOut">
               <a:rPr lang="en-IT" smtClean="0"/>
-              <a:t>12/09/23</a:t>
+              <a:t>24/09/23</a:t>
             </a:fld>
             <a:endParaRPr lang="en-IT"/>
           </a:p>
@@ -1158,7 +1158,7 @@
           <a:p>
             <a:fld id="{5D72FBBF-2CB4-3843-A311-712BACF208C1}" type="datetimeFigureOut">
               <a:rPr lang="en-IT" smtClean="0"/>
-              <a:t>12/09/23</a:t>
+              <a:t>24/09/23</a:t>
             </a:fld>
             <a:endParaRPr lang="en-IT"/>
           </a:p>
@@ -1426,7 +1426,7 @@
           <a:p>
             <a:fld id="{5D72FBBF-2CB4-3843-A311-712BACF208C1}" type="datetimeFigureOut">
               <a:rPr lang="en-IT" smtClean="0"/>
-              <a:t>12/09/23</a:t>
+              <a:t>24/09/23</a:t>
             </a:fld>
             <a:endParaRPr lang="en-IT"/>
           </a:p>
@@ -1841,7 +1841,7 @@
           <a:p>
             <a:fld id="{5D72FBBF-2CB4-3843-A311-712BACF208C1}" type="datetimeFigureOut">
               <a:rPr lang="en-IT" smtClean="0"/>
-              <a:t>12/09/23</a:t>
+              <a:t>24/09/23</a:t>
             </a:fld>
             <a:endParaRPr lang="en-IT"/>
           </a:p>
@@ -1983,7 +1983,7 @@
           <a:p>
             <a:fld id="{5D72FBBF-2CB4-3843-A311-712BACF208C1}" type="datetimeFigureOut">
               <a:rPr lang="en-IT" smtClean="0"/>
-              <a:t>12/09/23</a:t>
+              <a:t>24/09/23</a:t>
             </a:fld>
             <a:endParaRPr lang="en-IT"/>
           </a:p>
@@ -2096,7 +2096,7 @@
           <a:p>
             <a:fld id="{5D72FBBF-2CB4-3843-A311-712BACF208C1}" type="datetimeFigureOut">
               <a:rPr lang="en-IT" smtClean="0"/>
-              <a:t>12/09/23</a:t>
+              <a:t>24/09/23</a:t>
             </a:fld>
             <a:endParaRPr lang="en-IT"/>
           </a:p>
@@ -2409,7 +2409,7 @@
           <a:p>
             <a:fld id="{5D72FBBF-2CB4-3843-A311-712BACF208C1}" type="datetimeFigureOut">
               <a:rPr lang="en-IT" smtClean="0"/>
-              <a:t>12/09/23</a:t>
+              <a:t>24/09/23</a:t>
             </a:fld>
             <a:endParaRPr lang="en-IT"/>
           </a:p>
@@ -2698,7 +2698,7 @@
           <a:p>
             <a:fld id="{5D72FBBF-2CB4-3843-A311-712BACF208C1}" type="datetimeFigureOut">
               <a:rPr lang="en-IT" smtClean="0"/>
-              <a:t>12/09/23</a:t>
+              <a:t>24/09/23</a:t>
             </a:fld>
             <a:endParaRPr lang="en-IT"/>
           </a:p>
@@ -2941,7 +2941,7 @@
           <a:p>
             <a:fld id="{5D72FBBF-2CB4-3843-A311-712BACF208C1}" type="datetimeFigureOut">
               <a:rPr lang="en-IT" smtClean="0"/>
-              <a:t>12/09/23</a:t>
+              <a:t>24/09/23</a:t>
             </a:fld>
             <a:endParaRPr lang="en-IT"/>
           </a:p>
@@ -4310,13 +4310,13 @@
           <p:nvPr>
             <p:extLst>
               <p:ext uri="{D42A27DB-BD31-4B8C-83A1-F6EECF244321}">
-                <p14:modId xmlns:p14="http://schemas.microsoft.com/office/powerpoint/2010/main" val="3296189370"/>
+                <p14:modId xmlns:p14="http://schemas.microsoft.com/office/powerpoint/2010/main" val="4026523910"/>
               </p:ext>
             </p:extLst>
           </p:nvPr>
         </p:nvGraphicFramePr>
         <p:xfrm>
-          <a:off x="6863434" y="2070206"/>
+          <a:off x="4018457" y="2071582"/>
           <a:ext cx="4155086" cy="3627120"/>
         </p:xfrm>
         <a:graphic>
@@ -4724,565 +4724,6 @@
           </a:graphicData>
         </a:graphic>
       </p:graphicFrame>
-      <p:graphicFrame>
-        <p:nvGraphicFramePr>
-          <p:cNvPr id="9" name="Table 8">
-            <a:extLst>
-              <a:ext uri="{FF2B5EF4-FFF2-40B4-BE49-F238E27FC236}">
-                <a16:creationId xmlns:a16="http://schemas.microsoft.com/office/drawing/2014/main" id="{E205A976-1A8A-41D0-C5C4-50EEC028583E}"/>
-              </a:ext>
-            </a:extLst>
-          </p:cNvPr>
-          <p:cNvGraphicFramePr>
-            <a:graphicFrameLocks noGrp="1"/>
-          </p:cNvGraphicFramePr>
-          <p:nvPr>
-            <p:extLst>
-              <p:ext uri="{D42A27DB-BD31-4B8C-83A1-F6EECF244321}">
-                <p14:modId xmlns:p14="http://schemas.microsoft.com/office/powerpoint/2010/main" val="2490562714"/>
-              </p:ext>
-            </p:extLst>
-          </p:nvPr>
-        </p:nvGraphicFramePr>
-        <p:xfrm>
-          <a:off x="1038232" y="2070206"/>
-          <a:ext cx="3362318" cy="4267531"/>
-        </p:xfrm>
-        <a:graphic>
-          <a:graphicData uri="http://schemas.openxmlformats.org/drawingml/2006/table">
-            <a:tbl>
-              <a:tblPr>
-                <a:tableStyleId>{073A0DAA-6AF3-43AB-8588-CEC1D06C72B9}</a:tableStyleId>
-              </a:tblPr>
-              <a:tblGrid>
-                <a:gridCol w="1681159">
-                  <a:extLst>
-                    <a:ext uri="{9D8B030D-6E8A-4147-A177-3AD203B41FA5}">
-                      <a16:colId xmlns:a16="http://schemas.microsoft.com/office/drawing/2014/main" val="2051223513"/>
-                    </a:ext>
-                  </a:extLst>
-                </a:gridCol>
-                <a:gridCol w="1681159">
-                  <a:extLst>
-                    <a:ext uri="{9D8B030D-6E8A-4147-A177-3AD203B41FA5}">
-                      <a16:colId xmlns:a16="http://schemas.microsoft.com/office/drawing/2014/main" val="3006026757"/>
-                    </a:ext>
-                  </a:extLst>
-                </a:gridCol>
-              </a:tblGrid>
-              <a:tr h="376491">
-                <a:tc>
-                  <a:txBody>
-                    <a:bodyPr/>
-                    <a:lstStyle/>
-                    <a:p>
-                      <a:pPr algn="l"/>
-                      <a:r>
-                        <a:rPr lang="en-GB" sz="1200" b="0" dirty="0" err="1">
-                          <a:effectLst/>
-                        </a:rPr>
-                        <a:t>Numero</a:t>
-                      </a:r>
-                      <a:r>
-                        <a:rPr lang="en-GB" sz="1200" b="0" dirty="0">
-                          <a:effectLst/>
-                        </a:rPr>
-                        <a:t> di </a:t>
-                      </a:r>
-                      <a:r>
-                        <a:rPr lang="en-GB" sz="1200" b="0" dirty="0" err="1">
-                          <a:effectLst/>
-                        </a:rPr>
-                        <a:t>iscrizioni</a:t>
-                      </a:r>
-                      <a:endParaRPr lang="en-GB" sz="1200" b="0" dirty="0">
-                        <a:effectLst/>
-                        <a:latin typeface="Google Sans"/>
-                      </a:endParaRPr>
-                    </a:p>
-                  </a:txBody>
-                  <a:tcPr marL="61867" marR="61867" marT="30934" marB="30934" anchor="ctr"/>
-                </a:tc>
-                <a:tc>
-                  <a:txBody>
-                    <a:bodyPr/>
-                    <a:lstStyle/>
-                    <a:p>
-                      <a:pPr algn="l"/>
-                      <a:r>
-                        <a:rPr lang="en-GB" sz="1200" b="0">
-                          <a:effectLst/>
-                        </a:rPr>
-                        <a:t>Frequenza</a:t>
-                      </a:r>
-                      <a:endParaRPr lang="en-GB" sz="1200" b="0">
-                        <a:effectLst/>
-                        <a:latin typeface="Google Sans"/>
-                      </a:endParaRPr>
-                    </a:p>
-                  </a:txBody>
-                  <a:tcPr marL="61867" marR="61867" marT="30934" marB="30934" anchor="ctr"/>
-                </a:tc>
-                <a:extLst>
-                  <a:ext uri="{0D108BD9-81ED-4DB2-BD59-A6C34878D82A}">
-                    <a16:rowId xmlns:a16="http://schemas.microsoft.com/office/drawing/2014/main" val="3856035245"/>
-                  </a:ext>
-                </a:extLst>
-              </a:tr>
-              <a:tr h="340634">
-                <a:tc>
-                  <a:txBody>
-                    <a:bodyPr/>
-                    <a:lstStyle/>
-                    <a:p>
-                      <a:r>
-                        <a:rPr lang="en-IT" sz="1200" b="0" dirty="0">
-                          <a:effectLst/>
-                        </a:rPr>
-                        <a:t>1</a:t>
-                      </a:r>
-                      <a:endParaRPr lang="en-IT" sz="1200" b="0" dirty="0">
-                        <a:effectLst/>
-                        <a:latin typeface="Google Sans"/>
-                      </a:endParaRPr>
-                    </a:p>
-                  </a:txBody>
-                  <a:tcPr marL="103112" marR="103112" marT="103112" marB="103112" anchor="ctr"/>
-                </a:tc>
-                <a:tc>
-                  <a:txBody>
-                    <a:bodyPr/>
-                    <a:lstStyle/>
-                    <a:p>
-                      <a:r>
-                        <a:rPr lang="en-IT" sz="1200" b="0">
-                          <a:effectLst/>
-                        </a:rPr>
-                        <a:t>137</a:t>
-                      </a:r>
-                      <a:endParaRPr lang="en-IT" sz="1200" b="0">
-                        <a:effectLst/>
-                        <a:latin typeface="Google Sans"/>
-                      </a:endParaRPr>
-                    </a:p>
-                  </a:txBody>
-                  <a:tcPr marL="103112" marR="103112" marT="103112" marB="103112" anchor="ctr"/>
-                </a:tc>
-                <a:extLst>
-                  <a:ext uri="{0D108BD9-81ED-4DB2-BD59-A6C34878D82A}">
-                    <a16:rowId xmlns:a16="http://schemas.microsoft.com/office/drawing/2014/main" val="2575485638"/>
-                  </a:ext>
-                </a:extLst>
-              </a:tr>
-              <a:tr h="340634">
-                <a:tc>
-                  <a:txBody>
-                    <a:bodyPr/>
-                    <a:lstStyle/>
-                    <a:p>
-                      <a:r>
-                        <a:rPr lang="en-IT" sz="1200" b="0">
-                          <a:effectLst/>
-                        </a:rPr>
-                        <a:t>2</a:t>
-                      </a:r>
-                      <a:endParaRPr lang="en-IT" sz="1200" b="0">
-                        <a:effectLst/>
-                        <a:latin typeface="Google Sans"/>
-                      </a:endParaRPr>
-                    </a:p>
-                  </a:txBody>
-                  <a:tcPr marL="103112" marR="103112" marT="103112" marB="103112" anchor="ctr"/>
-                </a:tc>
-                <a:tc>
-                  <a:txBody>
-                    <a:bodyPr/>
-                    <a:lstStyle/>
-                    <a:p>
-                      <a:r>
-                        <a:rPr lang="en-IT" sz="1200" b="0">
-                          <a:effectLst/>
-                        </a:rPr>
-                        <a:t>63</a:t>
-                      </a:r>
-                      <a:endParaRPr lang="en-IT" sz="1200" b="0">
-                        <a:effectLst/>
-                        <a:latin typeface="Google Sans"/>
-                      </a:endParaRPr>
-                    </a:p>
-                  </a:txBody>
-                  <a:tcPr marL="103112" marR="103112" marT="103112" marB="103112" anchor="ctr"/>
-                </a:tc>
-                <a:extLst>
-                  <a:ext uri="{0D108BD9-81ED-4DB2-BD59-A6C34878D82A}">
-                    <a16:rowId xmlns:a16="http://schemas.microsoft.com/office/drawing/2014/main" val="135561605"/>
-                  </a:ext>
-                </a:extLst>
-              </a:tr>
-              <a:tr h="340634">
-                <a:tc>
-                  <a:txBody>
-                    <a:bodyPr/>
-                    <a:lstStyle/>
-                    <a:p>
-                      <a:r>
-                        <a:rPr lang="en-IT" sz="1200" b="0" dirty="0">
-                          <a:effectLst/>
-                        </a:rPr>
-                        <a:t>3</a:t>
-                      </a:r>
-                      <a:endParaRPr lang="en-IT" sz="1200" b="0" dirty="0">
-                        <a:effectLst/>
-                        <a:latin typeface="Google Sans"/>
-                      </a:endParaRPr>
-                    </a:p>
-                  </a:txBody>
-                  <a:tcPr marL="103112" marR="103112" marT="103112" marB="103112" anchor="ctr"/>
-                </a:tc>
-                <a:tc>
-                  <a:txBody>
-                    <a:bodyPr/>
-                    <a:lstStyle/>
-                    <a:p>
-                      <a:r>
-                        <a:rPr lang="en-IT" sz="1200" b="0">
-                          <a:effectLst/>
-                        </a:rPr>
-                        <a:t>28</a:t>
-                      </a:r>
-                      <a:endParaRPr lang="en-IT" sz="1200" b="0">
-                        <a:effectLst/>
-                        <a:latin typeface="Google Sans"/>
-                      </a:endParaRPr>
-                    </a:p>
-                  </a:txBody>
-                  <a:tcPr marL="103112" marR="103112" marT="103112" marB="103112" anchor="ctr"/>
-                </a:tc>
-                <a:extLst>
-                  <a:ext uri="{0D108BD9-81ED-4DB2-BD59-A6C34878D82A}">
-                    <a16:rowId xmlns:a16="http://schemas.microsoft.com/office/drawing/2014/main" val="1557337321"/>
-                  </a:ext>
-                </a:extLst>
-              </a:tr>
-              <a:tr h="340634">
-                <a:tc>
-                  <a:txBody>
-                    <a:bodyPr/>
-                    <a:lstStyle/>
-                    <a:p>
-                      <a:r>
-                        <a:rPr lang="en-IT" sz="1200" b="0">
-                          <a:effectLst/>
-                        </a:rPr>
-                        <a:t>4</a:t>
-                      </a:r>
-                      <a:endParaRPr lang="en-IT" sz="1200" b="0">
-                        <a:effectLst/>
-                        <a:latin typeface="Google Sans"/>
-                      </a:endParaRPr>
-                    </a:p>
-                  </a:txBody>
-                  <a:tcPr marL="103112" marR="103112" marT="103112" marB="103112" anchor="ctr"/>
-                </a:tc>
-                <a:tc>
-                  <a:txBody>
-                    <a:bodyPr/>
-                    <a:lstStyle/>
-                    <a:p>
-                      <a:r>
-                        <a:rPr lang="en-IT" sz="1200" b="0">
-                          <a:effectLst/>
-                        </a:rPr>
-                        <a:t>11</a:t>
-                      </a:r>
-                      <a:endParaRPr lang="en-IT" sz="1200" b="0">
-                        <a:effectLst/>
-                        <a:latin typeface="Google Sans"/>
-                      </a:endParaRPr>
-                    </a:p>
-                  </a:txBody>
-                  <a:tcPr marL="103112" marR="103112" marT="103112" marB="103112" anchor="ctr"/>
-                </a:tc>
-                <a:extLst>
-                  <a:ext uri="{0D108BD9-81ED-4DB2-BD59-A6C34878D82A}">
-                    <a16:rowId xmlns:a16="http://schemas.microsoft.com/office/drawing/2014/main" val="1000744129"/>
-                  </a:ext>
-                </a:extLst>
-              </a:tr>
-              <a:tr h="340634">
-                <a:tc>
-                  <a:txBody>
-                    <a:bodyPr/>
-                    <a:lstStyle/>
-                    <a:p>
-                      <a:r>
-                        <a:rPr lang="en-IT" sz="1200" b="0">
-                          <a:effectLst/>
-                        </a:rPr>
-                        <a:t>5</a:t>
-                      </a:r>
-                      <a:endParaRPr lang="en-IT" sz="1200" b="0">
-                        <a:effectLst/>
-                        <a:latin typeface="Google Sans"/>
-                      </a:endParaRPr>
-                    </a:p>
-                  </a:txBody>
-                  <a:tcPr marL="103112" marR="103112" marT="103112" marB="103112" anchor="ctr"/>
-                </a:tc>
-                <a:tc>
-                  <a:txBody>
-                    <a:bodyPr/>
-                    <a:lstStyle/>
-                    <a:p>
-                      <a:r>
-                        <a:rPr lang="en-IT" sz="1200" b="0">
-                          <a:effectLst/>
-                        </a:rPr>
-                        <a:t>4</a:t>
-                      </a:r>
-                      <a:endParaRPr lang="en-IT" sz="1200" b="0">
-                        <a:effectLst/>
-                        <a:latin typeface="Google Sans"/>
-                      </a:endParaRPr>
-                    </a:p>
-                  </a:txBody>
-                  <a:tcPr marL="103112" marR="103112" marT="103112" marB="103112" anchor="ctr"/>
-                </a:tc>
-                <a:extLst>
-                  <a:ext uri="{0D108BD9-81ED-4DB2-BD59-A6C34878D82A}">
-                    <a16:rowId xmlns:a16="http://schemas.microsoft.com/office/drawing/2014/main" val="322251063"/>
-                  </a:ext>
-                </a:extLst>
-              </a:tr>
-              <a:tr h="340634">
-                <a:tc>
-                  <a:txBody>
-                    <a:bodyPr/>
-                    <a:lstStyle/>
-                    <a:p>
-                      <a:r>
-                        <a:rPr lang="en-IT" sz="1200" b="0">
-                          <a:effectLst/>
-                        </a:rPr>
-                        <a:t>6</a:t>
-                      </a:r>
-                      <a:endParaRPr lang="en-IT" sz="1200" b="0">
-                        <a:effectLst/>
-                        <a:latin typeface="Google Sans"/>
-                      </a:endParaRPr>
-                    </a:p>
-                  </a:txBody>
-                  <a:tcPr marL="103112" marR="103112" marT="103112" marB="103112" anchor="ctr"/>
-                </a:tc>
-                <a:tc>
-                  <a:txBody>
-                    <a:bodyPr/>
-                    <a:lstStyle/>
-                    <a:p>
-                      <a:r>
-                        <a:rPr lang="en-IT" sz="1200" b="0">
-                          <a:effectLst/>
-                        </a:rPr>
-                        <a:t>2</a:t>
-                      </a:r>
-                      <a:endParaRPr lang="en-IT" sz="1200" b="0">
-                        <a:effectLst/>
-                        <a:latin typeface="Google Sans"/>
-                      </a:endParaRPr>
-                    </a:p>
-                  </a:txBody>
-                  <a:tcPr marL="103112" marR="103112" marT="103112" marB="103112" anchor="ctr"/>
-                </a:tc>
-                <a:extLst>
-                  <a:ext uri="{0D108BD9-81ED-4DB2-BD59-A6C34878D82A}">
-                    <a16:rowId xmlns:a16="http://schemas.microsoft.com/office/drawing/2014/main" val="2681476146"/>
-                  </a:ext>
-                </a:extLst>
-              </a:tr>
-              <a:tr h="340634">
-                <a:tc>
-                  <a:txBody>
-                    <a:bodyPr/>
-                    <a:lstStyle/>
-                    <a:p>
-                      <a:r>
-                        <a:rPr lang="en-IT" sz="1200" b="0">
-                          <a:effectLst/>
-                        </a:rPr>
-                        <a:t>7</a:t>
-                      </a:r>
-                      <a:endParaRPr lang="en-IT" sz="1200" b="0">
-                        <a:effectLst/>
-                        <a:latin typeface="Google Sans"/>
-                      </a:endParaRPr>
-                    </a:p>
-                  </a:txBody>
-                  <a:tcPr marL="103112" marR="103112" marT="103112" marB="103112" anchor="ctr"/>
-                </a:tc>
-                <a:tc>
-                  <a:txBody>
-                    <a:bodyPr/>
-                    <a:lstStyle/>
-                    <a:p>
-                      <a:r>
-                        <a:rPr lang="en-IT" sz="1200" b="0">
-                          <a:effectLst/>
-                        </a:rPr>
-                        <a:t>1</a:t>
-                      </a:r>
-                      <a:endParaRPr lang="en-IT" sz="1200" b="0">
-                        <a:effectLst/>
-                        <a:latin typeface="Google Sans"/>
-                      </a:endParaRPr>
-                    </a:p>
-                  </a:txBody>
-                  <a:tcPr marL="103112" marR="103112" marT="103112" marB="103112" anchor="ctr"/>
-                </a:tc>
-                <a:extLst>
-                  <a:ext uri="{0D108BD9-81ED-4DB2-BD59-A6C34878D82A}">
-                    <a16:rowId xmlns:a16="http://schemas.microsoft.com/office/drawing/2014/main" val="1249984188"/>
-                  </a:ext>
-                </a:extLst>
-              </a:tr>
-              <a:tr h="340634">
-                <a:tc>
-                  <a:txBody>
-                    <a:bodyPr/>
-                    <a:lstStyle/>
-                    <a:p>
-                      <a:r>
-                        <a:rPr lang="en-IT" sz="1200" b="0">
-                          <a:effectLst/>
-                        </a:rPr>
-                        <a:t>8</a:t>
-                      </a:r>
-                      <a:endParaRPr lang="en-IT" sz="1200" b="0">
-                        <a:effectLst/>
-                        <a:latin typeface="Google Sans"/>
-                      </a:endParaRPr>
-                    </a:p>
-                  </a:txBody>
-                  <a:tcPr marL="103112" marR="103112" marT="103112" marB="103112" anchor="ctr"/>
-                </a:tc>
-                <a:tc>
-                  <a:txBody>
-                    <a:bodyPr/>
-                    <a:lstStyle/>
-                    <a:p>
-                      <a:r>
-                        <a:rPr lang="en-IT" sz="1200" b="0">
-                          <a:effectLst/>
-                        </a:rPr>
-                        <a:t>1</a:t>
-                      </a:r>
-                      <a:endParaRPr lang="en-IT" sz="1200" b="0">
-                        <a:effectLst/>
-                        <a:latin typeface="Google Sans"/>
-                      </a:endParaRPr>
-                    </a:p>
-                  </a:txBody>
-                  <a:tcPr marL="103112" marR="103112" marT="103112" marB="103112" anchor="ctr"/>
-                </a:tc>
-                <a:extLst>
-                  <a:ext uri="{0D108BD9-81ED-4DB2-BD59-A6C34878D82A}">
-                    <a16:rowId xmlns:a16="http://schemas.microsoft.com/office/drawing/2014/main" val="3909187580"/>
-                  </a:ext>
-                </a:extLst>
-              </a:tr>
-              <a:tr h="340634">
-                <a:tc>
-                  <a:txBody>
-                    <a:bodyPr/>
-                    <a:lstStyle/>
-                    <a:p>
-                      <a:r>
-                        <a:rPr lang="en-IT" sz="1200" b="0">
-                          <a:effectLst/>
-                        </a:rPr>
-                        <a:t>9</a:t>
-                      </a:r>
-                      <a:endParaRPr lang="en-IT" sz="1200" b="0">
-                        <a:effectLst/>
-                        <a:latin typeface="Google Sans"/>
-                      </a:endParaRPr>
-                    </a:p>
-                  </a:txBody>
-                  <a:tcPr marL="103112" marR="103112" marT="103112" marB="103112" anchor="ctr"/>
-                </a:tc>
-                <a:tc>
-                  <a:txBody>
-                    <a:bodyPr/>
-                    <a:lstStyle/>
-                    <a:p>
-                      <a:r>
-                        <a:rPr lang="en-IT" sz="1200" b="0">
-                          <a:effectLst/>
-                        </a:rPr>
-                        <a:t>1</a:t>
-                      </a:r>
-                      <a:endParaRPr lang="en-IT" sz="1200" b="0">
-                        <a:effectLst/>
-                        <a:latin typeface="Google Sans"/>
-                      </a:endParaRPr>
-                    </a:p>
-                  </a:txBody>
-                  <a:tcPr marL="103112" marR="103112" marT="103112" marB="103112" anchor="ctr"/>
-                </a:tc>
-                <a:extLst>
-                  <a:ext uri="{0D108BD9-81ED-4DB2-BD59-A6C34878D82A}">
-                    <a16:rowId xmlns:a16="http://schemas.microsoft.com/office/drawing/2014/main" val="914348210"/>
-                  </a:ext>
-                </a:extLst>
-              </a:tr>
-              <a:tr h="340634">
-                <a:tc>
-                  <a:txBody>
-                    <a:bodyPr/>
-                    <a:lstStyle/>
-                    <a:p>
-                      <a:r>
-                        <a:rPr lang="en-IT" sz="1200" b="0">
-                          <a:effectLst/>
-                        </a:rPr>
-                        <a:t>10</a:t>
-                      </a:r>
-                      <a:endParaRPr lang="en-IT" sz="1200" b="0">
-                        <a:effectLst/>
-                        <a:latin typeface="Google Sans"/>
-                      </a:endParaRPr>
-                    </a:p>
-                  </a:txBody>
-                  <a:tcPr marL="103112" marR="103112" marT="103112" marB="103112" anchor="ctr"/>
-                </a:tc>
-                <a:tc>
-                  <a:txBody>
-                    <a:bodyPr/>
-                    <a:lstStyle/>
-                    <a:p>
-                      <a:r>
-                        <a:rPr lang="en-IT" sz="1200" b="0" dirty="0">
-                          <a:effectLst/>
-                        </a:rPr>
-                        <a:t>1</a:t>
-                      </a:r>
-                      <a:endParaRPr lang="en-IT" sz="1200" b="0" dirty="0">
-                        <a:effectLst/>
-                        <a:latin typeface="Google Sans"/>
-                      </a:endParaRPr>
-                    </a:p>
-                  </a:txBody>
-                  <a:tcPr marL="103112" marR="103112" marT="103112" marB="103112" anchor="ctr"/>
-                </a:tc>
-                <a:extLst>
-                  <a:ext uri="{0D108BD9-81ED-4DB2-BD59-A6C34878D82A}">
-                    <a16:rowId xmlns:a16="http://schemas.microsoft.com/office/drawing/2014/main" val="1195604746"/>
-                  </a:ext>
-                </a:extLst>
-              </a:tr>
-            </a:tbl>
-          </a:graphicData>
-        </a:graphic>
-      </p:graphicFrame>
     </p:spTree>
     <p:extLst>
       <p:ext uri="{BB962C8B-B14F-4D97-AF65-F5344CB8AC3E}">
@@ -5820,20 +5261,6 @@
               <a:t>Per gli studenti impossibilitati a seguire regolarmente le lezioni, saranno rese disponibili le registrazioni delle lezioni.</a:t>
             </a:r>
           </a:p>
-          <a:p>
-            <a:r>
-              <a:rPr lang="en-IT" dirty="0"/>
-              <a:t>Agli studenti impossibilitati a studiare la materia </a:t>
-            </a:r>
-            <a:r>
-              <a:rPr lang="en-IT" b="1" dirty="0"/>
-              <a:t>durante lo svolgimento del corso</a:t>
-            </a:r>
-            <a:r>
-              <a:rPr lang="en-IT" dirty="0"/>
-              <a:t> e` richiesta, oltre che l’iscrizione al corso, la compilazione una form apposita sul sito moodle.</a:t>
-            </a:r>
-          </a:p>
         </p:txBody>
       </p:sp>
     </p:spTree>
@@ -6410,7 +5837,7 @@
             </a:r>
             <a:r>
               <a:rPr lang="en-IT" dirty="0"/>
-              <a:t>e scansioni delle esercitazioni vanno caricate su moodle prima della prova scritta. </a:t>
+              <a:t>e scansioni delle esercitazioni vanno caricate su moodle almeno una settimana prima della prova scritta. </a:t>
             </a:r>
           </a:p>
           <a:p>
@@ -6656,11 +6083,11 @@
             </a:r>
             <a:r>
               <a:rPr lang="en-IT" b="1" dirty="0"/>
-              <a:t>non piu’ di due volte </a:t>
+              <a:t>la prima volta </a:t>
             </a:r>
             <a:r>
               <a:rPr lang="en-IT" dirty="0"/>
-              <a:t>ad un appello di SdC nel corso dell’anno anno accademico corrente, a patto che si siano iscritti all’appello almeno sette giorni prima della data della prova scritta.</a:t>
+              <a:t>ad un appello di SdC nel corso dell’anno anno accademico corrente.</a:t>
             </a:r>
           </a:p>
           <a:p>

--- a/lezioni/organizzazione dell'insegnamento.pptx
+++ b/lezioni/organizzazione dell'insegnamento.pptx
@@ -8,15 +8,14 @@
     <p:sldId id="336" r:id="rId2"/>
     <p:sldId id="308" r:id="rId3"/>
     <p:sldId id="307" r:id="rId4"/>
-    <p:sldId id="328" r:id="rId5"/>
-    <p:sldId id="339" r:id="rId6"/>
-    <p:sldId id="327" r:id="rId7"/>
-    <p:sldId id="340" r:id="rId8"/>
-    <p:sldId id="338" r:id="rId9"/>
-    <p:sldId id="326" r:id="rId10"/>
-    <p:sldId id="342" r:id="rId11"/>
-    <p:sldId id="337" r:id="rId12"/>
-    <p:sldId id="341" r:id="rId13"/>
+    <p:sldId id="339" r:id="rId5"/>
+    <p:sldId id="327" r:id="rId6"/>
+    <p:sldId id="340" r:id="rId7"/>
+    <p:sldId id="338" r:id="rId8"/>
+    <p:sldId id="326" r:id="rId9"/>
+    <p:sldId id="342" r:id="rId10"/>
+    <p:sldId id="337" r:id="rId11"/>
+    <p:sldId id="341" r:id="rId12"/>
   </p:sldIdLst>
   <p:sldSz cx="12192000" cy="6858000"/>
   <p:notesSz cx="6858000" cy="9144000"/>
@@ -3506,1259 +3505,6 @@
           <p:cNvPr id="2" name="Title 1">
             <a:extLst>
               <a:ext uri="{FF2B5EF4-FFF2-40B4-BE49-F238E27FC236}">
-                <a16:creationId xmlns:a16="http://schemas.microsoft.com/office/drawing/2014/main" id="{CC7259B1-7E38-2506-9799-7F6CBCE80D3A}"/>
-              </a:ext>
-            </a:extLst>
-          </p:cNvPr>
-          <p:cNvSpPr>
-            <a:spLocks noGrp="1"/>
-          </p:cNvSpPr>
-          <p:nvPr>
-            <p:ph type="title"/>
-          </p:nvPr>
-        </p:nvSpPr>
-        <p:spPr/>
-        <p:txBody>
-          <a:bodyPr/>
-          <a:lstStyle/>
-          <a:p>
-            <a:r>
-              <a:rPr lang="en-IT" dirty="0"/>
-              <a:t>Statistiche AA 2022/23</a:t>
-            </a:r>
-          </a:p>
-        </p:txBody>
-      </p:sp>
-      <p:graphicFrame>
-        <p:nvGraphicFramePr>
-          <p:cNvPr id="4" name="Content Placeholder 3">
-            <a:extLst>
-              <a:ext uri="{FF2B5EF4-FFF2-40B4-BE49-F238E27FC236}">
-                <a16:creationId xmlns:a16="http://schemas.microsoft.com/office/drawing/2014/main" id="{086F003A-0F05-B926-215E-A54C519243E3}"/>
-              </a:ext>
-            </a:extLst>
-          </p:cNvPr>
-          <p:cNvGraphicFramePr>
-            <a:graphicFrameLocks noGrp="1"/>
-          </p:cNvGraphicFramePr>
-          <p:nvPr>
-            <p:ph idx="1"/>
-            <p:extLst>
-              <p:ext uri="{D42A27DB-BD31-4B8C-83A1-F6EECF244321}">
-                <p14:modId xmlns:p14="http://schemas.microsoft.com/office/powerpoint/2010/main" val="1898741288"/>
-              </p:ext>
-            </p:extLst>
-          </p:nvPr>
-        </p:nvGraphicFramePr>
-        <p:xfrm>
-          <a:off x="1038232" y="2070206"/>
-          <a:ext cx="3362318" cy="4267531"/>
-        </p:xfrm>
-        <a:graphic>
-          <a:graphicData uri="http://schemas.openxmlformats.org/drawingml/2006/table">
-            <a:tbl>
-              <a:tblPr/>
-              <a:tblGrid>
-                <a:gridCol w="1681159">
-                  <a:extLst>
-                    <a:ext uri="{9D8B030D-6E8A-4147-A177-3AD203B41FA5}">
-                      <a16:colId xmlns:a16="http://schemas.microsoft.com/office/drawing/2014/main" val="898587247"/>
-                    </a:ext>
-                  </a:extLst>
-                </a:gridCol>
-                <a:gridCol w="1681159">
-                  <a:extLst>
-                    <a:ext uri="{9D8B030D-6E8A-4147-A177-3AD203B41FA5}">
-                      <a16:colId xmlns:a16="http://schemas.microsoft.com/office/drawing/2014/main" val="3496545682"/>
-                    </a:ext>
-                  </a:extLst>
-                </a:gridCol>
-              </a:tblGrid>
-              <a:tr h="376491">
-                <a:tc>
-                  <a:txBody>
-                    <a:bodyPr/>
-                    <a:lstStyle/>
-                    <a:p>
-                      <a:pPr algn="l"/>
-                      <a:endParaRPr lang="en-GB" sz="1200" b="0" dirty="0">
-                        <a:effectLst/>
-                        <a:latin typeface="Google Sans"/>
-                      </a:endParaRPr>
-                    </a:p>
-                  </a:txBody>
-                  <a:tcPr marL="61867" marR="61867" marT="30934" marB="30934" anchor="ctr">
-                    <a:lnL>
-                      <a:noFill/>
-                    </a:lnL>
-                    <a:lnR>
-                      <a:noFill/>
-                    </a:lnR>
-                    <a:lnT>
-                      <a:noFill/>
-                    </a:lnT>
-                    <a:lnB>
-                      <a:noFill/>
-                    </a:lnB>
-                    <a:solidFill>
-                      <a:srgbClr val="FFFFFF"/>
-                    </a:solidFill>
-                  </a:tcPr>
-                </a:tc>
-                <a:tc>
-                  <a:txBody>
-                    <a:bodyPr/>
-                    <a:lstStyle/>
-                    <a:p>
-                      <a:pPr algn="l"/>
-                      <a:endParaRPr lang="en-GB" sz="1200" b="0">
-                        <a:effectLst/>
-                        <a:latin typeface="Google Sans"/>
-                      </a:endParaRPr>
-                    </a:p>
-                  </a:txBody>
-                  <a:tcPr marL="61867" marR="61867" marT="30934" marB="30934" anchor="ctr">
-                    <a:lnL>
-                      <a:noFill/>
-                    </a:lnL>
-                    <a:lnR>
-                      <a:noFill/>
-                    </a:lnR>
-                    <a:lnT>
-                      <a:noFill/>
-                    </a:lnT>
-                    <a:lnB>
-                      <a:noFill/>
-                    </a:lnB>
-                    <a:solidFill>
-                      <a:srgbClr val="FFFFFF"/>
-                    </a:solidFill>
-                  </a:tcPr>
-                </a:tc>
-                <a:extLst>
-                  <a:ext uri="{0D108BD9-81ED-4DB2-BD59-A6C34878D82A}">
-                    <a16:rowId xmlns:a16="http://schemas.microsoft.com/office/drawing/2014/main" val="2307455439"/>
-                  </a:ext>
-                </a:extLst>
-              </a:tr>
-              <a:tr h="340634">
-                <a:tc>
-                  <a:txBody>
-                    <a:bodyPr/>
-                    <a:lstStyle/>
-                    <a:p>
-                      <a:endParaRPr lang="en-IT" sz="1200" b="0">
-                        <a:effectLst/>
-                        <a:latin typeface="Google Sans"/>
-                      </a:endParaRPr>
-                    </a:p>
-                  </a:txBody>
-                  <a:tcPr marL="103112" marR="103112" marT="103112" marB="103112" anchor="ctr">
-                    <a:lnL>
-                      <a:noFill/>
-                    </a:lnL>
-                    <a:lnR>
-                      <a:noFill/>
-                    </a:lnR>
-                    <a:lnT>
-                      <a:noFill/>
-                    </a:lnT>
-                    <a:lnB>
-                      <a:noFill/>
-                    </a:lnB>
-                    <a:solidFill>
-                      <a:srgbClr val="FFFFFF"/>
-                    </a:solidFill>
-                  </a:tcPr>
-                </a:tc>
-                <a:tc>
-                  <a:txBody>
-                    <a:bodyPr/>
-                    <a:lstStyle/>
-                    <a:p>
-                      <a:endParaRPr lang="en-IT" sz="1200" b="0">
-                        <a:effectLst/>
-                        <a:latin typeface="Google Sans"/>
-                      </a:endParaRPr>
-                    </a:p>
-                  </a:txBody>
-                  <a:tcPr marL="103112" marR="103112" marT="103112" marB="103112" anchor="ctr">
-                    <a:lnL>
-                      <a:noFill/>
-                    </a:lnL>
-                    <a:lnR>
-                      <a:noFill/>
-                    </a:lnR>
-                    <a:lnT>
-                      <a:noFill/>
-                    </a:lnT>
-                    <a:lnB>
-                      <a:noFill/>
-                    </a:lnB>
-                    <a:solidFill>
-                      <a:srgbClr val="FFFFFF"/>
-                    </a:solidFill>
-                  </a:tcPr>
-                </a:tc>
-                <a:extLst>
-                  <a:ext uri="{0D108BD9-81ED-4DB2-BD59-A6C34878D82A}">
-                    <a16:rowId xmlns:a16="http://schemas.microsoft.com/office/drawing/2014/main" val="17833225"/>
-                  </a:ext>
-                </a:extLst>
-              </a:tr>
-              <a:tr h="340634">
-                <a:tc>
-                  <a:txBody>
-                    <a:bodyPr/>
-                    <a:lstStyle/>
-                    <a:p>
-                      <a:endParaRPr lang="en-IT" sz="1200" b="0">
-                        <a:effectLst/>
-                        <a:latin typeface="Google Sans"/>
-                      </a:endParaRPr>
-                    </a:p>
-                  </a:txBody>
-                  <a:tcPr marL="103112" marR="103112" marT="103112" marB="103112" anchor="ctr">
-                    <a:lnL>
-                      <a:noFill/>
-                    </a:lnL>
-                    <a:lnR>
-                      <a:noFill/>
-                    </a:lnR>
-                    <a:lnT>
-                      <a:noFill/>
-                    </a:lnT>
-                    <a:lnB>
-                      <a:noFill/>
-                    </a:lnB>
-                    <a:solidFill>
-                      <a:srgbClr val="FFFFFF"/>
-                    </a:solidFill>
-                  </a:tcPr>
-                </a:tc>
-                <a:tc>
-                  <a:txBody>
-                    <a:bodyPr/>
-                    <a:lstStyle/>
-                    <a:p>
-                      <a:endParaRPr lang="en-IT" sz="1200" b="0">
-                        <a:effectLst/>
-                        <a:latin typeface="Google Sans"/>
-                      </a:endParaRPr>
-                    </a:p>
-                  </a:txBody>
-                  <a:tcPr marL="103112" marR="103112" marT="103112" marB="103112" anchor="ctr">
-                    <a:lnL>
-                      <a:noFill/>
-                    </a:lnL>
-                    <a:lnR>
-                      <a:noFill/>
-                    </a:lnR>
-                    <a:lnT>
-                      <a:noFill/>
-                    </a:lnT>
-                    <a:lnB>
-                      <a:noFill/>
-                    </a:lnB>
-                    <a:solidFill>
-                      <a:srgbClr val="FFFFFF"/>
-                    </a:solidFill>
-                  </a:tcPr>
-                </a:tc>
-                <a:extLst>
-                  <a:ext uri="{0D108BD9-81ED-4DB2-BD59-A6C34878D82A}">
-                    <a16:rowId xmlns:a16="http://schemas.microsoft.com/office/drawing/2014/main" val="2025185238"/>
-                  </a:ext>
-                </a:extLst>
-              </a:tr>
-              <a:tr h="340634">
-                <a:tc>
-                  <a:txBody>
-                    <a:bodyPr/>
-                    <a:lstStyle/>
-                    <a:p>
-                      <a:endParaRPr lang="en-IT" sz="1200" b="0" dirty="0">
-                        <a:effectLst/>
-                        <a:latin typeface="Google Sans"/>
-                      </a:endParaRPr>
-                    </a:p>
-                  </a:txBody>
-                  <a:tcPr marL="103112" marR="103112" marT="103112" marB="103112" anchor="ctr">
-                    <a:lnL>
-                      <a:noFill/>
-                    </a:lnL>
-                    <a:lnR>
-                      <a:noFill/>
-                    </a:lnR>
-                    <a:lnT>
-                      <a:noFill/>
-                    </a:lnT>
-                    <a:lnB>
-                      <a:noFill/>
-                    </a:lnB>
-                    <a:solidFill>
-                      <a:srgbClr val="FFFFFF"/>
-                    </a:solidFill>
-                  </a:tcPr>
-                </a:tc>
-                <a:tc>
-                  <a:txBody>
-                    <a:bodyPr/>
-                    <a:lstStyle/>
-                    <a:p>
-                      <a:endParaRPr lang="en-IT" sz="1200" b="0">
-                        <a:effectLst/>
-                        <a:latin typeface="Google Sans"/>
-                      </a:endParaRPr>
-                    </a:p>
-                  </a:txBody>
-                  <a:tcPr marL="103112" marR="103112" marT="103112" marB="103112" anchor="ctr">
-                    <a:lnL>
-                      <a:noFill/>
-                    </a:lnL>
-                    <a:lnR>
-                      <a:noFill/>
-                    </a:lnR>
-                    <a:lnT>
-                      <a:noFill/>
-                    </a:lnT>
-                    <a:lnB>
-                      <a:noFill/>
-                    </a:lnB>
-                    <a:solidFill>
-                      <a:srgbClr val="FFFFFF"/>
-                    </a:solidFill>
-                  </a:tcPr>
-                </a:tc>
-                <a:extLst>
-                  <a:ext uri="{0D108BD9-81ED-4DB2-BD59-A6C34878D82A}">
-                    <a16:rowId xmlns:a16="http://schemas.microsoft.com/office/drawing/2014/main" val="704865813"/>
-                  </a:ext>
-                </a:extLst>
-              </a:tr>
-              <a:tr h="340634">
-                <a:tc>
-                  <a:txBody>
-                    <a:bodyPr/>
-                    <a:lstStyle/>
-                    <a:p>
-                      <a:endParaRPr lang="en-IT" sz="1200" b="0">
-                        <a:effectLst/>
-                        <a:latin typeface="Google Sans"/>
-                      </a:endParaRPr>
-                    </a:p>
-                  </a:txBody>
-                  <a:tcPr marL="103112" marR="103112" marT="103112" marB="103112" anchor="ctr">
-                    <a:lnL>
-                      <a:noFill/>
-                    </a:lnL>
-                    <a:lnR>
-                      <a:noFill/>
-                    </a:lnR>
-                    <a:lnT>
-                      <a:noFill/>
-                    </a:lnT>
-                    <a:lnB>
-                      <a:noFill/>
-                    </a:lnB>
-                    <a:solidFill>
-                      <a:srgbClr val="FFFFFF"/>
-                    </a:solidFill>
-                  </a:tcPr>
-                </a:tc>
-                <a:tc>
-                  <a:txBody>
-                    <a:bodyPr/>
-                    <a:lstStyle/>
-                    <a:p>
-                      <a:endParaRPr lang="en-IT" sz="1200" b="0">
-                        <a:effectLst/>
-                        <a:latin typeface="Google Sans"/>
-                      </a:endParaRPr>
-                    </a:p>
-                  </a:txBody>
-                  <a:tcPr marL="103112" marR="103112" marT="103112" marB="103112" anchor="ctr">
-                    <a:lnL>
-                      <a:noFill/>
-                    </a:lnL>
-                    <a:lnR>
-                      <a:noFill/>
-                    </a:lnR>
-                    <a:lnT>
-                      <a:noFill/>
-                    </a:lnT>
-                    <a:lnB>
-                      <a:noFill/>
-                    </a:lnB>
-                    <a:solidFill>
-                      <a:srgbClr val="FFFFFF"/>
-                    </a:solidFill>
-                  </a:tcPr>
-                </a:tc>
-                <a:extLst>
-                  <a:ext uri="{0D108BD9-81ED-4DB2-BD59-A6C34878D82A}">
-                    <a16:rowId xmlns:a16="http://schemas.microsoft.com/office/drawing/2014/main" val="1713996623"/>
-                  </a:ext>
-                </a:extLst>
-              </a:tr>
-              <a:tr h="340634">
-                <a:tc>
-                  <a:txBody>
-                    <a:bodyPr/>
-                    <a:lstStyle/>
-                    <a:p>
-                      <a:endParaRPr lang="en-IT" sz="1200" b="0">
-                        <a:effectLst/>
-                        <a:latin typeface="Google Sans"/>
-                      </a:endParaRPr>
-                    </a:p>
-                  </a:txBody>
-                  <a:tcPr marL="103112" marR="103112" marT="103112" marB="103112" anchor="ctr">
-                    <a:lnL>
-                      <a:noFill/>
-                    </a:lnL>
-                    <a:lnR>
-                      <a:noFill/>
-                    </a:lnR>
-                    <a:lnT>
-                      <a:noFill/>
-                    </a:lnT>
-                    <a:lnB>
-                      <a:noFill/>
-                    </a:lnB>
-                    <a:solidFill>
-                      <a:srgbClr val="FFFFFF"/>
-                    </a:solidFill>
-                  </a:tcPr>
-                </a:tc>
-                <a:tc>
-                  <a:txBody>
-                    <a:bodyPr/>
-                    <a:lstStyle/>
-                    <a:p>
-                      <a:endParaRPr lang="en-IT" sz="1200" b="0">
-                        <a:effectLst/>
-                        <a:latin typeface="Google Sans"/>
-                      </a:endParaRPr>
-                    </a:p>
-                  </a:txBody>
-                  <a:tcPr marL="103112" marR="103112" marT="103112" marB="103112" anchor="ctr">
-                    <a:lnL>
-                      <a:noFill/>
-                    </a:lnL>
-                    <a:lnR>
-                      <a:noFill/>
-                    </a:lnR>
-                    <a:lnT>
-                      <a:noFill/>
-                    </a:lnT>
-                    <a:lnB>
-                      <a:noFill/>
-                    </a:lnB>
-                    <a:solidFill>
-                      <a:srgbClr val="FFFFFF"/>
-                    </a:solidFill>
-                  </a:tcPr>
-                </a:tc>
-                <a:extLst>
-                  <a:ext uri="{0D108BD9-81ED-4DB2-BD59-A6C34878D82A}">
-                    <a16:rowId xmlns:a16="http://schemas.microsoft.com/office/drawing/2014/main" val="2015699875"/>
-                  </a:ext>
-                </a:extLst>
-              </a:tr>
-              <a:tr h="340634">
-                <a:tc>
-                  <a:txBody>
-                    <a:bodyPr/>
-                    <a:lstStyle/>
-                    <a:p>
-                      <a:endParaRPr lang="en-IT" sz="1200" b="0">
-                        <a:effectLst/>
-                        <a:latin typeface="Google Sans"/>
-                      </a:endParaRPr>
-                    </a:p>
-                  </a:txBody>
-                  <a:tcPr marL="103112" marR="103112" marT="103112" marB="103112" anchor="ctr">
-                    <a:lnL>
-                      <a:noFill/>
-                    </a:lnL>
-                    <a:lnR>
-                      <a:noFill/>
-                    </a:lnR>
-                    <a:lnT>
-                      <a:noFill/>
-                    </a:lnT>
-                    <a:lnB>
-                      <a:noFill/>
-                    </a:lnB>
-                    <a:solidFill>
-                      <a:srgbClr val="FFFFFF"/>
-                    </a:solidFill>
-                  </a:tcPr>
-                </a:tc>
-                <a:tc>
-                  <a:txBody>
-                    <a:bodyPr/>
-                    <a:lstStyle/>
-                    <a:p>
-                      <a:endParaRPr lang="en-IT" sz="1200" b="0">
-                        <a:effectLst/>
-                        <a:latin typeface="Google Sans"/>
-                      </a:endParaRPr>
-                    </a:p>
-                  </a:txBody>
-                  <a:tcPr marL="103112" marR="103112" marT="103112" marB="103112" anchor="ctr">
-                    <a:lnL>
-                      <a:noFill/>
-                    </a:lnL>
-                    <a:lnR>
-                      <a:noFill/>
-                    </a:lnR>
-                    <a:lnT>
-                      <a:noFill/>
-                    </a:lnT>
-                    <a:lnB>
-                      <a:noFill/>
-                    </a:lnB>
-                    <a:solidFill>
-                      <a:srgbClr val="FFFFFF"/>
-                    </a:solidFill>
-                  </a:tcPr>
-                </a:tc>
-                <a:extLst>
-                  <a:ext uri="{0D108BD9-81ED-4DB2-BD59-A6C34878D82A}">
-                    <a16:rowId xmlns:a16="http://schemas.microsoft.com/office/drawing/2014/main" val="3739606697"/>
-                  </a:ext>
-                </a:extLst>
-              </a:tr>
-              <a:tr h="340634">
-                <a:tc>
-                  <a:txBody>
-                    <a:bodyPr/>
-                    <a:lstStyle/>
-                    <a:p>
-                      <a:endParaRPr lang="en-IT" sz="1200" b="0">
-                        <a:effectLst/>
-                        <a:latin typeface="Google Sans"/>
-                      </a:endParaRPr>
-                    </a:p>
-                  </a:txBody>
-                  <a:tcPr marL="103112" marR="103112" marT="103112" marB="103112" anchor="ctr">
-                    <a:lnL>
-                      <a:noFill/>
-                    </a:lnL>
-                    <a:lnR>
-                      <a:noFill/>
-                    </a:lnR>
-                    <a:lnT>
-                      <a:noFill/>
-                    </a:lnT>
-                    <a:lnB>
-                      <a:noFill/>
-                    </a:lnB>
-                    <a:solidFill>
-                      <a:srgbClr val="FFFFFF"/>
-                    </a:solidFill>
-                  </a:tcPr>
-                </a:tc>
-                <a:tc>
-                  <a:txBody>
-                    <a:bodyPr/>
-                    <a:lstStyle/>
-                    <a:p>
-                      <a:endParaRPr lang="en-IT" sz="1200" b="0">
-                        <a:effectLst/>
-                        <a:latin typeface="Google Sans"/>
-                      </a:endParaRPr>
-                    </a:p>
-                  </a:txBody>
-                  <a:tcPr marL="103112" marR="103112" marT="103112" marB="103112" anchor="ctr">
-                    <a:lnL>
-                      <a:noFill/>
-                    </a:lnL>
-                    <a:lnR>
-                      <a:noFill/>
-                    </a:lnR>
-                    <a:lnT>
-                      <a:noFill/>
-                    </a:lnT>
-                    <a:lnB>
-                      <a:noFill/>
-                    </a:lnB>
-                    <a:solidFill>
-                      <a:srgbClr val="FFFFFF"/>
-                    </a:solidFill>
-                  </a:tcPr>
-                </a:tc>
-                <a:extLst>
-                  <a:ext uri="{0D108BD9-81ED-4DB2-BD59-A6C34878D82A}">
-                    <a16:rowId xmlns:a16="http://schemas.microsoft.com/office/drawing/2014/main" val="3248865954"/>
-                  </a:ext>
-                </a:extLst>
-              </a:tr>
-              <a:tr h="340634">
-                <a:tc>
-                  <a:txBody>
-                    <a:bodyPr/>
-                    <a:lstStyle/>
-                    <a:p>
-                      <a:endParaRPr lang="en-IT" sz="1200" b="0">
-                        <a:effectLst/>
-                        <a:latin typeface="Google Sans"/>
-                      </a:endParaRPr>
-                    </a:p>
-                  </a:txBody>
-                  <a:tcPr marL="103112" marR="103112" marT="103112" marB="103112" anchor="ctr">
-                    <a:lnL>
-                      <a:noFill/>
-                    </a:lnL>
-                    <a:lnR>
-                      <a:noFill/>
-                    </a:lnR>
-                    <a:lnT>
-                      <a:noFill/>
-                    </a:lnT>
-                    <a:lnB>
-                      <a:noFill/>
-                    </a:lnB>
-                    <a:solidFill>
-                      <a:srgbClr val="FFFFFF"/>
-                    </a:solidFill>
-                  </a:tcPr>
-                </a:tc>
-                <a:tc>
-                  <a:txBody>
-                    <a:bodyPr/>
-                    <a:lstStyle/>
-                    <a:p>
-                      <a:endParaRPr lang="en-IT" sz="1200" b="0">
-                        <a:effectLst/>
-                        <a:latin typeface="Google Sans"/>
-                      </a:endParaRPr>
-                    </a:p>
-                  </a:txBody>
-                  <a:tcPr marL="103112" marR="103112" marT="103112" marB="103112" anchor="ctr">
-                    <a:lnL>
-                      <a:noFill/>
-                    </a:lnL>
-                    <a:lnR>
-                      <a:noFill/>
-                    </a:lnR>
-                    <a:lnT>
-                      <a:noFill/>
-                    </a:lnT>
-                    <a:lnB>
-                      <a:noFill/>
-                    </a:lnB>
-                    <a:solidFill>
-                      <a:srgbClr val="FFFFFF"/>
-                    </a:solidFill>
-                  </a:tcPr>
-                </a:tc>
-                <a:extLst>
-                  <a:ext uri="{0D108BD9-81ED-4DB2-BD59-A6C34878D82A}">
-                    <a16:rowId xmlns:a16="http://schemas.microsoft.com/office/drawing/2014/main" val="1205825867"/>
-                  </a:ext>
-                </a:extLst>
-              </a:tr>
-              <a:tr h="340634">
-                <a:tc>
-                  <a:txBody>
-                    <a:bodyPr/>
-                    <a:lstStyle/>
-                    <a:p>
-                      <a:endParaRPr lang="en-IT" sz="1200" b="0">
-                        <a:effectLst/>
-                        <a:latin typeface="Google Sans"/>
-                      </a:endParaRPr>
-                    </a:p>
-                  </a:txBody>
-                  <a:tcPr marL="103112" marR="103112" marT="103112" marB="103112" anchor="ctr">
-                    <a:lnL>
-                      <a:noFill/>
-                    </a:lnL>
-                    <a:lnR>
-                      <a:noFill/>
-                    </a:lnR>
-                    <a:lnT>
-                      <a:noFill/>
-                    </a:lnT>
-                    <a:lnB>
-                      <a:noFill/>
-                    </a:lnB>
-                    <a:solidFill>
-                      <a:srgbClr val="FFFFFF"/>
-                    </a:solidFill>
-                  </a:tcPr>
-                </a:tc>
-                <a:tc>
-                  <a:txBody>
-                    <a:bodyPr/>
-                    <a:lstStyle/>
-                    <a:p>
-                      <a:endParaRPr lang="en-IT" sz="1200" b="0">
-                        <a:effectLst/>
-                        <a:latin typeface="Google Sans"/>
-                      </a:endParaRPr>
-                    </a:p>
-                  </a:txBody>
-                  <a:tcPr marL="103112" marR="103112" marT="103112" marB="103112" anchor="ctr">
-                    <a:lnL>
-                      <a:noFill/>
-                    </a:lnL>
-                    <a:lnR>
-                      <a:noFill/>
-                    </a:lnR>
-                    <a:lnT>
-                      <a:noFill/>
-                    </a:lnT>
-                    <a:lnB>
-                      <a:noFill/>
-                    </a:lnB>
-                    <a:solidFill>
-                      <a:srgbClr val="FFFFFF"/>
-                    </a:solidFill>
-                  </a:tcPr>
-                </a:tc>
-                <a:extLst>
-                  <a:ext uri="{0D108BD9-81ED-4DB2-BD59-A6C34878D82A}">
-                    <a16:rowId xmlns:a16="http://schemas.microsoft.com/office/drawing/2014/main" val="3133440843"/>
-                  </a:ext>
-                </a:extLst>
-              </a:tr>
-              <a:tr h="340634">
-                <a:tc>
-                  <a:txBody>
-                    <a:bodyPr/>
-                    <a:lstStyle/>
-                    <a:p>
-                      <a:endParaRPr lang="en-IT" sz="1200" b="0">
-                        <a:effectLst/>
-                        <a:latin typeface="Google Sans"/>
-                      </a:endParaRPr>
-                    </a:p>
-                  </a:txBody>
-                  <a:tcPr marL="103112" marR="103112" marT="103112" marB="103112" anchor="ctr">
-                    <a:lnL>
-                      <a:noFill/>
-                    </a:lnL>
-                    <a:lnR>
-                      <a:noFill/>
-                    </a:lnR>
-                    <a:lnT>
-                      <a:noFill/>
-                    </a:lnT>
-                    <a:lnB>
-                      <a:noFill/>
-                    </a:lnB>
-                    <a:solidFill>
-                      <a:srgbClr val="FFFFFF"/>
-                    </a:solidFill>
-                  </a:tcPr>
-                </a:tc>
-                <a:tc>
-                  <a:txBody>
-                    <a:bodyPr/>
-                    <a:lstStyle/>
-                    <a:p>
-                      <a:endParaRPr lang="en-IT" sz="1200" b="0" dirty="0">
-                        <a:effectLst/>
-                        <a:latin typeface="Google Sans"/>
-                      </a:endParaRPr>
-                    </a:p>
-                  </a:txBody>
-                  <a:tcPr marL="103112" marR="103112" marT="103112" marB="103112" anchor="ctr">
-                    <a:lnL>
-                      <a:noFill/>
-                    </a:lnL>
-                    <a:lnR>
-                      <a:noFill/>
-                    </a:lnR>
-                    <a:lnT>
-                      <a:noFill/>
-                    </a:lnT>
-                    <a:lnB>
-                      <a:noFill/>
-                    </a:lnB>
-                    <a:solidFill>
-                      <a:srgbClr val="FFFFFF"/>
-                    </a:solidFill>
-                  </a:tcPr>
-                </a:tc>
-                <a:extLst>
-                  <a:ext uri="{0D108BD9-81ED-4DB2-BD59-A6C34878D82A}">
-                    <a16:rowId xmlns:a16="http://schemas.microsoft.com/office/drawing/2014/main" val="3577274678"/>
-                  </a:ext>
-                </a:extLst>
-              </a:tr>
-            </a:tbl>
-          </a:graphicData>
-        </a:graphic>
-      </p:graphicFrame>
-      <p:graphicFrame>
-        <p:nvGraphicFramePr>
-          <p:cNvPr id="7" name="Table 6">
-            <a:extLst>
-              <a:ext uri="{FF2B5EF4-FFF2-40B4-BE49-F238E27FC236}">
-                <a16:creationId xmlns:a16="http://schemas.microsoft.com/office/drawing/2014/main" id="{4E9D8585-54F8-2217-85F6-C6D5E46D7736}"/>
-              </a:ext>
-            </a:extLst>
-          </p:cNvPr>
-          <p:cNvGraphicFramePr>
-            <a:graphicFrameLocks noGrp="1"/>
-          </p:cNvGraphicFramePr>
-          <p:nvPr>
-            <p:extLst>
-              <p:ext uri="{D42A27DB-BD31-4B8C-83A1-F6EECF244321}">
-                <p14:modId xmlns:p14="http://schemas.microsoft.com/office/powerpoint/2010/main" val="4026523910"/>
-              </p:ext>
-            </p:extLst>
-          </p:nvPr>
-        </p:nvGraphicFramePr>
-        <p:xfrm>
-          <a:off x="4018457" y="2071582"/>
-          <a:ext cx="4155086" cy="3627120"/>
-        </p:xfrm>
-        <a:graphic>
-          <a:graphicData uri="http://schemas.openxmlformats.org/drawingml/2006/table">
-            <a:tbl>
-              <a:tblPr>
-                <a:tableStyleId>{284E427A-3D55-4303-BF80-6455036E1DE7}</a:tableStyleId>
-              </a:tblPr>
-              <a:tblGrid>
-                <a:gridCol w="2077543">
-                  <a:extLst>
-                    <a:ext uri="{9D8B030D-6E8A-4147-A177-3AD203B41FA5}">
-                      <a16:colId xmlns:a16="http://schemas.microsoft.com/office/drawing/2014/main" val="2608205727"/>
-                    </a:ext>
-                  </a:extLst>
-                </a:gridCol>
-                <a:gridCol w="2077543">
-                  <a:extLst>
-                    <a:ext uri="{9D8B030D-6E8A-4147-A177-3AD203B41FA5}">
-                      <a16:colId xmlns:a16="http://schemas.microsoft.com/office/drawing/2014/main" val="4004278729"/>
-                    </a:ext>
-                  </a:extLst>
-                </a:gridCol>
-              </a:tblGrid>
-              <a:tr h="0">
-                <a:tc gridSpan="2">
-                  <a:txBody>
-                    <a:bodyPr/>
-                    <a:lstStyle/>
-                    <a:p>
-                      <a:pPr algn="ctr"/>
-                      <a:r>
-                        <a:rPr lang="en-GB" b="0" dirty="0" err="1">
-                          <a:effectLst/>
-                        </a:rPr>
-                        <a:t>Studenti</a:t>
-                      </a:r>
-                      <a:r>
-                        <a:rPr lang="en-GB" b="0" dirty="0">
-                          <a:effectLst/>
-                        </a:rPr>
-                        <a:t> </a:t>
-                      </a:r>
-                      <a:r>
-                        <a:rPr lang="en-GB" b="0" dirty="0" err="1">
-                          <a:effectLst/>
-                        </a:rPr>
-                        <a:t>che</a:t>
-                      </a:r>
-                      <a:r>
-                        <a:rPr lang="en-GB" b="0" dirty="0">
-                          <a:effectLst/>
-                        </a:rPr>
-                        <a:t> </a:t>
-                      </a:r>
-                      <a:r>
-                        <a:rPr lang="en-GB" b="0" dirty="0" err="1">
-                          <a:effectLst/>
-                        </a:rPr>
-                        <a:t>hanno</a:t>
-                      </a:r>
-                      <a:r>
-                        <a:rPr lang="en-GB" b="0" dirty="0">
-                          <a:effectLst/>
-                        </a:rPr>
-                        <a:t> </a:t>
-                      </a:r>
-                      <a:r>
-                        <a:rPr lang="en-GB" b="0" dirty="0" err="1">
-                          <a:effectLst/>
-                        </a:rPr>
-                        <a:t>superato</a:t>
-                      </a:r>
-                      <a:r>
-                        <a:rPr lang="en-GB" b="0" dirty="0">
-                          <a:effectLst/>
-                        </a:rPr>
-                        <a:t> </a:t>
-                      </a:r>
-                      <a:r>
-                        <a:rPr lang="en-GB" b="0" dirty="0" err="1">
-                          <a:effectLst/>
-                        </a:rPr>
-                        <a:t>l’esame</a:t>
-                      </a:r>
-                      <a:endParaRPr lang="en-GB" b="0" dirty="0">
-                        <a:effectLst/>
-                        <a:latin typeface="Google Sans"/>
-                      </a:endParaRPr>
-                    </a:p>
-                  </a:txBody>
-                  <a:tcPr anchor="ctr"/>
-                </a:tc>
-                <a:tc hMerge="1">
-                  <a:txBody>
-                    <a:bodyPr/>
-                    <a:lstStyle/>
-                    <a:p>
-                      <a:pPr algn="l"/>
-                      <a:r>
-                        <a:rPr lang="en-GB" b="0" dirty="0" err="1">
-                          <a:effectLst/>
-                        </a:rPr>
-                        <a:t>Frequenza</a:t>
-                      </a:r>
-                      <a:endParaRPr lang="en-GB" b="0" dirty="0">
-                        <a:effectLst/>
-                        <a:latin typeface="Google Sans"/>
-                      </a:endParaRPr>
-                    </a:p>
-                  </a:txBody>
-                  <a:tcPr anchor="ctr"/>
-                </a:tc>
-                <a:extLst>
-                  <a:ext uri="{0D108BD9-81ED-4DB2-BD59-A6C34878D82A}">
-                    <a16:rowId xmlns:a16="http://schemas.microsoft.com/office/drawing/2014/main" val="955077112"/>
-                  </a:ext>
-                </a:extLst>
-              </a:tr>
-              <a:tr h="0">
-                <a:tc>
-                  <a:txBody>
-                    <a:bodyPr/>
-                    <a:lstStyle/>
-                    <a:p>
-                      <a:pPr algn="l"/>
-                      <a:r>
-                        <a:rPr lang="en-GB" b="0" dirty="0" err="1">
-                          <a:effectLst/>
-                        </a:rPr>
-                        <a:t>Numero</a:t>
-                      </a:r>
-                      <a:r>
-                        <a:rPr lang="en-GB" b="0" dirty="0">
-                          <a:effectLst/>
-                        </a:rPr>
-                        <a:t> di </a:t>
-                      </a:r>
-                      <a:r>
-                        <a:rPr lang="en-GB" b="0" dirty="0" err="1">
-                          <a:effectLst/>
-                        </a:rPr>
-                        <a:t>tentativi</a:t>
-                      </a:r>
-                      <a:endParaRPr lang="en-GB" b="0" dirty="0">
-                        <a:effectLst/>
-                        <a:latin typeface="Google Sans"/>
-                      </a:endParaRPr>
-                    </a:p>
-                  </a:txBody>
-                  <a:tcPr anchor="ctr"/>
-                </a:tc>
-                <a:tc>
-                  <a:txBody>
-                    <a:bodyPr/>
-                    <a:lstStyle/>
-                    <a:p>
-                      <a:pPr algn="l"/>
-                      <a:r>
-                        <a:rPr lang="en-GB" b="0" dirty="0" err="1">
-                          <a:effectLst/>
-                        </a:rPr>
-                        <a:t>Frequenza</a:t>
-                      </a:r>
-                      <a:endParaRPr lang="en-GB" b="0" dirty="0">
-                        <a:effectLst/>
-                        <a:latin typeface="Google Sans"/>
-                      </a:endParaRPr>
-                    </a:p>
-                  </a:txBody>
-                  <a:tcPr anchor="ctr"/>
-                </a:tc>
-                <a:extLst>
-                  <a:ext uri="{0D108BD9-81ED-4DB2-BD59-A6C34878D82A}">
-                    <a16:rowId xmlns:a16="http://schemas.microsoft.com/office/drawing/2014/main" val="310757085"/>
-                  </a:ext>
-                </a:extLst>
-              </a:tr>
-              <a:tr h="0">
-                <a:tc>
-                  <a:txBody>
-                    <a:bodyPr/>
-                    <a:lstStyle/>
-                    <a:p>
-                      <a:r>
-                        <a:rPr lang="en-IT" b="0" dirty="0">
-                          <a:effectLst/>
-                        </a:rPr>
-                        <a:t>1</a:t>
-                      </a:r>
-                      <a:endParaRPr lang="en-IT" b="0" dirty="0">
-                        <a:effectLst/>
-                        <a:latin typeface="Google Sans"/>
-                      </a:endParaRPr>
-                    </a:p>
-                  </a:txBody>
-                  <a:tcPr marL="152400" marR="152400" marT="152400" marB="152400" anchor="ctr"/>
-                </a:tc>
-                <a:tc>
-                  <a:txBody>
-                    <a:bodyPr/>
-                    <a:lstStyle/>
-                    <a:p>
-                      <a:r>
-                        <a:rPr lang="en-IT" b="0" dirty="0">
-                          <a:effectLst/>
-                        </a:rPr>
-                        <a:t>66</a:t>
-                      </a:r>
-                      <a:endParaRPr lang="en-IT" b="0" dirty="0">
-                        <a:effectLst/>
-                        <a:latin typeface="Google Sans"/>
-                      </a:endParaRPr>
-                    </a:p>
-                  </a:txBody>
-                  <a:tcPr marL="152400" marR="152400" marT="152400" marB="152400" anchor="ctr"/>
-                </a:tc>
-                <a:extLst>
-                  <a:ext uri="{0D108BD9-81ED-4DB2-BD59-A6C34878D82A}">
-                    <a16:rowId xmlns:a16="http://schemas.microsoft.com/office/drawing/2014/main" val="200430768"/>
-                  </a:ext>
-                </a:extLst>
-              </a:tr>
-              <a:tr h="0">
-                <a:tc>
-                  <a:txBody>
-                    <a:bodyPr/>
-                    <a:lstStyle/>
-                    <a:p>
-                      <a:r>
-                        <a:rPr lang="en-IT" b="0" dirty="0">
-                          <a:effectLst/>
-                        </a:rPr>
-                        <a:t>2</a:t>
-                      </a:r>
-                      <a:endParaRPr lang="en-IT" b="0" dirty="0">
-                        <a:effectLst/>
-                        <a:latin typeface="Google Sans"/>
-                      </a:endParaRPr>
-                    </a:p>
-                  </a:txBody>
-                  <a:tcPr marL="152400" marR="152400" marT="152400" marB="152400" anchor="ctr"/>
-                </a:tc>
-                <a:tc>
-                  <a:txBody>
-                    <a:bodyPr/>
-                    <a:lstStyle/>
-                    <a:p>
-                      <a:r>
-                        <a:rPr lang="en-IT" b="0" dirty="0">
-                          <a:effectLst/>
-                        </a:rPr>
-                        <a:t>24</a:t>
-                      </a:r>
-                      <a:endParaRPr lang="en-IT" b="0" dirty="0">
-                        <a:effectLst/>
-                        <a:latin typeface="Google Sans"/>
-                      </a:endParaRPr>
-                    </a:p>
-                  </a:txBody>
-                  <a:tcPr marL="152400" marR="152400" marT="152400" marB="152400" anchor="ctr"/>
-                </a:tc>
-                <a:extLst>
-                  <a:ext uri="{0D108BD9-81ED-4DB2-BD59-A6C34878D82A}">
-                    <a16:rowId xmlns:a16="http://schemas.microsoft.com/office/drawing/2014/main" val="2860588678"/>
-                  </a:ext>
-                </a:extLst>
-              </a:tr>
-              <a:tr h="0">
-                <a:tc>
-                  <a:txBody>
-                    <a:bodyPr/>
-                    <a:lstStyle/>
-                    <a:p>
-                      <a:r>
-                        <a:rPr lang="en-IT" b="0">
-                          <a:effectLst/>
-                        </a:rPr>
-                        <a:t>3</a:t>
-                      </a:r>
-                      <a:endParaRPr lang="en-IT" b="0">
-                        <a:effectLst/>
-                        <a:latin typeface="Google Sans"/>
-                      </a:endParaRPr>
-                    </a:p>
-                  </a:txBody>
-                  <a:tcPr marL="152400" marR="152400" marT="152400" marB="152400" anchor="ctr"/>
-                </a:tc>
-                <a:tc>
-                  <a:txBody>
-                    <a:bodyPr/>
-                    <a:lstStyle/>
-                    <a:p>
-                      <a:r>
-                        <a:rPr lang="en-IT" b="0" dirty="0">
-                          <a:effectLst/>
-                        </a:rPr>
-                        <a:t>9</a:t>
-                      </a:r>
-                      <a:endParaRPr lang="en-IT" b="0" dirty="0">
-                        <a:effectLst/>
-                        <a:latin typeface="Google Sans"/>
-                      </a:endParaRPr>
-                    </a:p>
-                  </a:txBody>
-                  <a:tcPr marL="152400" marR="152400" marT="152400" marB="152400" anchor="ctr"/>
-                </a:tc>
-                <a:extLst>
-                  <a:ext uri="{0D108BD9-81ED-4DB2-BD59-A6C34878D82A}">
-                    <a16:rowId xmlns:a16="http://schemas.microsoft.com/office/drawing/2014/main" val="1623174356"/>
-                  </a:ext>
-                </a:extLst>
-              </a:tr>
-              <a:tr h="0">
-                <a:tc>
-                  <a:txBody>
-                    <a:bodyPr/>
-                    <a:lstStyle/>
-                    <a:p>
-                      <a:r>
-                        <a:rPr lang="en-IT" b="0">
-                          <a:effectLst/>
-                        </a:rPr>
-                        <a:t>4</a:t>
-                      </a:r>
-                      <a:endParaRPr lang="en-IT" b="0">
-                        <a:effectLst/>
-                        <a:latin typeface="Google Sans"/>
-                      </a:endParaRPr>
-                    </a:p>
-                  </a:txBody>
-                  <a:tcPr marL="152400" marR="152400" marT="152400" marB="152400" anchor="ctr"/>
-                </a:tc>
-                <a:tc>
-                  <a:txBody>
-                    <a:bodyPr/>
-                    <a:lstStyle/>
-                    <a:p>
-                      <a:r>
-                        <a:rPr lang="en-IT" b="0" dirty="0">
-                          <a:effectLst/>
-                        </a:rPr>
-                        <a:t>2</a:t>
-                      </a:r>
-                      <a:endParaRPr lang="en-IT" b="0" dirty="0">
-                        <a:effectLst/>
-                        <a:latin typeface="Google Sans"/>
-                      </a:endParaRPr>
-                    </a:p>
-                  </a:txBody>
-                  <a:tcPr marL="152400" marR="152400" marT="152400" marB="152400" anchor="ctr"/>
-                </a:tc>
-                <a:extLst>
-                  <a:ext uri="{0D108BD9-81ED-4DB2-BD59-A6C34878D82A}">
-                    <a16:rowId xmlns:a16="http://schemas.microsoft.com/office/drawing/2014/main" val="1974360773"/>
-                  </a:ext>
-                </a:extLst>
-              </a:tr>
-              <a:tr h="0">
-                <a:tc>
-                  <a:txBody>
-                    <a:bodyPr/>
-                    <a:lstStyle/>
-                    <a:p>
-                      <a:r>
-                        <a:rPr lang="en-IT" b="0">
-                          <a:effectLst/>
-                        </a:rPr>
-                        <a:t>5</a:t>
-                      </a:r>
-                      <a:endParaRPr lang="en-IT" b="0">
-                        <a:effectLst/>
-                        <a:latin typeface="Google Sans"/>
-                      </a:endParaRPr>
-                    </a:p>
-                  </a:txBody>
-                  <a:tcPr marL="152400" marR="152400" marT="152400" marB="152400" anchor="ctr"/>
-                </a:tc>
-                <a:tc>
-                  <a:txBody>
-                    <a:bodyPr/>
-                    <a:lstStyle/>
-                    <a:p>
-                      <a:r>
-                        <a:rPr lang="en-IT" b="0" dirty="0">
-                          <a:effectLst/>
-                        </a:rPr>
-                        <a:t>1</a:t>
-                      </a:r>
-                      <a:endParaRPr lang="en-IT" b="0" dirty="0">
-                        <a:effectLst/>
-                        <a:latin typeface="Google Sans"/>
-                      </a:endParaRPr>
-                    </a:p>
-                  </a:txBody>
-                  <a:tcPr marL="152400" marR="152400" marT="152400" marB="152400" anchor="ctr"/>
-                </a:tc>
-                <a:extLst>
-                  <a:ext uri="{0D108BD9-81ED-4DB2-BD59-A6C34878D82A}">
-                    <a16:rowId xmlns:a16="http://schemas.microsoft.com/office/drawing/2014/main" val="863657650"/>
-                  </a:ext>
-                </a:extLst>
-              </a:tr>
-            </a:tbl>
-          </a:graphicData>
-        </a:graphic>
-      </p:graphicFrame>
-    </p:spTree>
-    <p:extLst>
-      <p:ext uri="{BB962C8B-B14F-4D97-AF65-F5344CB8AC3E}">
-        <p14:creationId xmlns:p14="http://schemas.microsoft.com/office/powerpoint/2010/main" val="3462871783"/>
-      </p:ext>
-    </p:extLst>
-  </p:cSld>
-  <p:clrMapOvr>
-    <a:masterClrMapping/>
-  </p:clrMapOvr>
-</p:sld>
-</file>
-
-<file path=ppt/slides/slide11.xml><?xml version="1.0" encoding="utf-8"?>
-<p:sld xmlns:a="http://schemas.openxmlformats.org/drawingml/2006/main" xmlns:r="http://schemas.openxmlformats.org/officeDocument/2006/relationships" xmlns:p="http://schemas.openxmlformats.org/presentationml/2006/main">
-  <p:cSld>
-    <p:spTree>
-      <p:nvGrpSpPr>
-        <p:cNvPr id="1" name=""/>
-        <p:cNvGrpSpPr/>
-        <p:nvPr/>
-      </p:nvGrpSpPr>
-      <p:grpSpPr>
-        <a:xfrm>
-          <a:off x="0" y="0"/>
-          <a:ext cx="0" cy="0"/>
-          <a:chOff x="0" y="0"/>
-          <a:chExt cx="0" cy="0"/>
-        </a:xfrm>
-      </p:grpSpPr>
-      <p:sp>
-        <p:nvSpPr>
-          <p:cNvPr id="2" name="Title 1">
-            <a:extLst>
-              <a:ext uri="{FF2B5EF4-FFF2-40B4-BE49-F238E27FC236}">
                 <a16:creationId xmlns:a16="http://schemas.microsoft.com/office/drawing/2014/main" id="{E4F7DBDA-582C-C96E-F02A-2EF1876D5D90}"/>
               </a:ext>
             </a:extLst>
@@ -4849,7 +3595,7 @@
 </p:sld>
 </file>
 
-<file path=ppt/slides/slide12.xml><?xml version="1.0" encoding="utf-8"?>
+<file path=ppt/slides/slide11.xml><?xml version="1.0" encoding="utf-8"?>
 <p:sld xmlns:a="http://schemas.openxmlformats.org/drawingml/2006/main" xmlns:r="http://schemas.openxmlformats.org/officeDocument/2006/relationships" xmlns:p="http://schemas.openxmlformats.org/presentationml/2006/main">
   <p:cSld>
     <p:spTree>
@@ -5210,7 +3956,7 @@
           <p:cNvPr id="2" name="Title 1">
             <a:extLst>
               <a:ext uri="{FF2B5EF4-FFF2-40B4-BE49-F238E27FC236}">
-                <a16:creationId xmlns:a16="http://schemas.microsoft.com/office/drawing/2014/main" id="{6971BB7A-4989-B31B-BA5D-BB0BAE8F3C2E}"/>
+                <a16:creationId xmlns:a16="http://schemas.microsoft.com/office/drawing/2014/main" id="{DCD4650D-BBD9-5DFE-8849-C23CEB13BCA5}"/>
               </a:ext>
             </a:extLst>
           </p:cNvPr>
@@ -5228,7 +3974,7 @@
           <a:p>
             <a:r>
               <a:rPr lang="en-IT" dirty="0"/>
-              <a:t>Studenti non frequentanti</a:t>
+              <a:t>Testi di riferimento</a:t>
             </a:r>
           </a:p>
         </p:txBody>
@@ -5238,7 +3984,7 @@
           <p:cNvPr id="3" name="Content Placeholder 2">
             <a:extLst>
               <a:ext uri="{FF2B5EF4-FFF2-40B4-BE49-F238E27FC236}">
-                <a16:creationId xmlns:a16="http://schemas.microsoft.com/office/drawing/2014/main" id="{677A6731-9D0D-6A2E-709E-1024D49322C2}"/>
+                <a16:creationId xmlns:a16="http://schemas.microsoft.com/office/drawing/2014/main" id="{A5F606F3-31CB-AE9F-058E-1DDFEB8ED1B2}"/>
               </a:ext>
             </a:extLst>
           </p:cNvPr>
@@ -5256,9 +4002,130 @@
           </a:bodyPr>
           <a:lstStyle/>
           <a:p>
-            <a:r>
-              <a:rPr lang="en-IT" dirty="0"/>
-              <a:t>Per gli studenti impossibilitati a seguire regolarmente le lezioni, saranno rese disponibili le registrazioni delle lezioni.</a:t>
+            <a:pPr algn="l">
+              <a:buFont typeface="Arial" panose="020B0604020202020204" pitchFamily="34" charset="0"/>
+              <a:buChar char="•"/>
+            </a:pPr>
+            <a:r>
+              <a:rPr lang="en-GB" b="0" i="0" u="none" strike="noStrike" dirty="0">
+                <a:solidFill>
+                  <a:srgbClr val="4183C4"/>
+                </a:solidFill>
+                <a:effectLst/>
+                <a:latin typeface="Open Sans" panose="020B0606030504020204" pitchFamily="34" charset="0"/>
+                <a:hlinkClick r:id="rId2"/>
+              </a:rPr>
+              <a:t>Scienza delle Costruzioni, Edizione 2019 Di P. Casini e M. Vasta.</a:t>
+            </a:r>
+            <a:endParaRPr lang="en-GB" b="0" i="0" u="none" strike="noStrike" dirty="0">
+              <a:solidFill>
+                <a:srgbClr val="333333"/>
+              </a:solidFill>
+              <a:effectLst/>
+              <a:latin typeface="Open Sans" panose="020B0606030504020204" pitchFamily="34" charset="0"/>
+            </a:endParaRPr>
+          </a:p>
+          <a:p>
+            <a:pPr algn="l">
+              <a:buFont typeface="Arial" panose="020B0604020202020204" pitchFamily="34" charset="0"/>
+              <a:buChar char="•"/>
+            </a:pPr>
+            <a:r>
+              <a:rPr lang="en-GB" b="0" i="0" u="none" strike="noStrike" dirty="0">
+                <a:solidFill>
+                  <a:srgbClr val="4183C4"/>
+                </a:solidFill>
+                <a:effectLst/>
+                <a:latin typeface="Open Sans" panose="020B0606030504020204" pitchFamily="34" charset="0"/>
+                <a:hlinkClick r:id="rId3"/>
+              </a:rPr>
+              <a:t>Meccanica dei solidi e delle strutture. Teoria e applicazioni. Edizione 2023 Di R. C. Hibbeler. Edizione italiana a cura di M. De Angelis, A. Reggio e G. Ruta</a:t>
+            </a:r>
+            <a:r>
+              <a:rPr lang="en-GB" b="0" i="0" u="none" strike="noStrike" dirty="0">
+                <a:solidFill>
+                  <a:srgbClr val="333333"/>
+                </a:solidFill>
+                <a:effectLst/>
+                <a:latin typeface="Open Sans" panose="020B0606030504020204" pitchFamily="34" charset="0"/>
+              </a:rPr>
+              <a:t>.</a:t>
+            </a:r>
+          </a:p>
+          <a:p>
+            <a:pPr algn="l">
+              <a:buFont typeface="Arial" panose="020B0604020202020204" pitchFamily="34" charset="0"/>
+              <a:buChar char="•"/>
+            </a:pPr>
+            <a:r>
+              <a:rPr lang="en-GB" b="0" i="0" u="none" strike="noStrike" dirty="0">
+                <a:solidFill>
+                  <a:srgbClr val="4183C4"/>
+                </a:solidFill>
+                <a:effectLst/>
+                <a:latin typeface="Open Sans" panose="020B0606030504020204" pitchFamily="34" charset="0"/>
+                <a:hlinkClick r:id="rId4"/>
+              </a:rPr>
+              <a:t>Scienza delle costruzioni. L'analisi della tensione nelle travi. Un software applicativo. Edizione 2019. Di A. Paolone, F. Vestroni e S. Vidoli.</a:t>
+            </a:r>
+            <a:endParaRPr lang="en-GB" b="0" i="0" u="none" strike="noStrike" dirty="0">
+              <a:solidFill>
+                <a:srgbClr val="333333"/>
+              </a:solidFill>
+              <a:effectLst/>
+              <a:latin typeface="Open Sans" panose="020B0606030504020204" pitchFamily="34" charset="0"/>
+            </a:endParaRPr>
+          </a:p>
+          <a:p>
+            <a:pPr algn="l">
+              <a:buFont typeface="Arial" panose="020B0604020202020204" pitchFamily="34" charset="0"/>
+              <a:buChar char="•"/>
+            </a:pPr>
+            <a:r>
+              <a:rPr lang="en-GB" dirty="0">
+                <a:solidFill>
+                  <a:srgbClr val="333333"/>
+                </a:solidFill>
+                <a:latin typeface="Open Sans" panose="020B0606030504020204" pitchFamily="34" charset="0"/>
+              </a:rPr>
+              <a:t>Slide </a:t>
+            </a:r>
+            <a:r>
+              <a:rPr lang="en-GB" dirty="0" err="1">
+                <a:solidFill>
+                  <a:srgbClr val="333333"/>
+                </a:solidFill>
+                <a:latin typeface="Open Sans" panose="020B0606030504020204" pitchFamily="34" charset="0"/>
+              </a:rPr>
+              <a:t>delle</a:t>
+            </a:r>
+            <a:r>
+              <a:rPr lang="en-GB" dirty="0">
+                <a:solidFill>
+                  <a:srgbClr val="333333"/>
+                </a:solidFill>
+                <a:latin typeface="Open Sans" panose="020B0606030504020204" pitchFamily="34" charset="0"/>
+              </a:rPr>
+              <a:t> </a:t>
+            </a:r>
+            <a:r>
+              <a:rPr lang="en-GB" dirty="0" err="1">
+                <a:solidFill>
+                  <a:srgbClr val="333333"/>
+                </a:solidFill>
+                <a:latin typeface="Open Sans" panose="020B0606030504020204" pitchFamily="34" charset="0"/>
+              </a:rPr>
+              <a:t>lezioni</a:t>
+            </a:r>
+            <a:r>
+              <a:rPr lang="en-IT" b="0" i="0" u="none" strike="noStrike" dirty="0">
+                <a:solidFill>
+                  <a:srgbClr val="333333"/>
+                </a:solidFill>
+                <a:effectLst/>
+                <a:latin typeface="Open Sans" panose="020B0606030504020204" pitchFamily="34" charset="0"/>
+              </a:rPr>
+              <a:t>.</a:t>
             </a:r>
           </a:p>
         </p:txBody>
@@ -5266,7 +4133,7 @@
     </p:spTree>
     <p:extLst>
       <p:ext uri="{BB962C8B-B14F-4D97-AF65-F5344CB8AC3E}">
-        <p14:creationId xmlns:p14="http://schemas.microsoft.com/office/powerpoint/2010/main" val="70171001"/>
+        <p14:creationId xmlns:p14="http://schemas.microsoft.com/office/powerpoint/2010/main" val="3353134916"/>
       </p:ext>
     </p:extLst>
   </p:cSld>
@@ -5298,7 +4165,7 @@
           <p:cNvPr id="2" name="Title 1">
             <a:extLst>
               <a:ext uri="{FF2B5EF4-FFF2-40B4-BE49-F238E27FC236}">
-                <a16:creationId xmlns:a16="http://schemas.microsoft.com/office/drawing/2014/main" id="{DCD4650D-BBD9-5DFE-8849-C23CEB13BCA5}"/>
+                <a16:creationId xmlns:a16="http://schemas.microsoft.com/office/drawing/2014/main" id="{EC1740E1-4013-46B2-67B6-E32CFC99BCA6}"/>
               </a:ext>
             </a:extLst>
           </p:cNvPr>
@@ -5316,7 +4183,7 @@
           <a:p>
             <a:r>
               <a:rPr lang="en-IT" dirty="0"/>
-              <a:t>Testi di riferimento</a:t>
+              <a:t>Esercitazioni</a:t>
             </a:r>
           </a:p>
         </p:txBody>
@@ -5326,7 +4193,7 @@
           <p:cNvPr id="3" name="Content Placeholder 2">
             <a:extLst>
               <a:ext uri="{FF2B5EF4-FFF2-40B4-BE49-F238E27FC236}">
-                <a16:creationId xmlns:a16="http://schemas.microsoft.com/office/drawing/2014/main" id="{A5F606F3-31CB-AE9F-058E-1DDFEB8ED1B2}"/>
+                <a16:creationId xmlns:a16="http://schemas.microsoft.com/office/drawing/2014/main" id="{1158FBE1-B8D2-FC77-F0D8-81C8D7E5E915}"/>
               </a:ext>
             </a:extLst>
           </p:cNvPr>
@@ -5340,142 +4207,309 @@
         <p:spPr/>
         <p:txBody>
           <a:bodyPr>
-            <a:normAutofit/>
+            <a:normAutofit fontScale="92500" lnSpcReduction="20000"/>
           </a:bodyPr>
           <a:lstStyle/>
           <a:p>
-            <a:pPr algn="l">
-              <a:buFont typeface="Arial" panose="020B0604020202020204" pitchFamily="34" charset="0"/>
-              <a:buChar char="•"/>
-            </a:pPr>
-            <a:r>
-              <a:rPr lang="en-GB" b="0" i="0" u="none" strike="noStrike" dirty="0">
-                <a:solidFill>
-                  <a:srgbClr val="4183C4"/>
-                </a:solidFill>
-                <a:effectLst/>
-                <a:latin typeface="Open Sans" panose="020B0606030504020204" pitchFamily="34" charset="0"/>
-                <a:hlinkClick r:id="rId2"/>
-              </a:rPr>
-              <a:t>Scienza delle Costruzioni, Edizione 2019 Di P. Casini e M. Vasta.</a:t>
-            </a:r>
-            <a:endParaRPr lang="en-GB" b="0" i="0" u="none" strike="noStrike" dirty="0">
-              <a:solidFill>
-                <a:srgbClr val="333333"/>
-              </a:solidFill>
-              <a:effectLst/>
-              <a:latin typeface="Open Sans" panose="020B0606030504020204" pitchFamily="34" charset="0"/>
-            </a:endParaRPr>
-          </a:p>
-          <a:p>
-            <a:pPr algn="l">
-              <a:buFont typeface="Arial" panose="020B0604020202020204" pitchFamily="34" charset="0"/>
-              <a:buChar char="•"/>
-            </a:pPr>
-            <a:r>
-              <a:rPr lang="en-GB" b="0" i="0" u="none" strike="noStrike" dirty="0">
-                <a:solidFill>
-                  <a:srgbClr val="4183C4"/>
-                </a:solidFill>
-                <a:effectLst/>
-                <a:latin typeface="Open Sans" panose="020B0606030504020204" pitchFamily="34" charset="0"/>
-                <a:hlinkClick r:id="rId3"/>
-              </a:rPr>
-              <a:t>Meccanica dei solidi e delle strutture. Teoria e applicazioni. Edizione 2023 Di R. C. Hibbeler. Edizione italiana a cura di M. De Angelis, A. Reggio e G. Ruta</a:t>
-            </a:r>
-            <a:r>
-              <a:rPr lang="en-GB" b="0" i="0" u="none" strike="noStrike" dirty="0">
-                <a:solidFill>
-                  <a:srgbClr val="333333"/>
-                </a:solidFill>
-                <a:effectLst/>
-                <a:latin typeface="Open Sans" panose="020B0606030504020204" pitchFamily="34" charset="0"/>
-              </a:rPr>
+            <a:r>
+              <a:rPr lang="en-IT" dirty="0"/>
+              <a:t>Sono parte integrante del programma d’esame le esercitazioni proposte sulla piattaforma moodle.</a:t>
+            </a:r>
+          </a:p>
+          <a:p>
+            <a:r>
+              <a:rPr lang="en-IT" dirty="0"/>
+              <a:t>P</a:t>
+            </a:r>
+            <a:r>
+              <a:rPr lang="en-GB" dirty="0"/>
+              <a:t>e</a:t>
+            </a:r>
+            <a:r>
+              <a:rPr lang="en-IT" dirty="0"/>
+              <a:t>r poter sostenere l’esame e` obbligatorio </a:t>
+            </a:r>
+            <a:r>
+              <a:rPr lang="en-US" dirty="0" err="1"/>
+              <a:t>redarre</a:t>
+            </a:r>
+            <a:r>
+              <a:rPr lang="en-US" dirty="0"/>
+              <a:t> </a:t>
+            </a:r>
+            <a:r>
+              <a:rPr lang="en-IT" dirty="0"/>
+              <a:t>le esercitazioni </a:t>
+            </a:r>
+            <a:r>
+              <a:rPr lang="en-US" dirty="0" err="1"/>
+              <a:t>su</a:t>
+            </a:r>
+            <a:r>
+              <a:rPr lang="en-US" dirty="0"/>
+              <a:t> un </a:t>
+            </a:r>
+            <a:r>
+              <a:rPr lang="en-US" dirty="0" err="1"/>
+              <a:t>quaderno</a:t>
+            </a:r>
+            <a:r>
+              <a:rPr lang="en-US" dirty="0"/>
+              <a:t> o con un </a:t>
+            </a:r>
+            <a:r>
+              <a:rPr lang="en-US" dirty="0" err="1"/>
+              <a:t>raccoglitore</a:t>
+            </a:r>
+            <a:r>
+              <a:rPr lang="en-US" dirty="0"/>
+              <a:t> ad </a:t>
+            </a:r>
+            <a:r>
+              <a:rPr lang="en-US" dirty="0" err="1"/>
+              <a:t>anelli</a:t>
+            </a:r>
+            <a:r>
+              <a:rPr lang="en-US" dirty="0"/>
+              <a:t> da </a:t>
+            </a:r>
+            <a:r>
+              <a:rPr lang="en-US" b="1" dirty="0" err="1"/>
+              <a:t>consegnare</a:t>
+            </a:r>
+            <a:r>
+              <a:rPr lang="en-US" b="1" dirty="0"/>
+              <a:t> il </a:t>
+            </a:r>
+            <a:r>
+              <a:rPr lang="en-US" b="1" dirty="0" err="1"/>
+              <a:t>giorno</a:t>
+            </a:r>
+            <a:r>
+              <a:rPr lang="en-US" b="1" dirty="0"/>
+              <a:t> </a:t>
+            </a:r>
+            <a:r>
+              <a:rPr lang="en-US" b="1" dirty="0" err="1"/>
+              <a:t>della</a:t>
+            </a:r>
+            <a:r>
+              <a:rPr lang="en-US" b="1" dirty="0"/>
+              <a:t> </a:t>
+            </a:r>
+            <a:r>
+              <a:rPr lang="en-US" b="1" dirty="0" err="1"/>
+              <a:t>prova</a:t>
+            </a:r>
+            <a:r>
+              <a:rPr lang="en-US" b="1" dirty="0"/>
+              <a:t> </a:t>
+            </a:r>
+            <a:r>
+              <a:rPr lang="en-US" b="1" dirty="0" err="1"/>
+              <a:t>scritta</a:t>
+            </a:r>
+            <a:r>
+              <a:rPr lang="en-US" dirty="0"/>
               <a:t>.</a:t>
             </a:r>
           </a:p>
           <a:p>
-            <a:pPr algn="l">
-              <a:buFont typeface="Arial" panose="020B0604020202020204" pitchFamily="34" charset="0"/>
-              <a:buChar char="•"/>
-            </a:pPr>
-            <a:r>
-              <a:rPr lang="en-GB" b="0" i="0" u="none" strike="noStrike" dirty="0">
-                <a:solidFill>
-                  <a:srgbClr val="4183C4"/>
-                </a:solidFill>
-                <a:effectLst/>
-                <a:latin typeface="Open Sans" panose="020B0606030504020204" pitchFamily="34" charset="0"/>
-                <a:hlinkClick r:id="rId4"/>
-              </a:rPr>
-              <a:t>Scienza delle costruzioni. L'analisi della tensione nelle travi. Un software applicativo. Edizione 2019. Di A. Paolone, F. Vestroni e S. Vidoli.</a:t>
-            </a:r>
-            <a:endParaRPr lang="en-GB" b="0" i="0" u="none" strike="noStrike" dirty="0">
-              <a:solidFill>
-                <a:srgbClr val="333333"/>
-              </a:solidFill>
-              <a:effectLst/>
-              <a:latin typeface="Open Sans" panose="020B0606030504020204" pitchFamily="34" charset="0"/>
-            </a:endParaRPr>
-          </a:p>
-          <a:p>
-            <a:pPr algn="l">
-              <a:buFont typeface="Arial" panose="020B0604020202020204" pitchFamily="34" charset="0"/>
-              <a:buChar char="•"/>
-            </a:pPr>
-            <a:r>
-              <a:rPr lang="en-GB" dirty="0">
-                <a:solidFill>
-                  <a:srgbClr val="333333"/>
-                </a:solidFill>
-                <a:latin typeface="Open Sans" panose="020B0606030504020204" pitchFamily="34" charset="0"/>
-              </a:rPr>
-              <a:t>Slide </a:t>
-            </a:r>
-            <a:r>
-              <a:rPr lang="en-GB" dirty="0" err="1">
-                <a:solidFill>
-                  <a:srgbClr val="333333"/>
-                </a:solidFill>
-                <a:latin typeface="Open Sans" panose="020B0606030504020204" pitchFamily="34" charset="0"/>
-              </a:rPr>
-              <a:t>delle</a:t>
-            </a:r>
-            <a:r>
-              <a:rPr lang="en-GB" dirty="0">
-                <a:solidFill>
-                  <a:srgbClr val="333333"/>
-                </a:solidFill>
-                <a:latin typeface="Open Sans" panose="020B0606030504020204" pitchFamily="34" charset="0"/>
-              </a:rPr>
+            <a:r>
+              <a:rPr lang="en-US" dirty="0"/>
+              <a:t>Le </a:t>
+            </a:r>
+            <a:r>
+              <a:rPr lang="en-US" dirty="0" err="1"/>
+              <a:t>esercitazioni</a:t>
+            </a:r>
+            <a:r>
+              <a:rPr lang="en-US" dirty="0"/>
               <a:t> </a:t>
             </a:r>
             <a:r>
-              <a:rPr lang="en-GB" dirty="0" err="1">
-                <a:solidFill>
-                  <a:srgbClr val="333333"/>
-                </a:solidFill>
-                <a:latin typeface="Open Sans" panose="020B0606030504020204" pitchFamily="34" charset="0"/>
-              </a:rPr>
-              <a:t>lezioni</a:t>
-            </a:r>
-            <a:r>
-              <a:rPr lang="en-IT" b="0" i="0" u="none" strike="noStrike" dirty="0">
-                <a:solidFill>
-                  <a:srgbClr val="333333"/>
-                </a:solidFill>
-                <a:effectLst/>
-                <a:latin typeface="Open Sans" panose="020B0606030504020204" pitchFamily="34" charset="0"/>
-              </a:rPr>
+              <a:rPr lang="en-US" dirty="0" err="1"/>
+              <a:t>vanno</a:t>
+            </a:r>
+            <a:r>
+              <a:rPr lang="en-US" dirty="0"/>
+              <a:t> </a:t>
+            </a:r>
+            <a:r>
+              <a:rPr lang="en-US" dirty="0" err="1"/>
+              <a:t>scritte</a:t>
+            </a:r>
+            <a:r>
+              <a:rPr lang="en-US" dirty="0"/>
+              <a:t> </a:t>
+            </a:r>
+            <a:r>
+              <a:rPr lang="en-US" b="1" dirty="0"/>
+              <a:t>a mano.</a:t>
+            </a:r>
+          </a:p>
+          <a:p>
+            <a:r>
+              <a:rPr lang="en-US" dirty="0"/>
+              <a:t>Le </a:t>
+            </a:r>
+            <a:r>
+              <a:rPr lang="en-US" dirty="0" err="1"/>
+              <a:t>esercitazioni</a:t>
+            </a:r>
+            <a:r>
+              <a:rPr lang="en-US" dirty="0"/>
+              <a:t> </a:t>
+            </a:r>
+            <a:r>
+              <a:rPr lang="en-US" dirty="0" err="1"/>
+              <a:t>possono</a:t>
+            </a:r>
+            <a:r>
+              <a:rPr lang="en-US" dirty="0"/>
+              <a:t> </a:t>
+            </a:r>
+            <a:r>
+              <a:rPr lang="en-US" dirty="0" err="1"/>
+              <a:t>essere</a:t>
+            </a:r>
+            <a:r>
+              <a:rPr lang="en-US" dirty="0"/>
+              <a:t> </a:t>
+            </a:r>
+            <a:r>
+              <a:rPr lang="en-US" dirty="0" err="1"/>
+              <a:t>svolte</a:t>
+            </a:r>
+            <a:r>
+              <a:rPr lang="en-US" dirty="0"/>
+              <a:t> </a:t>
+            </a:r>
+            <a:r>
+              <a:rPr lang="en-US" dirty="0" err="1"/>
+              <a:t>su</a:t>
+            </a:r>
+            <a:r>
+              <a:rPr lang="en-US" dirty="0"/>
+              <a:t> carta </a:t>
+            </a:r>
+            <a:r>
+              <a:rPr lang="en-US" dirty="0" err="1"/>
+              <a:t>oppure</a:t>
+            </a:r>
+            <a:r>
+              <a:rPr lang="en-US" dirty="0"/>
+              <a:t> </a:t>
+            </a:r>
+            <a:r>
+              <a:rPr lang="en-US" dirty="0" err="1"/>
+              <a:t>redatte</a:t>
+            </a:r>
+            <a:r>
+              <a:rPr lang="en-US" dirty="0"/>
+              <a:t> con un tablet e </a:t>
+            </a:r>
+            <a:r>
+              <a:rPr lang="en-US" dirty="0" err="1"/>
+              <a:t>stampate</a:t>
+            </a:r>
+            <a:r>
+              <a:rPr lang="en-US" dirty="0"/>
               <a:t>.</a:t>
             </a:r>
+          </a:p>
+          <a:p>
+            <a:r>
+              <a:rPr lang="en-US" dirty="0"/>
+              <a:t>Le </a:t>
+            </a:r>
+            <a:r>
+              <a:rPr lang="en-US" dirty="0" err="1"/>
+              <a:t>esercitazioni</a:t>
+            </a:r>
+            <a:r>
+              <a:rPr lang="en-US" dirty="0"/>
+              <a:t> </a:t>
+            </a:r>
+            <a:r>
+              <a:rPr lang="en-US" dirty="0" err="1"/>
+              <a:t>vanno</a:t>
+            </a:r>
+            <a:r>
+              <a:rPr lang="en-US" dirty="0"/>
+              <a:t> </a:t>
+            </a:r>
+            <a:r>
+              <a:rPr lang="en-US" dirty="0" err="1"/>
+              <a:t>redatte</a:t>
+            </a:r>
+            <a:r>
+              <a:rPr lang="en-US" dirty="0"/>
+              <a:t> secondo le </a:t>
+            </a:r>
+            <a:r>
+              <a:rPr lang="en-US" dirty="0" err="1"/>
+              <a:t>linee</a:t>
+            </a:r>
+            <a:r>
+              <a:rPr lang="en-US" dirty="0"/>
+              <a:t> </a:t>
+            </a:r>
+            <a:r>
+              <a:rPr lang="en-US" dirty="0" err="1"/>
+              <a:t>guida</a:t>
+            </a:r>
+            <a:r>
+              <a:rPr lang="en-US" dirty="0"/>
+              <a:t> </a:t>
+            </a:r>
+            <a:r>
+              <a:rPr lang="en-US" dirty="0" err="1"/>
+              <a:t>pubblicate</a:t>
+            </a:r>
+            <a:r>
+              <a:rPr lang="en-US" dirty="0"/>
+              <a:t> </a:t>
+            </a:r>
+            <a:r>
+              <a:rPr lang="en-US" dirty="0" err="1"/>
+              <a:t>sul</a:t>
+            </a:r>
+            <a:r>
+              <a:rPr lang="en-US" dirty="0"/>
+              <a:t> </a:t>
+            </a:r>
+            <a:r>
+              <a:rPr lang="en-US" dirty="0" err="1"/>
+              <a:t>sito</a:t>
+            </a:r>
+            <a:r>
+              <a:rPr lang="en-US" dirty="0"/>
+              <a:t> del Corso.</a:t>
+            </a:r>
+          </a:p>
+          <a:p>
+            <a:r>
+              <a:rPr lang="en-US" dirty="0"/>
+              <a:t>L</a:t>
+            </a:r>
+            <a:r>
+              <a:rPr lang="en-IT" dirty="0"/>
+              <a:t>e scansioni delle esercitazioni vanno caricate su moodle almeno una settimana prima della prova scritta. </a:t>
+            </a:r>
+          </a:p>
+          <a:p>
+            <a:endParaRPr lang="en-IT" dirty="0"/>
+          </a:p>
+          <a:p>
+            <a:endParaRPr lang="en-IT" dirty="0"/>
           </a:p>
         </p:txBody>
       </p:sp>
     </p:spTree>
     <p:extLst>
       <p:ext uri="{BB962C8B-B14F-4D97-AF65-F5344CB8AC3E}">
-        <p14:creationId xmlns:p14="http://schemas.microsoft.com/office/powerpoint/2010/main" val="3353134916"/>
+        <p14:creationId xmlns:p14="http://schemas.microsoft.com/office/powerpoint/2010/main" val="4049123735"/>
       </p:ext>
     </p:extLst>
   </p:cSld>
@@ -5507,7 +4541,7 @@
           <p:cNvPr id="2" name="Title 1">
             <a:extLst>
               <a:ext uri="{FF2B5EF4-FFF2-40B4-BE49-F238E27FC236}">
-                <a16:creationId xmlns:a16="http://schemas.microsoft.com/office/drawing/2014/main" id="{EC1740E1-4013-46B2-67B6-E32CFC99BCA6}"/>
+                <a16:creationId xmlns:a16="http://schemas.microsoft.com/office/drawing/2014/main" id="{1965B222-87F0-88E4-48B5-1ABE69C2EBF2}"/>
               </a:ext>
             </a:extLst>
           </p:cNvPr>
@@ -5525,7 +4559,7 @@
           <a:p>
             <a:r>
               <a:rPr lang="en-IT" dirty="0"/>
-              <a:t>Esercitazioni</a:t>
+              <a:t>Attivita` di esercitazione e verifica</a:t>
             </a:r>
           </a:p>
         </p:txBody>
@@ -5535,7 +4569,7 @@
           <p:cNvPr id="3" name="Content Placeholder 2">
             <a:extLst>
               <a:ext uri="{FF2B5EF4-FFF2-40B4-BE49-F238E27FC236}">
-                <a16:creationId xmlns:a16="http://schemas.microsoft.com/office/drawing/2014/main" id="{1158FBE1-B8D2-FC77-F0D8-81C8D7E5E915}"/>
+                <a16:creationId xmlns:a16="http://schemas.microsoft.com/office/drawing/2014/main" id="{C83BF48E-2933-8E43-379E-2B441565F770}"/>
               </a:ext>
             </a:extLst>
           </p:cNvPr>
@@ -5548,310 +4582,56 @@
         </p:nvSpPr>
         <p:spPr/>
         <p:txBody>
-          <a:bodyPr>
-            <a:normAutofit fontScale="92500" lnSpcReduction="20000"/>
-          </a:bodyPr>
+          <a:bodyPr/>
           <a:lstStyle/>
           <a:p>
             <a:r>
               <a:rPr lang="en-IT" dirty="0"/>
-              <a:t>Sono parte integrante del programma d’esame le esercitazioni proposte sulla piattaforma moodle.</a:t>
-            </a:r>
-          </a:p>
-          <a:p>
+              <a:t>Su base settimanale verranno svolte attivita’ con le finalita` di </a:t>
+            </a:r>
+          </a:p>
+          <a:p>
+            <a:pPr lvl="1"/>
             <a:r>
               <a:rPr lang="en-IT" dirty="0"/>
-              <a:t>P</a:t>
-            </a:r>
-            <a:r>
-              <a:rPr lang="en-GB" dirty="0"/>
-              <a:t>e</a:t>
-            </a:r>
+              <a:t>Esercizio </a:t>
+            </a:r>
+          </a:p>
+          <a:p>
+            <a:pPr lvl="1"/>
             <a:r>
               <a:rPr lang="en-IT" dirty="0"/>
-              <a:t>r poter sostenere l’esame e` obbligatorio </a:t>
-            </a:r>
-            <a:r>
-              <a:rPr lang="en-US" dirty="0" err="1"/>
-              <a:t>redarre</a:t>
-            </a:r>
-            <a:r>
-              <a:rPr lang="en-US" dirty="0"/>
-              <a:t> </a:t>
-            </a:r>
+              <a:t>Verifica dell’apprendimento.</a:t>
+            </a:r>
+          </a:p>
+          <a:p>
             <a:r>
               <a:rPr lang="en-IT" dirty="0"/>
-              <a:t>le esercitazioni </a:t>
-            </a:r>
-            <a:r>
-              <a:rPr lang="en-US" dirty="0" err="1"/>
-              <a:t>su</a:t>
-            </a:r>
-            <a:r>
-              <a:rPr lang="en-US" dirty="0"/>
-              <a:t> un </a:t>
-            </a:r>
-            <a:r>
-              <a:rPr lang="en-US" dirty="0" err="1"/>
-              <a:t>quaderno</a:t>
-            </a:r>
-            <a:r>
-              <a:rPr lang="en-US" dirty="0"/>
-              <a:t> o con un </a:t>
-            </a:r>
-            <a:r>
-              <a:rPr lang="en-US" dirty="0" err="1"/>
-              <a:t>raccoglitore</a:t>
-            </a:r>
-            <a:r>
-              <a:rPr lang="en-US" dirty="0"/>
-              <a:t> ad </a:t>
-            </a:r>
-            <a:r>
-              <a:rPr lang="en-US" dirty="0" err="1"/>
-              <a:t>anelli</a:t>
-            </a:r>
-            <a:r>
-              <a:rPr lang="en-US" dirty="0"/>
-              <a:t> da </a:t>
-            </a:r>
-            <a:r>
-              <a:rPr lang="en-US" b="1" dirty="0" err="1"/>
-              <a:t>consegnare</a:t>
-            </a:r>
-            <a:r>
-              <a:rPr lang="en-US" b="1" dirty="0"/>
-              <a:t> il </a:t>
-            </a:r>
-            <a:r>
-              <a:rPr lang="en-US" b="1" dirty="0" err="1"/>
-              <a:t>giorno</a:t>
-            </a:r>
-            <a:r>
-              <a:rPr lang="en-US" b="1" dirty="0"/>
-              <a:t> </a:t>
-            </a:r>
-            <a:r>
-              <a:rPr lang="en-US" b="1" dirty="0" err="1"/>
-              <a:t>della</a:t>
-            </a:r>
-            <a:r>
-              <a:rPr lang="en-US" b="1" dirty="0"/>
-              <a:t> </a:t>
-            </a:r>
-            <a:r>
-              <a:rPr lang="en-US" b="1" dirty="0" err="1"/>
-              <a:t>prova</a:t>
-            </a:r>
-            <a:r>
-              <a:rPr lang="en-US" b="1" dirty="0"/>
-              <a:t> </a:t>
-            </a:r>
-            <a:r>
-              <a:rPr lang="en-US" b="1" dirty="0" err="1"/>
-              <a:t>scritta</a:t>
-            </a:r>
-            <a:r>
-              <a:rPr lang="en-US" dirty="0"/>
-              <a:t>.</a:t>
-            </a:r>
-          </a:p>
-          <a:p>
-            <a:r>
-              <a:rPr lang="en-US" dirty="0"/>
-              <a:t>Le </a:t>
-            </a:r>
-            <a:r>
-              <a:rPr lang="en-US" dirty="0" err="1"/>
-              <a:t>esercitazioni</a:t>
-            </a:r>
-            <a:r>
-              <a:rPr lang="en-US" dirty="0"/>
-              <a:t> </a:t>
-            </a:r>
-            <a:r>
-              <a:rPr lang="en-US" dirty="0" err="1"/>
-              <a:t>vanno</a:t>
-            </a:r>
-            <a:r>
-              <a:rPr lang="en-US" dirty="0"/>
-              <a:t> </a:t>
-            </a:r>
-            <a:r>
-              <a:rPr lang="en-US" dirty="0" err="1"/>
-              <a:t>scritte</a:t>
-            </a:r>
-            <a:r>
-              <a:rPr lang="en-US" dirty="0"/>
-              <a:t> </a:t>
-            </a:r>
-            <a:r>
-              <a:rPr lang="en-US" b="1" dirty="0"/>
-              <a:t>a mano.</a:t>
-            </a:r>
-          </a:p>
-          <a:p>
-            <a:r>
-              <a:rPr lang="en-US" dirty="0"/>
-              <a:t>Le </a:t>
-            </a:r>
-            <a:r>
-              <a:rPr lang="en-US" dirty="0" err="1"/>
-              <a:t>esercitazioni</a:t>
-            </a:r>
-            <a:r>
-              <a:rPr lang="en-US" dirty="0"/>
-              <a:t> </a:t>
-            </a:r>
-            <a:r>
-              <a:rPr lang="en-US" dirty="0" err="1"/>
-              <a:t>possono</a:t>
-            </a:r>
-            <a:r>
-              <a:rPr lang="en-US" dirty="0"/>
-              <a:t> </a:t>
-            </a:r>
-            <a:r>
-              <a:rPr lang="en-US" dirty="0" err="1"/>
-              <a:t>essere</a:t>
-            </a:r>
-            <a:r>
-              <a:rPr lang="en-US" dirty="0"/>
-              <a:t> </a:t>
-            </a:r>
-            <a:r>
-              <a:rPr lang="en-US" dirty="0" err="1"/>
-              <a:t>svolte</a:t>
-            </a:r>
-            <a:r>
-              <a:rPr lang="en-US" dirty="0"/>
-              <a:t> </a:t>
-            </a:r>
-            <a:r>
-              <a:rPr lang="en-US" dirty="0" err="1"/>
-              <a:t>su</a:t>
-            </a:r>
-            <a:r>
-              <a:rPr lang="en-US" dirty="0"/>
-              <a:t> carta </a:t>
-            </a:r>
-            <a:r>
-              <a:rPr lang="en-US" dirty="0" err="1"/>
-              <a:t>oppure</a:t>
-            </a:r>
-            <a:r>
-              <a:rPr lang="en-US" dirty="0"/>
-              <a:t> </a:t>
-            </a:r>
-            <a:r>
-              <a:rPr lang="en-US" dirty="0" err="1"/>
-              <a:t>redatte</a:t>
-            </a:r>
-            <a:r>
-              <a:rPr lang="en-US" dirty="0"/>
-              <a:t> con un tablet e </a:t>
-            </a:r>
-            <a:r>
-              <a:rPr lang="en-US" dirty="0" err="1"/>
-              <a:t>stampate</a:t>
-            </a:r>
-            <a:r>
-              <a:rPr lang="en-US" dirty="0"/>
-              <a:t>.</a:t>
-            </a:r>
-          </a:p>
-          <a:p>
-            <a:r>
-              <a:rPr lang="en-US" dirty="0"/>
-              <a:t>Le </a:t>
-            </a:r>
-            <a:r>
-              <a:rPr lang="en-US" dirty="0" err="1"/>
-              <a:t>esercitazioni</a:t>
-            </a:r>
-            <a:r>
-              <a:rPr lang="en-US" dirty="0"/>
-              <a:t> </a:t>
-            </a:r>
-            <a:r>
-              <a:rPr lang="en-US" dirty="0" err="1"/>
-              <a:t>vanno</a:t>
-            </a:r>
-            <a:r>
-              <a:rPr lang="en-US" dirty="0"/>
-              <a:t> </a:t>
-            </a:r>
-            <a:r>
-              <a:rPr lang="en-US" dirty="0" err="1"/>
-              <a:t>redatte</a:t>
-            </a:r>
-            <a:r>
-              <a:rPr lang="en-US" dirty="0"/>
-              <a:t> secondo le </a:t>
-            </a:r>
-            <a:r>
-              <a:rPr lang="en-US" dirty="0" err="1"/>
-              <a:t>linee</a:t>
-            </a:r>
-            <a:r>
-              <a:rPr lang="en-US" dirty="0"/>
-              <a:t> </a:t>
-            </a:r>
-            <a:r>
-              <a:rPr lang="en-US" dirty="0" err="1"/>
-              <a:t>guida</a:t>
-            </a:r>
-            <a:r>
-              <a:rPr lang="en-US" dirty="0"/>
-              <a:t> </a:t>
-            </a:r>
-            <a:r>
-              <a:rPr lang="en-US" dirty="0" err="1"/>
-              <a:t>pubblicate</a:t>
-            </a:r>
-            <a:r>
-              <a:rPr lang="en-US" dirty="0"/>
-              <a:t> </a:t>
-            </a:r>
-            <a:r>
-              <a:rPr lang="en-US" dirty="0" err="1"/>
-              <a:t>sul</a:t>
-            </a:r>
-            <a:r>
-              <a:rPr lang="en-US" dirty="0"/>
-              <a:t> </a:t>
-            </a:r>
-            <a:r>
-              <a:rPr lang="en-US" dirty="0" err="1"/>
-              <a:t>sito</a:t>
-            </a:r>
-            <a:r>
-              <a:rPr lang="en-US" dirty="0"/>
-              <a:t> del Corso.</a:t>
-            </a:r>
-          </a:p>
-          <a:p>
-            <a:r>
-              <a:rPr lang="en-US" dirty="0"/>
-              <a:t>L</a:t>
-            </a:r>
+              <a:t>Tali attivita’ sono finalizzate non alla valutazione del singolo, ma della classe nel suo complesso.</a:t>
+            </a:r>
+          </a:p>
+          <a:p>
             <a:r>
               <a:rPr lang="en-IT" dirty="0"/>
-              <a:t>e scansioni delle esercitazioni vanno caricate su moodle almeno una settimana prima della prova scritta. </a:t>
-            </a:r>
-          </a:p>
-          <a:p>
-            <a:endParaRPr lang="en-IT" dirty="0"/>
-          </a:p>
-          <a:p>
-            <a:endParaRPr lang="en-IT" dirty="0"/>
+              <a:t>La partecipazione a tali attivita` non e` obbligatoria ma e` </a:t>
+            </a:r>
+            <a:r>
+              <a:rPr lang="en-IT" b="1" dirty="0"/>
+              <a:t>fortemente consigliata.</a:t>
+            </a:r>
+          </a:p>
+          <a:p>
+            <a:r>
+              <a:rPr lang="en-IT" dirty="0"/>
+              <a:t>Gli esercizi in aula vanno svolti su fogli in formato A4 non rilegati, il primo dei quali e’ un modulo scaricabile dal sito e stampabile.</a:t>
+            </a:r>
           </a:p>
         </p:txBody>
       </p:sp>
     </p:spTree>
     <p:extLst>
       <p:ext uri="{BB962C8B-B14F-4D97-AF65-F5344CB8AC3E}">
-        <p14:creationId xmlns:p14="http://schemas.microsoft.com/office/powerpoint/2010/main" val="4049123735"/>
+        <p14:creationId xmlns:p14="http://schemas.microsoft.com/office/powerpoint/2010/main" val="1556847523"/>
       </p:ext>
     </p:extLst>
   </p:cSld>
@@ -5883,128 +4663,6 @@
           <p:cNvPr id="2" name="Title 1">
             <a:extLst>
               <a:ext uri="{FF2B5EF4-FFF2-40B4-BE49-F238E27FC236}">
-                <a16:creationId xmlns:a16="http://schemas.microsoft.com/office/drawing/2014/main" id="{1965B222-87F0-88E4-48B5-1ABE69C2EBF2}"/>
-              </a:ext>
-            </a:extLst>
-          </p:cNvPr>
-          <p:cNvSpPr>
-            <a:spLocks noGrp="1"/>
-          </p:cNvSpPr>
-          <p:nvPr>
-            <p:ph type="title"/>
-          </p:nvPr>
-        </p:nvSpPr>
-        <p:spPr/>
-        <p:txBody>
-          <a:bodyPr/>
-          <a:lstStyle/>
-          <a:p>
-            <a:r>
-              <a:rPr lang="en-IT" dirty="0"/>
-              <a:t>Attivita` di esercitazione e verifica</a:t>
-            </a:r>
-          </a:p>
-        </p:txBody>
-      </p:sp>
-      <p:sp>
-        <p:nvSpPr>
-          <p:cNvPr id="3" name="Content Placeholder 2">
-            <a:extLst>
-              <a:ext uri="{FF2B5EF4-FFF2-40B4-BE49-F238E27FC236}">
-                <a16:creationId xmlns:a16="http://schemas.microsoft.com/office/drawing/2014/main" id="{C83BF48E-2933-8E43-379E-2B441565F770}"/>
-              </a:ext>
-            </a:extLst>
-          </p:cNvPr>
-          <p:cNvSpPr>
-            <a:spLocks noGrp="1"/>
-          </p:cNvSpPr>
-          <p:nvPr>
-            <p:ph idx="1"/>
-          </p:nvPr>
-        </p:nvSpPr>
-        <p:spPr/>
-        <p:txBody>
-          <a:bodyPr/>
-          <a:lstStyle/>
-          <a:p>
-            <a:r>
-              <a:rPr lang="en-IT" dirty="0"/>
-              <a:t>Su base settimanale verranno svolte attivita’ con le finalita` di </a:t>
-            </a:r>
-          </a:p>
-          <a:p>
-            <a:pPr lvl="1"/>
-            <a:r>
-              <a:rPr lang="en-IT" dirty="0"/>
-              <a:t>Esercizio </a:t>
-            </a:r>
-          </a:p>
-          <a:p>
-            <a:pPr lvl="1"/>
-            <a:r>
-              <a:rPr lang="en-IT" dirty="0"/>
-              <a:t>Verifica dell’apprendimento.</a:t>
-            </a:r>
-          </a:p>
-          <a:p>
-            <a:r>
-              <a:rPr lang="en-IT" dirty="0"/>
-              <a:t>Tali attivita’ sono finalizzate non alla valutazione del singolo, ma della classe nel suo complesso.</a:t>
-            </a:r>
-          </a:p>
-          <a:p>
-            <a:r>
-              <a:rPr lang="en-IT" dirty="0"/>
-              <a:t>La partecipazione a tali attivita` non e` obbligatoria ma e` </a:t>
-            </a:r>
-            <a:r>
-              <a:rPr lang="en-IT" b="1" dirty="0"/>
-              <a:t>fortemente consigliata.</a:t>
-            </a:r>
-          </a:p>
-          <a:p>
-            <a:r>
-              <a:rPr lang="en-IT" dirty="0"/>
-              <a:t>Gli esercizi in aula vanno svolti su fogli in formato A4 non rilegati, il primo dei quali e’ un modulo scaricabile dal sito e stampabile.</a:t>
-            </a:r>
-          </a:p>
-        </p:txBody>
-      </p:sp>
-    </p:spTree>
-    <p:extLst>
-      <p:ext uri="{BB962C8B-B14F-4D97-AF65-F5344CB8AC3E}">
-        <p14:creationId xmlns:p14="http://schemas.microsoft.com/office/powerpoint/2010/main" val="1556847523"/>
-      </p:ext>
-    </p:extLst>
-  </p:cSld>
-  <p:clrMapOvr>
-    <a:masterClrMapping/>
-  </p:clrMapOvr>
-</p:sld>
-</file>
-
-<file path=ppt/slides/slide8.xml><?xml version="1.0" encoding="utf-8"?>
-<p:sld xmlns:a="http://schemas.openxmlformats.org/drawingml/2006/main" xmlns:r="http://schemas.openxmlformats.org/officeDocument/2006/relationships" xmlns:p="http://schemas.openxmlformats.org/presentationml/2006/main">
-  <p:cSld>
-    <p:spTree>
-      <p:nvGrpSpPr>
-        <p:cNvPr id="1" name=""/>
-        <p:cNvGrpSpPr/>
-        <p:nvPr/>
-      </p:nvGrpSpPr>
-      <p:grpSpPr>
-        <a:xfrm>
-          <a:off x="0" y="0"/>
-          <a:ext cx="0" cy="0"/>
-          <a:chOff x="0" y="0"/>
-          <a:chExt cx="0" cy="0"/>
-        </a:xfrm>
-      </p:grpSpPr>
-      <p:sp>
-        <p:nvSpPr>
-          <p:cNvPr id="2" name="Title 1">
-            <a:extLst>
-              <a:ext uri="{FF2B5EF4-FFF2-40B4-BE49-F238E27FC236}">
                 <a16:creationId xmlns:a16="http://schemas.microsoft.com/office/drawing/2014/main" id="{F298B401-1BB5-E4C4-3F2A-D8830139EC2B}"/>
               </a:ext>
             </a:extLst>
@@ -6209,7 +4867,7 @@
 </p:sld>
 </file>
 
-<file path=ppt/slides/slide9.xml><?xml version="1.0" encoding="utf-8"?>
+<file path=ppt/slides/slide8.xml><?xml version="1.0" encoding="utf-8"?>
 <p:sld xmlns:a="http://schemas.openxmlformats.org/drawingml/2006/main" xmlns:r="http://schemas.openxmlformats.org/officeDocument/2006/relationships" xmlns:p="http://schemas.openxmlformats.org/presentationml/2006/main">
   <p:cSld>
     <p:spTree>
@@ -6852,6 +5510,1259 @@
 </p:sld>
 </file>
 
+<file path=ppt/slides/slide9.xml><?xml version="1.0" encoding="utf-8"?>
+<p:sld xmlns:a="http://schemas.openxmlformats.org/drawingml/2006/main" xmlns:r="http://schemas.openxmlformats.org/officeDocument/2006/relationships" xmlns:p="http://schemas.openxmlformats.org/presentationml/2006/main">
+  <p:cSld>
+    <p:spTree>
+      <p:nvGrpSpPr>
+        <p:cNvPr id="1" name=""/>
+        <p:cNvGrpSpPr/>
+        <p:nvPr/>
+      </p:nvGrpSpPr>
+      <p:grpSpPr>
+        <a:xfrm>
+          <a:off x="0" y="0"/>
+          <a:ext cx="0" cy="0"/>
+          <a:chOff x="0" y="0"/>
+          <a:chExt cx="0" cy="0"/>
+        </a:xfrm>
+      </p:grpSpPr>
+      <p:sp>
+        <p:nvSpPr>
+          <p:cNvPr id="2" name="Title 1">
+            <a:extLst>
+              <a:ext uri="{FF2B5EF4-FFF2-40B4-BE49-F238E27FC236}">
+                <a16:creationId xmlns:a16="http://schemas.microsoft.com/office/drawing/2014/main" id="{CC7259B1-7E38-2506-9799-7F6CBCE80D3A}"/>
+              </a:ext>
+            </a:extLst>
+          </p:cNvPr>
+          <p:cNvSpPr>
+            <a:spLocks noGrp="1"/>
+          </p:cNvSpPr>
+          <p:nvPr>
+            <p:ph type="title"/>
+          </p:nvPr>
+        </p:nvSpPr>
+        <p:spPr/>
+        <p:txBody>
+          <a:bodyPr/>
+          <a:lstStyle/>
+          <a:p>
+            <a:r>
+              <a:rPr lang="en-IT" dirty="0"/>
+              <a:t>Statistiche AA 2022/23</a:t>
+            </a:r>
+          </a:p>
+        </p:txBody>
+      </p:sp>
+      <p:graphicFrame>
+        <p:nvGraphicFramePr>
+          <p:cNvPr id="4" name="Content Placeholder 3">
+            <a:extLst>
+              <a:ext uri="{FF2B5EF4-FFF2-40B4-BE49-F238E27FC236}">
+                <a16:creationId xmlns:a16="http://schemas.microsoft.com/office/drawing/2014/main" id="{086F003A-0F05-B926-215E-A54C519243E3}"/>
+              </a:ext>
+            </a:extLst>
+          </p:cNvPr>
+          <p:cNvGraphicFramePr>
+            <a:graphicFrameLocks noGrp="1"/>
+          </p:cNvGraphicFramePr>
+          <p:nvPr>
+            <p:ph idx="1"/>
+            <p:extLst>
+              <p:ext uri="{D42A27DB-BD31-4B8C-83A1-F6EECF244321}">
+                <p14:modId xmlns:p14="http://schemas.microsoft.com/office/powerpoint/2010/main" val="1898741288"/>
+              </p:ext>
+            </p:extLst>
+          </p:nvPr>
+        </p:nvGraphicFramePr>
+        <p:xfrm>
+          <a:off x="1038232" y="2070206"/>
+          <a:ext cx="3362318" cy="4267531"/>
+        </p:xfrm>
+        <a:graphic>
+          <a:graphicData uri="http://schemas.openxmlformats.org/drawingml/2006/table">
+            <a:tbl>
+              <a:tblPr/>
+              <a:tblGrid>
+                <a:gridCol w="1681159">
+                  <a:extLst>
+                    <a:ext uri="{9D8B030D-6E8A-4147-A177-3AD203B41FA5}">
+                      <a16:colId xmlns:a16="http://schemas.microsoft.com/office/drawing/2014/main" val="898587247"/>
+                    </a:ext>
+                  </a:extLst>
+                </a:gridCol>
+                <a:gridCol w="1681159">
+                  <a:extLst>
+                    <a:ext uri="{9D8B030D-6E8A-4147-A177-3AD203B41FA5}">
+                      <a16:colId xmlns:a16="http://schemas.microsoft.com/office/drawing/2014/main" val="3496545682"/>
+                    </a:ext>
+                  </a:extLst>
+                </a:gridCol>
+              </a:tblGrid>
+              <a:tr h="376491">
+                <a:tc>
+                  <a:txBody>
+                    <a:bodyPr/>
+                    <a:lstStyle/>
+                    <a:p>
+                      <a:pPr algn="l"/>
+                      <a:endParaRPr lang="en-GB" sz="1200" b="0" dirty="0">
+                        <a:effectLst/>
+                        <a:latin typeface="Google Sans"/>
+                      </a:endParaRPr>
+                    </a:p>
+                  </a:txBody>
+                  <a:tcPr marL="61867" marR="61867" marT="30934" marB="30934" anchor="ctr">
+                    <a:lnL>
+                      <a:noFill/>
+                    </a:lnL>
+                    <a:lnR>
+                      <a:noFill/>
+                    </a:lnR>
+                    <a:lnT>
+                      <a:noFill/>
+                    </a:lnT>
+                    <a:lnB>
+                      <a:noFill/>
+                    </a:lnB>
+                    <a:solidFill>
+                      <a:srgbClr val="FFFFFF"/>
+                    </a:solidFill>
+                  </a:tcPr>
+                </a:tc>
+                <a:tc>
+                  <a:txBody>
+                    <a:bodyPr/>
+                    <a:lstStyle/>
+                    <a:p>
+                      <a:pPr algn="l"/>
+                      <a:endParaRPr lang="en-GB" sz="1200" b="0">
+                        <a:effectLst/>
+                        <a:latin typeface="Google Sans"/>
+                      </a:endParaRPr>
+                    </a:p>
+                  </a:txBody>
+                  <a:tcPr marL="61867" marR="61867" marT="30934" marB="30934" anchor="ctr">
+                    <a:lnL>
+                      <a:noFill/>
+                    </a:lnL>
+                    <a:lnR>
+                      <a:noFill/>
+                    </a:lnR>
+                    <a:lnT>
+                      <a:noFill/>
+                    </a:lnT>
+                    <a:lnB>
+                      <a:noFill/>
+                    </a:lnB>
+                    <a:solidFill>
+                      <a:srgbClr val="FFFFFF"/>
+                    </a:solidFill>
+                  </a:tcPr>
+                </a:tc>
+                <a:extLst>
+                  <a:ext uri="{0D108BD9-81ED-4DB2-BD59-A6C34878D82A}">
+                    <a16:rowId xmlns:a16="http://schemas.microsoft.com/office/drawing/2014/main" val="2307455439"/>
+                  </a:ext>
+                </a:extLst>
+              </a:tr>
+              <a:tr h="340634">
+                <a:tc>
+                  <a:txBody>
+                    <a:bodyPr/>
+                    <a:lstStyle/>
+                    <a:p>
+                      <a:endParaRPr lang="en-IT" sz="1200" b="0">
+                        <a:effectLst/>
+                        <a:latin typeface="Google Sans"/>
+                      </a:endParaRPr>
+                    </a:p>
+                  </a:txBody>
+                  <a:tcPr marL="103112" marR="103112" marT="103112" marB="103112" anchor="ctr">
+                    <a:lnL>
+                      <a:noFill/>
+                    </a:lnL>
+                    <a:lnR>
+                      <a:noFill/>
+                    </a:lnR>
+                    <a:lnT>
+                      <a:noFill/>
+                    </a:lnT>
+                    <a:lnB>
+                      <a:noFill/>
+                    </a:lnB>
+                    <a:solidFill>
+                      <a:srgbClr val="FFFFFF"/>
+                    </a:solidFill>
+                  </a:tcPr>
+                </a:tc>
+                <a:tc>
+                  <a:txBody>
+                    <a:bodyPr/>
+                    <a:lstStyle/>
+                    <a:p>
+                      <a:endParaRPr lang="en-IT" sz="1200" b="0">
+                        <a:effectLst/>
+                        <a:latin typeface="Google Sans"/>
+                      </a:endParaRPr>
+                    </a:p>
+                  </a:txBody>
+                  <a:tcPr marL="103112" marR="103112" marT="103112" marB="103112" anchor="ctr">
+                    <a:lnL>
+                      <a:noFill/>
+                    </a:lnL>
+                    <a:lnR>
+                      <a:noFill/>
+                    </a:lnR>
+                    <a:lnT>
+                      <a:noFill/>
+                    </a:lnT>
+                    <a:lnB>
+                      <a:noFill/>
+                    </a:lnB>
+                    <a:solidFill>
+                      <a:srgbClr val="FFFFFF"/>
+                    </a:solidFill>
+                  </a:tcPr>
+                </a:tc>
+                <a:extLst>
+                  <a:ext uri="{0D108BD9-81ED-4DB2-BD59-A6C34878D82A}">
+                    <a16:rowId xmlns:a16="http://schemas.microsoft.com/office/drawing/2014/main" val="17833225"/>
+                  </a:ext>
+                </a:extLst>
+              </a:tr>
+              <a:tr h="340634">
+                <a:tc>
+                  <a:txBody>
+                    <a:bodyPr/>
+                    <a:lstStyle/>
+                    <a:p>
+                      <a:endParaRPr lang="en-IT" sz="1200" b="0">
+                        <a:effectLst/>
+                        <a:latin typeface="Google Sans"/>
+                      </a:endParaRPr>
+                    </a:p>
+                  </a:txBody>
+                  <a:tcPr marL="103112" marR="103112" marT="103112" marB="103112" anchor="ctr">
+                    <a:lnL>
+                      <a:noFill/>
+                    </a:lnL>
+                    <a:lnR>
+                      <a:noFill/>
+                    </a:lnR>
+                    <a:lnT>
+                      <a:noFill/>
+                    </a:lnT>
+                    <a:lnB>
+                      <a:noFill/>
+                    </a:lnB>
+                    <a:solidFill>
+                      <a:srgbClr val="FFFFFF"/>
+                    </a:solidFill>
+                  </a:tcPr>
+                </a:tc>
+                <a:tc>
+                  <a:txBody>
+                    <a:bodyPr/>
+                    <a:lstStyle/>
+                    <a:p>
+                      <a:endParaRPr lang="en-IT" sz="1200" b="0">
+                        <a:effectLst/>
+                        <a:latin typeface="Google Sans"/>
+                      </a:endParaRPr>
+                    </a:p>
+                  </a:txBody>
+                  <a:tcPr marL="103112" marR="103112" marT="103112" marB="103112" anchor="ctr">
+                    <a:lnL>
+                      <a:noFill/>
+                    </a:lnL>
+                    <a:lnR>
+                      <a:noFill/>
+                    </a:lnR>
+                    <a:lnT>
+                      <a:noFill/>
+                    </a:lnT>
+                    <a:lnB>
+                      <a:noFill/>
+                    </a:lnB>
+                    <a:solidFill>
+                      <a:srgbClr val="FFFFFF"/>
+                    </a:solidFill>
+                  </a:tcPr>
+                </a:tc>
+                <a:extLst>
+                  <a:ext uri="{0D108BD9-81ED-4DB2-BD59-A6C34878D82A}">
+                    <a16:rowId xmlns:a16="http://schemas.microsoft.com/office/drawing/2014/main" val="2025185238"/>
+                  </a:ext>
+                </a:extLst>
+              </a:tr>
+              <a:tr h="340634">
+                <a:tc>
+                  <a:txBody>
+                    <a:bodyPr/>
+                    <a:lstStyle/>
+                    <a:p>
+                      <a:endParaRPr lang="en-IT" sz="1200" b="0" dirty="0">
+                        <a:effectLst/>
+                        <a:latin typeface="Google Sans"/>
+                      </a:endParaRPr>
+                    </a:p>
+                  </a:txBody>
+                  <a:tcPr marL="103112" marR="103112" marT="103112" marB="103112" anchor="ctr">
+                    <a:lnL>
+                      <a:noFill/>
+                    </a:lnL>
+                    <a:lnR>
+                      <a:noFill/>
+                    </a:lnR>
+                    <a:lnT>
+                      <a:noFill/>
+                    </a:lnT>
+                    <a:lnB>
+                      <a:noFill/>
+                    </a:lnB>
+                    <a:solidFill>
+                      <a:srgbClr val="FFFFFF"/>
+                    </a:solidFill>
+                  </a:tcPr>
+                </a:tc>
+                <a:tc>
+                  <a:txBody>
+                    <a:bodyPr/>
+                    <a:lstStyle/>
+                    <a:p>
+                      <a:endParaRPr lang="en-IT" sz="1200" b="0">
+                        <a:effectLst/>
+                        <a:latin typeface="Google Sans"/>
+                      </a:endParaRPr>
+                    </a:p>
+                  </a:txBody>
+                  <a:tcPr marL="103112" marR="103112" marT="103112" marB="103112" anchor="ctr">
+                    <a:lnL>
+                      <a:noFill/>
+                    </a:lnL>
+                    <a:lnR>
+                      <a:noFill/>
+                    </a:lnR>
+                    <a:lnT>
+                      <a:noFill/>
+                    </a:lnT>
+                    <a:lnB>
+                      <a:noFill/>
+                    </a:lnB>
+                    <a:solidFill>
+                      <a:srgbClr val="FFFFFF"/>
+                    </a:solidFill>
+                  </a:tcPr>
+                </a:tc>
+                <a:extLst>
+                  <a:ext uri="{0D108BD9-81ED-4DB2-BD59-A6C34878D82A}">
+                    <a16:rowId xmlns:a16="http://schemas.microsoft.com/office/drawing/2014/main" val="704865813"/>
+                  </a:ext>
+                </a:extLst>
+              </a:tr>
+              <a:tr h="340634">
+                <a:tc>
+                  <a:txBody>
+                    <a:bodyPr/>
+                    <a:lstStyle/>
+                    <a:p>
+                      <a:endParaRPr lang="en-IT" sz="1200" b="0">
+                        <a:effectLst/>
+                        <a:latin typeface="Google Sans"/>
+                      </a:endParaRPr>
+                    </a:p>
+                  </a:txBody>
+                  <a:tcPr marL="103112" marR="103112" marT="103112" marB="103112" anchor="ctr">
+                    <a:lnL>
+                      <a:noFill/>
+                    </a:lnL>
+                    <a:lnR>
+                      <a:noFill/>
+                    </a:lnR>
+                    <a:lnT>
+                      <a:noFill/>
+                    </a:lnT>
+                    <a:lnB>
+                      <a:noFill/>
+                    </a:lnB>
+                    <a:solidFill>
+                      <a:srgbClr val="FFFFFF"/>
+                    </a:solidFill>
+                  </a:tcPr>
+                </a:tc>
+                <a:tc>
+                  <a:txBody>
+                    <a:bodyPr/>
+                    <a:lstStyle/>
+                    <a:p>
+                      <a:endParaRPr lang="en-IT" sz="1200" b="0">
+                        <a:effectLst/>
+                        <a:latin typeface="Google Sans"/>
+                      </a:endParaRPr>
+                    </a:p>
+                  </a:txBody>
+                  <a:tcPr marL="103112" marR="103112" marT="103112" marB="103112" anchor="ctr">
+                    <a:lnL>
+                      <a:noFill/>
+                    </a:lnL>
+                    <a:lnR>
+                      <a:noFill/>
+                    </a:lnR>
+                    <a:lnT>
+                      <a:noFill/>
+                    </a:lnT>
+                    <a:lnB>
+                      <a:noFill/>
+                    </a:lnB>
+                    <a:solidFill>
+                      <a:srgbClr val="FFFFFF"/>
+                    </a:solidFill>
+                  </a:tcPr>
+                </a:tc>
+                <a:extLst>
+                  <a:ext uri="{0D108BD9-81ED-4DB2-BD59-A6C34878D82A}">
+                    <a16:rowId xmlns:a16="http://schemas.microsoft.com/office/drawing/2014/main" val="1713996623"/>
+                  </a:ext>
+                </a:extLst>
+              </a:tr>
+              <a:tr h="340634">
+                <a:tc>
+                  <a:txBody>
+                    <a:bodyPr/>
+                    <a:lstStyle/>
+                    <a:p>
+                      <a:endParaRPr lang="en-IT" sz="1200" b="0">
+                        <a:effectLst/>
+                        <a:latin typeface="Google Sans"/>
+                      </a:endParaRPr>
+                    </a:p>
+                  </a:txBody>
+                  <a:tcPr marL="103112" marR="103112" marT="103112" marB="103112" anchor="ctr">
+                    <a:lnL>
+                      <a:noFill/>
+                    </a:lnL>
+                    <a:lnR>
+                      <a:noFill/>
+                    </a:lnR>
+                    <a:lnT>
+                      <a:noFill/>
+                    </a:lnT>
+                    <a:lnB>
+                      <a:noFill/>
+                    </a:lnB>
+                    <a:solidFill>
+                      <a:srgbClr val="FFFFFF"/>
+                    </a:solidFill>
+                  </a:tcPr>
+                </a:tc>
+                <a:tc>
+                  <a:txBody>
+                    <a:bodyPr/>
+                    <a:lstStyle/>
+                    <a:p>
+                      <a:endParaRPr lang="en-IT" sz="1200" b="0">
+                        <a:effectLst/>
+                        <a:latin typeface="Google Sans"/>
+                      </a:endParaRPr>
+                    </a:p>
+                  </a:txBody>
+                  <a:tcPr marL="103112" marR="103112" marT="103112" marB="103112" anchor="ctr">
+                    <a:lnL>
+                      <a:noFill/>
+                    </a:lnL>
+                    <a:lnR>
+                      <a:noFill/>
+                    </a:lnR>
+                    <a:lnT>
+                      <a:noFill/>
+                    </a:lnT>
+                    <a:lnB>
+                      <a:noFill/>
+                    </a:lnB>
+                    <a:solidFill>
+                      <a:srgbClr val="FFFFFF"/>
+                    </a:solidFill>
+                  </a:tcPr>
+                </a:tc>
+                <a:extLst>
+                  <a:ext uri="{0D108BD9-81ED-4DB2-BD59-A6C34878D82A}">
+                    <a16:rowId xmlns:a16="http://schemas.microsoft.com/office/drawing/2014/main" val="2015699875"/>
+                  </a:ext>
+                </a:extLst>
+              </a:tr>
+              <a:tr h="340634">
+                <a:tc>
+                  <a:txBody>
+                    <a:bodyPr/>
+                    <a:lstStyle/>
+                    <a:p>
+                      <a:endParaRPr lang="en-IT" sz="1200" b="0">
+                        <a:effectLst/>
+                        <a:latin typeface="Google Sans"/>
+                      </a:endParaRPr>
+                    </a:p>
+                  </a:txBody>
+                  <a:tcPr marL="103112" marR="103112" marT="103112" marB="103112" anchor="ctr">
+                    <a:lnL>
+                      <a:noFill/>
+                    </a:lnL>
+                    <a:lnR>
+                      <a:noFill/>
+                    </a:lnR>
+                    <a:lnT>
+                      <a:noFill/>
+                    </a:lnT>
+                    <a:lnB>
+                      <a:noFill/>
+                    </a:lnB>
+                    <a:solidFill>
+                      <a:srgbClr val="FFFFFF"/>
+                    </a:solidFill>
+                  </a:tcPr>
+                </a:tc>
+                <a:tc>
+                  <a:txBody>
+                    <a:bodyPr/>
+                    <a:lstStyle/>
+                    <a:p>
+                      <a:endParaRPr lang="en-IT" sz="1200" b="0">
+                        <a:effectLst/>
+                        <a:latin typeface="Google Sans"/>
+                      </a:endParaRPr>
+                    </a:p>
+                  </a:txBody>
+                  <a:tcPr marL="103112" marR="103112" marT="103112" marB="103112" anchor="ctr">
+                    <a:lnL>
+                      <a:noFill/>
+                    </a:lnL>
+                    <a:lnR>
+                      <a:noFill/>
+                    </a:lnR>
+                    <a:lnT>
+                      <a:noFill/>
+                    </a:lnT>
+                    <a:lnB>
+                      <a:noFill/>
+                    </a:lnB>
+                    <a:solidFill>
+                      <a:srgbClr val="FFFFFF"/>
+                    </a:solidFill>
+                  </a:tcPr>
+                </a:tc>
+                <a:extLst>
+                  <a:ext uri="{0D108BD9-81ED-4DB2-BD59-A6C34878D82A}">
+                    <a16:rowId xmlns:a16="http://schemas.microsoft.com/office/drawing/2014/main" val="3739606697"/>
+                  </a:ext>
+                </a:extLst>
+              </a:tr>
+              <a:tr h="340634">
+                <a:tc>
+                  <a:txBody>
+                    <a:bodyPr/>
+                    <a:lstStyle/>
+                    <a:p>
+                      <a:endParaRPr lang="en-IT" sz="1200" b="0">
+                        <a:effectLst/>
+                        <a:latin typeface="Google Sans"/>
+                      </a:endParaRPr>
+                    </a:p>
+                  </a:txBody>
+                  <a:tcPr marL="103112" marR="103112" marT="103112" marB="103112" anchor="ctr">
+                    <a:lnL>
+                      <a:noFill/>
+                    </a:lnL>
+                    <a:lnR>
+                      <a:noFill/>
+                    </a:lnR>
+                    <a:lnT>
+                      <a:noFill/>
+                    </a:lnT>
+                    <a:lnB>
+                      <a:noFill/>
+                    </a:lnB>
+                    <a:solidFill>
+                      <a:srgbClr val="FFFFFF"/>
+                    </a:solidFill>
+                  </a:tcPr>
+                </a:tc>
+                <a:tc>
+                  <a:txBody>
+                    <a:bodyPr/>
+                    <a:lstStyle/>
+                    <a:p>
+                      <a:endParaRPr lang="en-IT" sz="1200" b="0">
+                        <a:effectLst/>
+                        <a:latin typeface="Google Sans"/>
+                      </a:endParaRPr>
+                    </a:p>
+                  </a:txBody>
+                  <a:tcPr marL="103112" marR="103112" marT="103112" marB="103112" anchor="ctr">
+                    <a:lnL>
+                      <a:noFill/>
+                    </a:lnL>
+                    <a:lnR>
+                      <a:noFill/>
+                    </a:lnR>
+                    <a:lnT>
+                      <a:noFill/>
+                    </a:lnT>
+                    <a:lnB>
+                      <a:noFill/>
+                    </a:lnB>
+                    <a:solidFill>
+                      <a:srgbClr val="FFFFFF"/>
+                    </a:solidFill>
+                  </a:tcPr>
+                </a:tc>
+                <a:extLst>
+                  <a:ext uri="{0D108BD9-81ED-4DB2-BD59-A6C34878D82A}">
+                    <a16:rowId xmlns:a16="http://schemas.microsoft.com/office/drawing/2014/main" val="3248865954"/>
+                  </a:ext>
+                </a:extLst>
+              </a:tr>
+              <a:tr h="340634">
+                <a:tc>
+                  <a:txBody>
+                    <a:bodyPr/>
+                    <a:lstStyle/>
+                    <a:p>
+                      <a:endParaRPr lang="en-IT" sz="1200" b="0">
+                        <a:effectLst/>
+                        <a:latin typeface="Google Sans"/>
+                      </a:endParaRPr>
+                    </a:p>
+                  </a:txBody>
+                  <a:tcPr marL="103112" marR="103112" marT="103112" marB="103112" anchor="ctr">
+                    <a:lnL>
+                      <a:noFill/>
+                    </a:lnL>
+                    <a:lnR>
+                      <a:noFill/>
+                    </a:lnR>
+                    <a:lnT>
+                      <a:noFill/>
+                    </a:lnT>
+                    <a:lnB>
+                      <a:noFill/>
+                    </a:lnB>
+                    <a:solidFill>
+                      <a:srgbClr val="FFFFFF"/>
+                    </a:solidFill>
+                  </a:tcPr>
+                </a:tc>
+                <a:tc>
+                  <a:txBody>
+                    <a:bodyPr/>
+                    <a:lstStyle/>
+                    <a:p>
+                      <a:endParaRPr lang="en-IT" sz="1200" b="0">
+                        <a:effectLst/>
+                        <a:latin typeface="Google Sans"/>
+                      </a:endParaRPr>
+                    </a:p>
+                  </a:txBody>
+                  <a:tcPr marL="103112" marR="103112" marT="103112" marB="103112" anchor="ctr">
+                    <a:lnL>
+                      <a:noFill/>
+                    </a:lnL>
+                    <a:lnR>
+                      <a:noFill/>
+                    </a:lnR>
+                    <a:lnT>
+                      <a:noFill/>
+                    </a:lnT>
+                    <a:lnB>
+                      <a:noFill/>
+                    </a:lnB>
+                    <a:solidFill>
+                      <a:srgbClr val="FFFFFF"/>
+                    </a:solidFill>
+                  </a:tcPr>
+                </a:tc>
+                <a:extLst>
+                  <a:ext uri="{0D108BD9-81ED-4DB2-BD59-A6C34878D82A}">
+                    <a16:rowId xmlns:a16="http://schemas.microsoft.com/office/drawing/2014/main" val="1205825867"/>
+                  </a:ext>
+                </a:extLst>
+              </a:tr>
+              <a:tr h="340634">
+                <a:tc>
+                  <a:txBody>
+                    <a:bodyPr/>
+                    <a:lstStyle/>
+                    <a:p>
+                      <a:endParaRPr lang="en-IT" sz="1200" b="0">
+                        <a:effectLst/>
+                        <a:latin typeface="Google Sans"/>
+                      </a:endParaRPr>
+                    </a:p>
+                  </a:txBody>
+                  <a:tcPr marL="103112" marR="103112" marT="103112" marB="103112" anchor="ctr">
+                    <a:lnL>
+                      <a:noFill/>
+                    </a:lnL>
+                    <a:lnR>
+                      <a:noFill/>
+                    </a:lnR>
+                    <a:lnT>
+                      <a:noFill/>
+                    </a:lnT>
+                    <a:lnB>
+                      <a:noFill/>
+                    </a:lnB>
+                    <a:solidFill>
+                      <a:srgbClr val="FFFFFF"/>
+                    </a:solidFill>
+                  </a:tcPr>
+                </a:tc>
+                <a:tc>
+                  <a:txBody>
+                    <a:bodyPr/>
+                    <a:lstStyle/>
+                    <a:p>
+                      <a:endParaRPr lang="en-IT" sz="1200" b="0">
+                        <a:effectLst/>
+                        <a:latin typeface="Google Sans"/>
+                      </a:endParaRPr>
+                    </a:p>
+                  </a:txBody>
+                  <a:tcPr marL="103112" marR="103112" marT="103112" marB="103112" anchor="ctr">
+                    <a:lnL>
+                      <a:noFill/>
+                    </a:lnL>
+                    <a:lnR>
+                      <a:noFill/>
+                    </a:lnR>
+                    <a:lnT>
+                      <a:noFill/>
+                    </a:lnT>
+                    <a:lnB>
+                      <a:noFill/>
+                    </a:lnB>
+                    <a:solidFill>
+                      <a:srgbClr val="FFFFFF"/>
+                    </a:solidFill>
+                  </a:tcPr>
+                </a:tc>
+                <a:extLst>
+                  <a:ext uri="{0D108BD9-81ED-4DB2-BD59-A6C34878D82A}">
+                    <a16:rowId xmlns:a16="http://schemas.microsoft.com/office/drawing/2014/main" val="3133440843"/>
+                  </a:ext>
+                </a:extLst>
+              </a:tr>
+              <a:tr h="340634">
+                <a:tc>
+                  <a:txBody>
+                    <a:bodyPr/>
+                    <a:lstStyle/>
+                    <a:p>
+                      <a:endParaRPr lang="en-IT" sz="1200" b="0">
+                        <a:effectLst/>
+                        <a:latin typeface="Google Sans"/>
+                      </a:endParaRPr>
+                    </a:p>
+                  </a:txBody>
+                  <a:tcPr marL="103112" marR="103112" marT="103112" marB="103112" anchor="ctr">
+                    <a:lnL>
+                      <a:noFill/>
+                    </a:lnL>
+                    <a:lnR>
+                      <a:noFill/>
+                    </a:lnR>
+                    <a:lnT>
+                      <a:noFill/>
+                    </a:lnT>
+                    <a:lnB>
+                      <a:noFill/>
+                    </a:lnB>
+                    <a:solidFill>
+                      <a:srgbClr val="FFFFFF"/>
+                    </a:solidFill>
+                  </a:tcPr>
+                </a:tc>
+                <a:tc>
+                  <a:txBody>
+                    <a:bodyPr/>
+                    <a:lstStyle/>
+                    <a:p>
+                      <a:endParaRPr lang="en-IT" sz="1200" b="0" dirty="0">
+                        <a:effectLst/>
+                        <a:latin typeface="Google Sans"/>
+                      </a:endParaRPr>
+                    </a:p>
+                  </a:txBody>
+                  <a:tcPr marL="103112" marR="103112" marT="103112" marB="103112" anchor="ctr">
+                    <a:lnL>
+                      <a:noFill/>
+                    </a:lnL>
+                    <a:lnR>
+                      <a:noFill/>
+                    </a:lnR>
+                    <a:lnT>
+                      <a:noFill/>
+                    </a:lnT>
+                    <a:lnB>
+                      <a:noFill/>
+                    </a:lnB>
+                    <a:solidFill>
+                      <a:srgbClr val="FFFFFF"/>
+                    </a:solidFill>
+                  </a:tcPr>
+                </a:tc>
+                <a:extLst>
+                  <a:ext uri="{0D108BD9-81ED-4DB2-BD59-A6C34878D82A}">
+                    <a16:rowId xmlns:a16="http://schemas.microsoft.com/office/drawing/2014/main" val="3577274678"/>
+                  </a:ext>
+                </a:extLst>
+              </a:tr>
+            </a:tbl>
+          </a:graphicData>
+        </a:graphic>
+      </p:graphicFrame>
+      <p:graphicFrame>
+        <p:nvGraphicFramePr>
+          <p:cNvPr id="7" name="Table 6">
+            <a:extLst>
+              <a:ext uri="{FF2B5EF4-FFF2-40B4-BE49-F238E27FC236}">
+                <a16:creationId xmlns:a16="http://schemas.microsoft.com/office/drawing/2014/main" id="{4E9D8585-54F8-2217-85F6-C6D5E46D7736}"/>
+              </a:ext>
+            </a:extLst>
+          </p:cNvPr>
+          <p:cNvGraphicFramePr>
+            <a:graphicFrameLocks noGrp="1"/>
+          </p:cNvGraphicFramePr>
+          <p:nvPr>
+            <p:extLst>
+              <p:ext uri="{D42A27DB-BD31-4B8C-83A1-F6EECF244321}">
+                <p14:modId xmlns:p14="http://schemas.microsoft.com/office/powerpoint/2010/main" val="4026523910"/>
+              </p:ext>
+            </p:extLst>
+          </p:nvPr>
+        </p:nvGraphicFramePr>
+        <p:xfrm>
+          <a:off x="4018457" y="2071582"/>
+          <a:ext cx="4155086" cy="3627120"/>
+        </p:xfrm>
+        <a:graphic>
+          <a:graphicData uri="http://schemas.openxmlformats.org/drawingml/2006/table">
+            <a:tbl>
+              <a:tblPr>
+                <a:tableStyleId>{284E427A-3D55-4303-BF80-6455036E1DE7}</a:tableStyleId>
+              </a:tblPr>
+              <a:tblGrid>
+                <a:gridCol w="2077543">
+                  <a:extLst>
+                    <a:ext uri="{9D8B030D-6E8A-4147-A177-3AD203B41FA5}">
+                      <a16:colId xmlns:a16="http://schemas.microsoft.com/office/drawing/2014/main" val="2608205727"/>
+                    </a:ext>
+                  </a:extLst>
+                </a:gridCol>
+                <a:gridCol w="2077543">
+                  <a:extLst>
+                    <a:ext uri="{9D8B030D-6E8A-4147-A177-3AD203B41FA5}">
+                      <a16:colId xmlns:a16="http://schemas.microsoft.com/office/drawing/2014/main" val="4004278729"/>
+                    </a:ext>
+                  </a:extLst>
+                </a:gridCol>
+              </a:tblGrid>
+              <a:tr h="0">
+                <a:tc gridSpan="2">
+                  <a:txBody>
+                    <a:bodyPr/>
+                    <a:lstStyle/>
+                    <a:p>
+                      <a:pPr algn="ctr"/>
+                      <a:r>
+                        <a:rPr lang="en-GB" b="0" dirty="0" err="1">
+                          <a:effectLst/>
+                        </a:rPr>
+                        <a:t>Studenti</a:t>
+                      </a:r>
+                      <a:r>
+                        <a:rPr lang="en-GB" b="0" dirty="0">
+                          <a:effectLst/>
+                        </a:rPr>
+                        <a:t> </a:t>
+                      </a:r>
+                      <a:r>
+                        <a:rPr lang="en-GB" b="0" dirty="0" err="1">
+                          <a:effectLst/>
+                        </a:rPr>
+                        <a:t>che</a:t>
+                      </a:r>
+                      <a:r>
+                        <a:rPr lang="en-GB" b="0" dirty="0">
+                          <a:effectLst/>
+                        </a:rPr>
+                        <a:t> </a:t>
+                      </a:r>
+                      <a:r>
+                        <a:rPr lang="en-GB" b="0" dirty="0" err="1">
+                          <a:effectLst/>
+                        </a:rPr>
+                        <a:t>hanno</a:t>
+                      </a:r>
+                      <a:r>
+                        <a:rPr lang="en-GB" b="0" dirty="0">
+                          <a:effectLst/>
+                        </a:rPr>
+                        <a:t> </a:t>
+                      </a:r>
+                      <a:r>
+                        <a:rPr lang="en-GB" b="0" dirty="0" err="1">
+                          <a:effectLst/>
+                        </a:rPr>
+                        <a:t>superato</a:t>
+                      </a:r>
+                      <a:r>
+                        <a:rPr lang="en-GB" b="0" dirty="0">
+                          <a:effectLst/>
+                        </a:rPr>
+                        <a:t> </a:t>
+                      </a:r>
+                      <a:r>
+                        <a:rPr lang="en-GB" b="0" dirty="0" err="1">
+                          <a:effectLst/>
+                        </a:rPr>
+                        <a:t>l’esame</a:t>
+                      </a:r>
+                      <a:endParaRPr lang="en-GB" b="0" dirty="0">
+                        <a:effectLst/>
+                        <a:latin typeface="Google Sans"/>
+                      </a:endParaRPr>
+                    </a:p>
+                  </a:txBody>
+                  <a:tcPr anchor="ctr"/>
+                </a:tc>
+                <a:tc hMerge="1">
+                  <a:txBody>
+                    <a:bodyPr/>
+                    <a:lstStyle/>
+                    <a:p>
+                      <a:pPr algn="l"/>
+                      <a:r>
+                        <a:rPr lang="en-GB" b="0" dirty="0" err="1">
+                          <a:effectLst/>
+                        </a:rPr>
+                        <a:t>Frequenza</a:t>
+                      </a:r>
+                      <a:endParaRPr lang="en-GB" b="0" dirty="0">
+                        <a:effectLst/>
+                        <a:latin typeface="Google Sans"/>
+                      </a:endParaRPr>
+                    </a:p>
+                  </a:txBody>
+                  <a:tcPr anchor="ctr"/>
+                </a:tc>
+                <a:extLst>
+                  <a:ext uri="{0D108BD9-81ED-4DB2-BD59-A6C34878D82A}">
+                    <a16:rowId xmlns:a16="http://schemas.microsoft.com/office/drawing/2014/main" val="955077112"/>
+                  </a:ext>
+                </a:extLst>
+              </a:tr>
+              <a:tr h="0">
+                <a:tc>
+                  <a:txBody>
+                    <a:bodyPr/>
+                    <a:lstStyle/>
+                    <a:p>
+                      <a:pPr algn="l"/>
+                      <a:r>
+                        <a:rPr lang="en-GB" b="0" dirty="0" err="1">
+                          <a:effectLst/>
+                        </a:rPr>
+                        <a:t>Numero</a:t>
+                      </a:r>
+                      <a:r>
+                        <a:rPr lang="en-GB" b="0" dirty="0">
+                          <a:effectLst/>
+                        </a:rPr>
+                        <a:t> di </a:t>
+                      </a:r>
+                      <a:r>
+                        <a:rPr lang="en-GB" b="0" dirty="0" err="1">
+                          <a:effectLst/>
+                        </a:rPr>
+                        <a:t>tentativi</a:t>
+                      </a:r>
+                      <a:endParaRPr lang="en-GB" b="0" dirty="0">
+                        <a:effectLst/>
+                        <a:latin typeface="Google Sans"/>
+                      </a:endParaRPr>
+                    </a:p>
+                  </a:txBody>
+                  <a:tcPr anchor="ctr"/>
+                </a:tc>
+                <a:tc>
+                  <a:txBody>
+                    <a:bodyPr/>
+                    <a:lstStyle/>
+                    <a:p>
+                      <a:pPr algn="l"/>
+                      <a:r>
+                        <a:rPr lang="en-GB" b="0" dirty="0" err="1">
+                          <a:effectLst/>
+                        </a:rPr>
+                        <a:t>Frequenza</a:t>
+                      </a:r>
+                      <a:endParaRPr lang="en-GB" b="0" dirty="0">
+                        <a:effectLst/>
+                        <a:latin typeface="Google Sans"/>
+                      </a:endParaRPr>
+                    </a:p>
+                  </a:txBody>
+                  <a:tcPr anchor="ctr"/>
+                </a:tc>
+                <a:extLst>
+                  <a:ext uri="{0D108BD9-81ED-4DB2-BD59-A6C34878D82A}">
+                    <a16:rowId xmlns:a16="http://schemas.microsoft.com/office/drawing/2014/main" val="310757085"/>
+                  </a:ext>
+                </a:extLst>
+              </a:tr>
+              <a:tr h="0">
+                <a:tc>
+                  <a:txBody>
+                    <a:bodyPr/>
+                    <a:lstStyle/>
+                    <a:p>
+                      <a:r>
+                        <a:rPr lang="en-IT" b="0" dirty="0">
+                          <a:effectLst/>
+                        </a:rPr>
+                        <a:t>1</a:t>
+                      </a:r>
+                      <a:endParaRPr lang="en-IT" b="0" dirty="0">
+                        <a:effectLst/>
+                        <a:latin typeface="Google Sans"/>
+                      </a:endParaRPr>
+                    </a:p>
+                  </a:txBody>
+                  <a:tcPr marL="152400" marR="152400" marT="152400" marB="152400" anchor="ctr"/>
+                </a:tc>
+                <a:tc>
+                  <a:txBody>
+                    <a:bodyPr/>
+                    <a:lstStyle/>
+                    <a:p>
+                      <a:r>
+                        <a:rPr lang="en-IT" b="0" dirty="0">
+                          <a:effectLst/>
+                        </a:rPr>
+                        <a:t>66</a:t>
+                      </a:r>
+                      <a:endParaRPr lang="en-IT" b="0" dirty="0">
+                        <a:effectLst/>
+                        <a:latin typeface="Google Sans"/>
+                      </a:endParaRPr>
+                    </a:p>
+                  </a:txBody>
+                  <a:tcPr marL="152400" marR="152400" marT="152400" marB="152400" anchor="ctr"/>
+                </a:tc>
+                <a:extLst>
+                  <a:ext uri="{0D108BD9-81ED-4DB2-BD59-A6C34878D82A}">
+                    <a16:rowId xmlns:a16="http://schemas.microsoft.com/office/drawing/2014/main" val="200430768"/>
+                  </a:ext>
+                </a:extLst>
+              </a:tr>
+              <a:tr h="0">
+                <a:tc>
+                  <a:txBody>
+                    <a:bodyPr/>
+                    <a:lstStyle/>
+                    <a:p>
+                      <a:r>
+                        <a:rPr lang="en-IT" b="0" dirty="0">
+                          <a:effectLst/>
+                        </a:rPr>
+                        <a:t>2</a:t>
+                      </a:r>
+                      <a:endParaRPr lang="en-IT" b="0" dirty="0">
+                        <a:effectLst/>
+                        <a:latin typeface="Google Sans"/>
+                      </a:endParaRPr>
+                    </a:p>
+                  </a:txBody>
+                  <a:tcPr marL="152400" marR="152400" marT="152400" marB="152400" anchor="ctr"/>
+                </a:tc>
+                <a:tc>
+                  <a:txBody>
+                    <a:bodyPr/>
+                    <a:lstStyle/>
+                    <a:p>
+                      <a:r>
+                        <a:rPr lang="en-IT" b="0" dirty="0">
+                          <a:effectLst/>
+                        </a:rPr>
+                        <a:t>24</a:t>
+                      </a:r>
+                      <a:endParaRPr lang="en-IT" b="0" dirty="0">
+                        <a:effectLst/>
+                        <a:latin typeface="Google Sans"/>
+                      </a:endParaRPr>
+                    </a:p>
+                  </a:txBody>
+                  <a:tcPr marL="152400" marR="152400" marT="152400" marB="152400" anchor="ctr"/>
+                </a:tc>
+                <a:extLst>
+                  <a:ext uri="{0D108BD9-81ED-4DB2-BD59-A6C34878D82A}">
+                    <a16:rowId xmlns:a16="http://schemas.microsoft.com/office/drawing/2014/main" val="2860588678"/>
+                  </a:ext>
+                </a:extLst>
+              </a:tr>
+              <a:tr h="0">
+                <a:tc>
+                  <a:txBody>
+                    <a:bodyPr/>
+                    <a:lstStyle/>
+                    <a:p>
+                      <a:r>
+                        <a:rPr lang="en-IT" b="0">
+                          <a:effectLst/>
+                        </a:rPr>
+                        <a:t>3</a:t>
+                      </a:r>
+                      <a:endParaRPr lang="en-IT" b="0">
+                        <a:effectLst/>
+                        <a:latin typeface="Google Sans"/>
+                      </a:endParaRPr>
+                    </a:p>
+                  </a:txBody>
+                  <a:tcPr marL="152400" marR="152400" marT="152400" marB="152400" anchor="ctr"/>
+                </a:tc>
+                <a:tc>
+                  <a:txBody>
+                    <a:bodyPr/>
+                    <a:lstStyle/>
+                    <a:p>
+                      <a:r>
+                        <a:rPr lang="en-IT" b="0" dirty="0">
+                          <a:effectLst/>
+                        </a:rPr>
+                        <a:t>9</a:t>
+                      </a:r>
+                      <a:endParaRPr lang="en-IT" b="0" dirty="0">
+                        <a:effectLst/>
+                        <a:latin typeface="Google Sans"/>
+                      </a:endParaRPr>
+                    </a:p>
+                  </a:txBody>
+                  <a:tcPr marL="152400" marR="152400" marT="152400" marB="152400" anchor="ctr"/>
+                </a:tc>
+                <a:extLst>
+                  <a:ext uri="{0D108BD9-81ED-4DB2-BD59-A6C34878D82A}">
+                    <a16:rowId xmlns:a16="http://schemas.microsoft.com/office/drawing/2014/main" val="1623174356"/>
+                  </a:ext>
+                </a:extLst>
+              </a:tr>
+              <a:tr h="0">
+                <a:tc>
+                  <a:txBody>
+                    <a:bodyPr/>
+                    <a:lstStyle/>
+                    <a:p>
+                      <a:r>
+                        <a:rPr lang="en-IT" b="0">
+                          <a:effectLst/>
+                        </a:rPr>
+                        <a:t>4</a:t>
+                      </a:r>
+                      <a:endParaRPr lang="en-IT" b="0">
+                        <a:effectLst/>
+                        <a:latin typeface="Google Sans"/>
+                      </a:endParaRPr>
+                    </a:p>
+                  </a:txBody>
+                  <a:tcPr marL="152400" marR="152400" marT="152400" marB="152400" anchor="ctr"/>
+                </a:tc>
+                <a:tc>
+                  <a:txBody>
+                    <a:bodyPr/>
+                    <a:lstStyle/>
+                    <a:p>
+                      <a:r>
+                        <a:rPr lang="en-IT" b="0" dirty="0">
+                          <a:effectLst/>
+                        </a:rPr>
+                        <a:t>2</a:t>
+                      </a:r>
+                      <a:endParaRPr lang="en-IT" b="0" dirty="0">
+                        <a:effectLst/>
+                        <a:latin typeface="Google Sans"/>
+                      </a:endParaRPr>
+                    </a:p>
+                  </a:txBody>
+                  <a:tcPr marL="152400" marR="152400" marT="152400" marB="152400" anchor="ctr"/>
+                </a:tc>
+                <a:extLst>
+                  <a:ext uri="{0D108BD9-81ED-4DB2-BD59-A6C34878D82A}">
+                    <a16:rowId xmlns:a16="http://schemas.microsoft.com/office/drawing/2014/main" val="1974360773"/>
+                  </a:ext>
+                </a:extLst>
+              </a:tr>
+              <a:tr h="0">
+                <a:tc>
+                  <a:txBody>
+                    <a:bodyPr/>
+                    <a:lstStyle/>
+                    <a:p>
+                      <a:r>
+                        <a:rPr lang="en-IT" b="0">
+                          <a:effectLst/>
+                        </a:rPr>
+                        <a:t>5</a:t>
+                      </a:r>
+                      <a:endParaRPr lang="en-IT" b="0">
+                        <a:effectLst/>
+                        <a:latin typeface="Google Sans"/>
+                      </a:endParaRPr>
+                    </a:p>
+                  </a:txBody>
+                  <a:tcPr marL="152400" marR="152400" marT="152400" marB="152400" anchor="ctr"/>
+                </a:tc>
+                <a:tc>
+                  <a:txBody>
+                    <a:bodyPr/>
+                    <a:lstStyle/>
+                    <a:p>
+                      <a:r>
+                        <a:rPr lang="en-IT" b="0" dirty="0">
+                          <a:effectLst/>
+                        </a:rPr>
+                        <a:t>1</a:t>
+                      </a:r>
+                      <a:endParaRPr lang="en-IT" b="0" dirty="0">
+                        <a:effectLst/>
+                        <a:latin typeface="Google Sans"/>
+                      </a:endParaRPr>
+                    </a:p>
+                  </a:txBody>
+                  <a:tcPr marL="152400" marR="152400" marT="152400" marB="152400" anchor="ctr"/>
+                </a:tc>
+                <a:extLst>
+                  <a:ext uri="{0D108BD9-81ED-4DB2-BD59-A6C34878D82A}">
+                    <a16:rowId xmlns:a16="http://schemas.microsoft.com/office/drawing/2014/main" val="863657650"/>
+                  </a:ext>
+                </a:extLst>
+              </a:tr>
+            </a:tbl>
+          </a:graphicData>
+        </a:graphic>
+      </p:graphicFrame>
+    </p:spTree>
+    <p:extLst>
+      <p:ext uri="{BB962C8B-B14F-4D97-AF65-F5344CB8AC3E}">
+        <p14:creationId xmlns:p14="http://schemas.microsoft.com/office/powerpoint/2010/main" val="3462871783"/>
+      </p:ext>
+    </p:extLst>
+  </p:cSld>
+  <p:clrMapOvr>
+    <a:masterClrMapping/>
+  </p:clrMapOvr>
+</p:sld>
+</file>
+
 <file path=ppt/theme/theme1.xml><?xml version="1.0" encoding="utf-8"?>
 <a:theme xmlns:a="http://schemas.openxmlformats.org/drawingml/2006/main" name="Office Theme">
   <a:themeElements>
